--- a/files/소프트웨어 공학 2차 발표.pptx
+++ b/files/소프트웨어 공학 2차 발표.pptx
@@ -1,30 +1,30 @@
 
 <file path=ppt/presentation.xml><?xml version="1.0" encoding="utf-8"?>
-<p:presentation xmlns:a="http://schemas.openxmlformats.org/drawingml/2006/main" xmlns:r="http://schemas.openxmlformats.org/officeDocument/2006/relationships" xmlns:p="http://schemas.openxmlformats.org/presentationml/2006/main" saveSubsetFonts="1">
+<p:presentation xmlns:a="http://schemas.openxmlformats.org/drawingml/2006/main" xmlns:r="http://schemas.openxmlformats.org/officeDocument/2006/relationships" xmlns:p="http://schemas.openxmlformats.org/presentationml/2006/main">
   <p:sldMasterIdLst>
-    <p:sldMasterId id="2147483648" r:id="rId1"/>
+    <p:sldMasterId id="2147483660" r:id="rId1"/>
   </p:sldMasterIdLst>
   <p:notesMasterIdLst>
     <p:notesMasterId r:id="rId19"/>
   </p:notesMasterIdLst>
   <p:sldIdLst>
     <p:sldId id="256" r:id="rId2"/>
-    <p:sldId id="269" r:id="rId3"/>
-    <p:sldId id="268" r:id="rId4"/>
-    <p:sldId id="267" r:id="rId5"/>
-    <p:sldId id="257" r:id="rId6"/>
-    <p:sldId id="270" r:id="rId7"/>
-    <p:sldId id="271" r:id="rId8"/>
-    <p:sldId id="277" r:id="rId9"/>
-    <p:sldId id="272" r:id="rId10"/>
+    <p:sldId id="257" r:id="rId3"/>
+    <p:sldId id="258" r:id="rId4"/>
+    <p:sldId id="259" r:id="rId5"/>
+    <p:sldId id="260" r:id="rId6"/>
+    <p:sldId id="261" r:id="rId7"/>
+    <p:sldId id="262" r:id="rId8"/>
+    <p:sldId id="263" r:id="rId9"/>
+    <p:sldId id="264" r:id="rId10"/>
     <p:sldId id="265" r:id="rId11"/>
-    <p:sldId id="273" r:id="rId12"/>
-    <p:sldId id="259" r:id="rId13"/>
-    <p:sldId id="264" r:id="rId14"/>
-    <p:sldId id="275" r:id="rId15"/>
-    <p:sldId id="276" r:id="rId16"/>
-    <p:sldId id="266" r:id="rId17"/>
-    <p:sldId id="274" r:id="rId18"/>
+    <p:sldId id="266" r:id="rId12"/>
+    <p:sldId id="267" r:id="rId13"/>
+    <p:sldId id="268" r:id="rId14"/>
+    <p:sldId id="269" r:id="rId15"/>
+    <p:sldId id="270" r:id="rId16"/>
+    <p:sldId id="271" r:id="rId17"/>
+    <p:sldId id="272" r:id="rId18"/>
   </p:sldIdLst>
   <p:sldSz cx="9144000" cy="6858000" type="screen4x3"/>
   <p:notesSz cx="6858000" cy="9144000"/>
@@ -168,13 +168,16 @@
           </a:prstGeom>
         </p:spPr>
         <p:txBody>
-          <a:bodyPr vert="horz" lIns="91440" tIns="45720" rIns="91440" bIns="45720" rtlCol="0"/>
+          <a:bodyPr vert="horz" lIns="91440" tIns="45720" rIns="91440" bIns="45720"/>
           <a:lstStyle>
             <a:lvl1pPr algn="l">
               <a:defRPr sz="1200"/>
             </a:lvl1pPr>
           </a:lstStyle>
           <a:p>
+            <a:pPr lvl="0">
+              <a:defRPr/>
+            </a:pPr>
             <a:endParaRPr lang="ko-KR" altLang="en-US"/>
           </a:p>
         </p:txBody>
@@ -199,15 +202,21 @@
           </a:prstGeom>
         </p:spPr>
         <p:txBody>
-          <a:bodyPr vert="horz" lIns="91440" tIns="45720" rIns="91440" bIns="45720" rtlCol="0"/>
+          <a:bodyPr vert="horz" lIns="91440" tIns="45720" rIns="91440" bIns="45720"/>
           <a:lstStyle>
             <a:lvl1pPr algn="r">
               <a:defRPr sz="1200"/>
             </a:lvl1pPr>
           </a:lstStyle>
           <a:p>
-            <a:fld id="{3355BAA4-293B-47DA-A4EB-BDDD9BE5EE98}" type="datetimeFigureOut">
-              <a:rPr lang="ko-KR" altLang="en-US" smtClean="0"/>
+            <a:pPr lvl="0">
+              <a:defRPr/>
+            </a:pPr>
+            <a:fld id="{3355BAA4-293B-47DA-A4EB-BDDD9BE5EE98}" type="datetime1">
+              <a:rPr lang="ko-KR" altLang="en-US"/>
+              <a:pPr lvl="0">
+                <a:defRPr/>
+              </a:pPr>
               <a:t>2019-06-10</a:t>
             </a:fld>
             <a:endParaRPr lang="ko-KR" altLang="en-US"/>
@@ -218,7 +227,7 @@
         <p:nvSpPr>
           <p:cNvPr id="4" name="슬라이드 이미지 개체 틀 3"/>
           <p:cNvSpPr>
-            <a:spLocks noGrp="1" noRot="1" noChangeAspect="1"/>
+            <a:spLocks noGrp="1" noRot="1" noChangeAspect="1" noTextEdit="1"/>
           </p:cNvSpPr>
           <p:nvPr>
             <p:ph type="sldImg" idx="2"/>
@@ -240,9 +249,12 @@
           </a:ln>
         </p:spPr>
         <p:txBody>
-          <a:bodyPr vert="horz" lIns="91440" tIns="45720" rIns="91440" bIns="45720" rtlCol="0" anchor="ctr"/>
+          <a:bodyPr vert="horz" lIns="91440" tIns="45720" rIns="91440" bIns="45720" anchor="ctr"/>
           <a:lstStyle/>
           <a:p>
+            <a:pPr lvl="0">
+              <a:defRPr/>
+            </a:pPr>
             <a:endParaRPr lang="ko-KR" altLang="en-US"/>
           </a:p>
         </p:txBody>
@@ -267,43 +279,52 @@
           </a:prstGeom>
         </p:spPr>
         <p:txBody>
-          <a:bodyPr vert="horz" lIns="91440" tIns="45720" rIns="91440" bIns="45720" rtlCol="0"/>
+          <a:bodyPr vert="horz" lIns="91440" tIns="45720" rIns="91440" bIns="45720"/>
           <a:lstStyle/>
           <a:p>
-            <a:pPr lvl="0"/>
-            <a:r>
-              <a:rPr lang="ko-KR" altLang="en-US" smtClean="0"/>
+            <a:pPr lvl="0">
+              <a:defRPr/>
+            </a:pPr>
+            <a:r>
+              <a:rPr lang="ko-KR" altLang="en-US"/>
               <a:t>마스터 텍스트 스타일을 편집합니다</a:t>
             </a:r>
           </a:p>
           <a:p>
-            <a:pPr lvl="1"/>
-            <a:r>
-              <a:rPr lang="ko-KR" altLang="en-US" smtClean="0"/>
+            <a:pPr lvl="1">
+              <a:defRPr/>
+            </a:pPr>
+            <a:r>
+              <a:rPr lang="ko-KR" altLang="en-US"/>
               <a:t>둘째 수준</a:t>
             </a:r>
           </a:p>
           <a:p>
-            <a:pPr lvl="2"/>
-            <a:r>
-              <a:rPr lang="ko-KR" altLang="en-US" smtClean="0"/>
+            <a:pPr lvl="2">
+              <a:defRPr/>
+            </a:pPr>
+            <a:r>
+              <a:rPr lang="ko-KR" altLang="en-US"/>
               <a:t>셋째 수준</a:t>
             </a:r>
           </a:p>
           <a:p>
-            <a:pPr lvl="3"/>
-            <a:r>
-              <a:rPr lang="ko-KR" altLang="en-US" smtClean="0"/>
+            <a:pPr lvl="3">
+              <a:defRPr/>
+            </a:pPr>
+            <a:r>
+              <a:rPr lang="ko-KR" altLang="en-US"/>
               <a:t>넷째 수준</a:t>
             </a:r>
           </a:p>
           <a:p>
-            <a:pPr lvl="4"/>
-            <a:r>
-              <a:rPr lang="ko-KR" altLang="en-US" smtClean="0"/>
+            <a:pPr lvl="4">
+              <a:defRPr/>
+            </a:pPr>
+            <a:r>
+              <a:rPr lang="ko-KR" altLang="en-US"/>
               <a:t>다섯째 수준</a:t>
             </a:r>
-            <a:endParaRPr lang="ko-KR" altLang="en-US"/>
           </a:p>
         </p:txBody>
       </p:sp>
@@ -327,13 +348,16 @@
           </a:prstGeom>
         </p:spPr>
         <p:txBody>
-          <a:bodyPr vert="horz" lIns="91440" tIns="45720" rIns="91440" bIns="45720" rtlCol="0" anchor="b"/>
+          <a:bodyPr vert="horz" lIns="91440" tIns="45720" rIns="91440" bIns="45720" anchor="b"/>
           <a:lstStyle>
             <a:lvl1pPr algn="l">
               <a:defRPr sz="1200"/>
             </a:lvl1pPr>
           </a:lstStyle>
           <a:p>
+            <a:pPr lvl="0">
+              <a:defRPr/>
+            </a:pPr>
             <a:endParaRPr lang="ko-KR" altLang="en-US"/>
           </a:p>
         </p:txBody>
@@ -358,15 +382,21 @@
           </a:prstGeom>
         </p:spPr>
         <p:txBody>
-          <a:bodyPr vert="horz" lIns="91440" tIns="45720" rIns="91440" bIns="45720" rtlCol="0" anchor="b"/>
+          <a:bodyPr vert="horz" lIns="91440" tIns="45720" rIns="91440" bIns="45720" anchor="b"/>
           <a:lstStyle>
             <a:lvl1pPr algn="r">
               <a:defRPr sz="1200"/>
             </a:lvl1pPr>
           </a:lstStyle>
           <a:p>
+            <a:pPr lvl="0">
+              <a:defRPr/>
+            </a:pPr>
             <a:fld id="{C194D3CF-AEB7-4E6D-833E-D3CEA5EE86FB}" type="slidenum">
-              <a:rPr lang="ko-KR" altLang="en-US" smtClean="0"/>
+              <a:rPr lang="ko-KR" altLang="en-US"/>
+              <a:pPr lvl="0">
+                <a:defRPr/>
+              </a:pPr>
               <a:t>‹#›</a:t>
             </a:fld>
             <a:endParaRPr lang="ko-KR" altLang="en-US"/>
@@ -376,11 +406,12 @@
     </p:spTree>
     <p:extLst>
       <p:ext uri="{BB962C8B-B14F-4D97-AF65-F5344CB8AC3E}">
-        <p14:creationId xmlns:p14="http://schemas.microsoft.com/office/powerpoint/2010/main" val="3201321191"/>
+        <p14:creationId xmlns:p14="http://schemas.microsoft.com/office/powerpoint/2010/main" val="2380602492"/>
       </p:ext>
     </p:extLst>
   </p:cSld>
   <p:clrMap bg1="lt1" tx1="dk1" bg2="lt2" tx2="dk2" accent1="accent1" accent2="accent2" accent3="accent3" accent4="accent4" accent5="accent5" accent6="accent6" hlink="hlink" folHlink="folHlink"/>
+  <p:hf hdr="0" ftr="0" dt="0"/>
   <p:notesStyle>
     <a:lvl1pPr marL="0" algn="l" defTabSz="914400" rtl="0" eaLnBrk="1" latinLnBrk="1" hangingPunct="1">
       <a:defRPr sz="1200" kern="1200">
@@ -497,7 +528,7 @@
         <p:nvSpPr>
           <p:cNvPr id="2" name="슬라이드 이미지 개체 틀 1"/>
           <p:cNvSpPr>
-            <a:spLocks noGrp="1" noRot="1" noChangeAspect="1"/>
+            <a:spLocks noGrp="1" noRot="1" noChangeAspect="1" noTextEdit="1"/>
           </p:cNvSpPr>
           <p:nvPr>
             <p:ph type="sldImg"/>
@@ -520,7 +551,7 @@
           <a:bodyPr/>
           <a:lstStyle/>
           <a:p>
-            <a:pPr marL="0" marR="0" indent="0" algn="l" defTabSz="914400" rtl="0" eaLnBrk="1" fontAlgn="auto" latinLnBrk="1" hangingPunct="1">
+            <a:pPr marL="0" marR="0" indent="0" algn="l" defTabSz="914400" rtl="0" eaLnBrk="1" latinLnBrk="1" hangingPunct="1">
               <a:lnSpc>
                 <a:spcPct val="100000"/>
               </a:lnSpc>
@@ -531,13 +562,11 @@
                 <a:spcPts val="0"/>
               </a:spcAft>
               <a:buClrTx/>
-              <a:buSzTx/>
               <a:buFontTx/>
               <a:buNone/>
-              <a:tabLst/>
               <a:defRPr/>
             </a:pPr>
-            <a:endParaRPr lang="ko-KR" altLang="en-US" sz="1200" b="0" cap="none" spc="0" dirty="0" smtClean="0">
+            <a:endParaRPr lang="ko-KR" altLang="en-US" sz="1200" b="0" cap="none" spc="0">
               <a:ln w="10541" cmpd="sng">
                 <a:solidFill>
                   <a:srgbClr val="7D7D7D">
@@ -581,7 +610,7 @@
                     </a:srgbClr>
                   </a:gs>
                 </a:gsLst>
-                <a:lin ang="5400000"/>
+                <a:lin ang="5400000" scaled="0"/>
               </a:gradFill>
               <a:effectLst/>
             </a:endParaRPr>
@@ -603,20 +632,21 @@
           <a:bodyPr/>
           <a:lstStyle/>
           <a:p>
+            <a:pPr lvl="0">
+              <a:defRPr/>
+            </a:pPr>
             <a:fld id="{C194D3CF-AEB7-4E6D-833E-D3CEA5EE86FB}" type="slidenum">
-              <a:rPr lang="ko-KR" altLang="en-US" smtClean="0"/>
+              <a:rPr lang="en-US" altLang="en-US"/>
+              <a:pPr lvl="0">
+                <a:defRPr/>
+              </a:pPr>
               <a:t>1</a:t>
             </a:fld>
-            <a:endParaRPr lang="ko-KR" altLang="en-US"/>
+            <a:endParaRPr lang="en-US" altLang="en-US"/>
           </a:p>
         </p:txBody>
       </p:sp>
     </p:spTree>
-    <p:extLst>
-      <p:ext uri="{BB962C8B-B14F-4D97-AF65-F5344CB8AC3E}">
-        <p14:creationId xmlns:p14="http://schemas.microsoft.com/office/powerpoint/2010/main" val="319355397"/>
-      </p:ext>
-    </p:extLst>
   </p:cSld>
   <p:clrMapOvr>
     <a:masterClrMapping/>
@@ -645,7 +675,7 @@
         <p:nvSpPr>
           <p:cNvPr id="2" name="슬라이드 이미지 개체 틀 1"/>
           <p:cNvSpPr>
-            <a:spLocks noGrp="1" noRot="1" noChangeAspect="1"/>
+            <a:spLocks noGrp="1" noRot="1" noChangeAspect="1" noTextEdit="1"/>
           </p:cNvSpPr>
           <p:nvPr>
             <p:ph type="sldImg"/>
@@ -668,19 +698,18 @@
           <a:bodyPr/>
           <a:lstStyle/>
           <a:p>
-            <a:r>
-              <a:rPr lang="ko-KR" altLang="en-US" dirty="0" smtClean="0"/>
+            <a:pPr lvl="0">
+              <a:defRPr/>
+            </a:pPr>
+            <a:r>
+              <a:rPr lang="ko-KR" altLang="en-US"/>
               <a:t>발표자라서 맨</a:t>
             </a:r>
             <a:r>
-              <a:rPr lang="ko-KR" altLang="en-US" baseline="0" dirty="0" smtClean="0"/>
-              <a:t> 위에 있는 것임 아무튼 </a:t>
-            </a:r>
-            <a:r>
-              <a:rPr lang="ko-KR" altLang="en-US" baseline="0" dirty="0" err="1" smtClean="0"/>
-              <a:t>그런것임</a:t>
-            </a:r>
-            <a:endParaRPr lang="ko-KR" altLang="en-US" dirty="0"/>
+              <a:rPr lang="ko-KR" altLang="en-US" baseline="0"/>
+              <a:t> 위에 있는 것임 아무튼 그런것임</a:t>
+            </a:r>
+            <a:endParaRPr lang="ko-KR" altLang="en-US"/>
           </a:p>
         </p:txBody>
       </p:sp>
@@ -699,20 +728,21 @@
           <a:bodyPr/>
           <a:lstStyle/>
           <a:p>
+            <a:pPr lvl="0">
+              <a:defRPr/>
+            </a:pPr>
             <a:fld id="{C194D3CF-AEB7-4E6D-833E-D3CEA5EE86FB}" type="slidenum">
-              <a:rPr lang="ko-KR" altLang="en-US" smtClean="0"/>
+              <a:rPr lang="en-US" altLang="en-US"/>
+              <a:pPr lvl="0">
+                <a:defRPr/>
+              </a:pPr>
               <a:t>11</a:t>
             </a:fld>
-            <a:endParaRPr lang="ko-KR" altLang="en-US"/>
+            <a:endParaRPr lang="en-US" altLang="en-US"/>
           </a:p>
         </p:txBody>
       </p:sp>
     </p:spTree>
-    <p:extLst>
-      <p:ext uri="{BB962C8B-B14F-4D97-AF65-F5344CB8AC3E}">
-        <p14:creationId xmlns:p14="http://schemas.microsoft.com/office/powerpoint/2010/main" val="3723274222"/>
-      </p:ext>
-    </p:extLst>
   </p:cSld>
   <p:clrMapOvr>
     <a:masterClrMapping/>
@@ -741,7 +771,7 @@
         <p:nvSpPr>
           <p:cNvPr id="2" name="슬라이드 이미지 개체 틀 1"/>
           <p:cNvSpPr>
-            <a:spLocks noGrp="1" noRot="1" noChangeAspect="1"/>
+            <a:spLocks noGrp="1" noRot="1" noChangeAspect="1" noTextEdit="1"/>
           </p:cNvSpPr>
           <p:nvPr>
             <p:ph type="sldImg"/>
@@ -764,7 +794,10 @@
           <a:bodyPr/>
           <a:lstStyle/>
           <a:p>
-            <a:endParaRPr lang="ko-KR" altLang="en-US" dirty="0"/>
+            <a:pPr lvl="0">
+              <a:defRPr/>
+            </a:pPr>
+            <a:endParaRPr lang="ko-KR" altLang="en-US"/>
           </a:p>
         </p:txBody>
       </p:sp>
@@ -783,20 +816,21 @@
           <a:bodyPr/>
           <a:lstStyle/>
           <a:p>
+            <a:pPr lvl="0">
+              <a:defRPr/>
+            </a:pPr>
             <a:fld id="{C194D3CF-AEB7-4E6D-833E-D3CEA5EE86FB}" type="slidenum">
-              <a:rPr lang="ko-KR" altLang="en-US" smtClean="0"/>
+              <a:rPr lang="en-US" altLang="en-US"/>
+              <a:pPr lvl="0">
+                <a:defRPr/>
+              </a:pPr>
               <a:t>12</a:t>
             </a:fld>
-            <a:endParaRPr lang="ko-KR" altLang="en-US"/>
+            <a:endParaRPr lang="en-US" altLang="en-US"/>
           </a:p>
         </p:txBody>
       </p:sp>
     </p:spTree>
-    <p:extLst>
-      <p:ext uri="{BB962C8B-B14F-4D97-AF65-F5344CB8AC3E}">
-        <p14:creationId xmlns:p14="http://schemas.microsoft.com/office/powerpoint/2010/main" val="3764270850"/>
-      </p:ext>
-    </p:extLst>
   </p:cSld>
   <p:clrMapOvr>
     <a:masterClrMapping/>
@@ -825,7 +859,7 @@
         <p:nvSpPr>
           <p:cNvPr id="2" name="슬라이드 이미지 개체 틀 1"/>
           <p:cNvSpPr>
-            <a:spLocks noGrp="1" noRot="1" noChangeAspect="1"/>
+            <a:spLocks noGrp="1" noRot="1" noChangeAspect="1" noTextEdit="1"/>
           </p:cNvSpPr>
           <p:nvPr>
             <p:ph type="sldImg"/>
@@ -848,7 +882,10 @@
           <a:bodyPr/>
           <a:lstStyle/>
           <a:p>
-            <a:endParaRPr lang="ko-KR" altLang="en-US" dirty="0"/>
+            <a:pPr lvl="0">
+              <a:defRPr/>
+            </a:pPr>
+            <a:endParaRPr lang="ko-KR" altLang="en-US"/>
           </a:p>
         </p:txBody>
       </p:sp>
@@ -867,20 +904,21 @@
           <a:bodyPr/>
           <a:lstStyle/>
           <a:p>
+            <a:pPr lvl="0">
+              <a:defRPr/>
+            </a:pPr>
             <a:fld id="{C194D3CF-AEB7-4E6D-833E-D3CEA5EE86FB}" type="slidenum">
-              <a:rPr lang="ko-KR" altLang="en-US" smtClean="0"/>
+              <a:rPr lang="en-US" altLang="en-US"/>
+              <a:pPr lvl="0">
+                <a:defRPr/>
+              </a:pPr>
               <a:t>13</a:t>
             </a:fld>
-            <a:endParaRPr lang="ko-KR" altLang="en-US"/>
+            <a:endParaRPr lang="en-US" altLang="en-US"/>
           </a:p>
         </p:txBody>
       </p:sp>
     </p:spTree>
-    <p:extLst>
-      <p:ext uri="{BB962C8B-B14F-4D97-AF65-F5344CB8AC3E}">
-        <p14:creationId xmlns:p14="http://schemas.microsoft.com/office/powerpoint/2010/main" val="3764270850"/>
-      </p:ext>
-    </p:extLst>
   </p:cSld>
   <p:clrMapOvr>
     <a:masterClrMapping/>
@@ -909,7 +947,7 @@
         <p:nvSpPr>
           <p:cNvPr id="2" name="슬라이드 이미지 개체 틀 1"/>
           <p:cNvSpPr>
-            <a:spLocks noGrp="1" noRot="1" noChangeAspect="1"/>
+            <a:spLocks noGrp="1" noRot="1" noChangeAspect="1" noTextEdit="1"/>
           </p:cNvSpPr>
           <p:nvPr>
             <p:ph type="sldImg"/>
@@ -932,7 +970,10 @@
           <a:bodyPr/>
           <a:lstStyle/>
           <a:p>
-            <a:endParaRPr lang="ko-KR" altLang="en-US" dirty="0"/>
+            <a:pPr lvl="0">
+              <a:defRPr/>
+            </a:pPr>
+            <a:endParaRPr lang="ko-KR" altLang="en-US"/>
           </a:p>
         </p:txBody>
       </p:sp>
@@ -951,20 +992,21 @@
           <a:bodyPr/>
           <a:lstStyle/>
           <a:p>
+            <a:pPr lvl="0">
+              <a:defRPr/>
+            </a:pPr>
             <a:fld id="{C194D3CF-AEB7-4E6D-833E-D3CEA5EE86FB}" type="slidenum">
-              <a:rPr lang="ko-KR" altLang="en-US" smtClean="0"/>
+              <a:rPr lang="en-US" altLang="en-US"/>
+              <a:pPr lvl="0">
+                <a:defRPr/>
+              </a:pPr>
               <a:t>14</a:t>
             </a:fld>
-            <a:endParaRPr lang="ko-KR" altLang="en-US"/>
+            <a:endParaRPr lang="en-US" altLang="en-US"/>
           </a:p>
         </p:txBody>
       </p:sp>
     </p:spTree>
-    <p:extLst>
-      <p:ext uri="{BB962C8B-B14F-4D97-AF65-F5344CB8AC3E}">
-        <p14:creationId xmlns:p14="http://schemas.microsoft.com/office/powerpoint/2010/main" val="3764270850"/>
-      </p:ext>
-    </p:extLst>
   </p:cSld>
   <p:clrMapOvr>
     <a:masterClrMapping/>
@@ -993,7 +1035,7 @@
         <p:nvSpPr>
           <p:cNvPr id="2" name="슬라이드 이미지 개체 틀 1"/>
           <p:cNvSpPr>
-            <a:spLocks noGrp="1" noRot="1" noChangeAspect="1"/>
+            <a:spLocks noGrp="1" noRot="1" noChangeAspect="1" noTextEdit="1"/>
           </p:cNvSpPr>
           <p:nvPr>
             <p:ph type="sldImg"/>
@@ -1016,7 +1058,10 @@
           <a:bodyPr/>
           <a:lstStyle/>
           <a:p>
-            <a:endParaRPr lang="ko-KR" altLang="en-US" dirty="0"/>
+            <a:pPr lvl="0">
+              <a:defRPr/>
+            </a:pPr>
+            <a:endParaRPr lang="ko-KR" altLang="en-US"/>
           </a:p>
         </p:txBody>
       </p:sp>
@@ -1035,20 +1080,21 @@
           <a:bodyPr/>
           <a:lstStyle/>
           <a:p>
+            <a:pPr lvl="0">
+              <a:defRPr/>
+            </a:pPr>
             <a:fld id="{C194D3CF-AEB7-4E6D-833E-D3CEA5EE86FB}" type="slidenum">
-              <a:rPr lang="ko-KR" altLang="en-US" smtClean="0"/>
+              <a:rPr lang="en-US" altLang="en-US"/>
+              <a:pPr lvl="0">
+                <a:defRPr/>
+              </a:pPr>
               <a:t>15</a:t>
             </a:fld>
-            <a:endParaRPr lang="ko-KR" altLang="en-US"/>
+            <a:endParaRPr lang="en-US" altLang="en-US"/>
           </a:p>
         </p:txBody>
       </p:sp>
     </p:spTree>
-    <p:extLst>
-      <p:ext uri="{BB962C8B-B14F-4D97-AF65-F5344CB8AC3E}">
-        <p14:creationId xmlns:p14="http://schemas.microsoft.com/office/powerpoint/2010/main" val="3764270850"/>
-      </p:ext>
-    </p:extLst>
   </p:cSld>
   <p:clrMapOvr>
     <a:masterClrMapping/>
@@ -1077,7 +1123,7 @@
         <p:nvSpPr>
           <p:cNvPr id="2" name="슬라이드 이미지 개체 틀 1"/>
           <p:cNvSpPr>
-            <a:spLocks noGrp="1" noRot="1" noChangeAspect="1"/>
+            <a:spLocks noGrp="1" noRot="1" noChangeAspect="1" noTextEdit="1"/>
           </p:cNvSpPr>
           <p:nvPr>
             <p:ph type="sldImg"/>
@@ -1100,7 +1146,10 @@
           <a:bodyPr/>
           <a:lstStyle/>
           <a:p>
-            <a:endParaRPr lang="ko-KR" altLang="en-US" dirty="0"/>
+            <a:pPr lvl="0">
+              <a:defRPr/>
+            </a:pPr>
+            <a:endParaRPr lang="ko-KR" altLang="en-US"/>
           </a:p>
         </p:txBody>
       </p:sp>
@@ -1119,20 +1168,21 @@
           <a:bodyPr/>
           <a:lstStyle/>
           <a:p>
+            <a:pPr lvl="0">
+              <a:defRPr/>
+            </a:pPr>
             <a:fld id="{C194D3CF-AEB7-4E6D-833E-D3CEA5EE86FB}" type="slidenum">
-              <a:rPr lang="ko-KR" altLang="en-US" smtClean="0"/>
+              <a:rPr lang="en-US" altLang="en-US"/>
+              <a:pPr lvl="0">
+                <a:defRPr/>
+              </a:pPr>
               <a:t>16</a:t>
             </a:fld>
-            <a:endParaRPr lang="ko-KR" altLang="en-US"/>
+            <a:endParaRPr lang="en-US" altLang="en-US"/>
           </a:p>
         </p:txBody>
       </p:sp>
     </p:spTree>
-    <p:extLst>
-      <p:ext uri="{BB962C8B-B14F-4D97-AF65-F5344CB8AC3E}">
-        <p14:creationId xmlns:p14="http://schemas.microsoft.com/office/powerpoint/2010/main" val="3764270850"/>
-      </p:ext>
-    </p:extLst>
   </p:cSld>
   <p:clrMapOvr>
     <a:masterClrMapping/>
@@ -1161,7 +1211,7 @@
         <p:nvSpPr>
           <p:cNvPr id="2" name="슬라이드 이미지 개체 틀 1"/>
           <p:cNvSpPr>
-            <a:spLocks noGrp="1" noRot="1" noChangeAspect="1"/>
+            <a:spLocks noGrp="1" noRot="1" noChangeAspect="1" noTextEdit="1"/>
           </p:cNvSpPr>
           <p:nvPr>
             <p:ph type="sldImg"/>
@@ -1184,7 +1234,10 @@
           <a:bodyPr/>
           <a:lstStyle/>
           <a:p>
-            <a:endParaRPr lang="ko-KR" altLang="en-US" dirty="0"/>
+            <a:pPr lvl="0">
+              <a:defRPr/>
+            </a:pPr>
+            <a:endParaRPr lang="ko-KR" altLang="en-US"/>
           </a:p>
         </p:txBody>
       </p:sp>
@@ -1203,20 +1256,21 @@
           <a:bodyPr/>
           <a:lstStyle/>
           <a:p>
+            <a:pPr lvl="0">
+              <a:defRPr/>
+            </a:pPr>
             <a:fld id="{C194D3CF-AEB7-4E6D-833E-D3CEA5EE86FB}" type="slidenum">
-              <a:rPr lang="ko-KR" altLang="en-US" smtClean="0"/>
+              <a:rPr lang="en-US" altLang="en-US"/>
+              <a:pPr lvl="0">
+                <a:defRPr/>
+              </a:pPr>
               <a:t>2</a:t>
             </a:fld>
-            <a:endParaRPr lang="ko-KR" altLang="en-US"/>
+            <a:endParaRPr lang="en-US" altLang="en-US"/>
           </a:p>
         </p:txBody>
       </p:sp>
     </p:spTree>
-    <p:extLst>
-      <p:ext uri="{BB962C8B-B14F-4D97-AF65-F5344CB8AC3E}">
-        <p14:creationId xmlns:p14="http://schemas.microsoft.com/office/powerpoint/2010/main" val="2371453325"/>
-      </p:ext>
-    </p:extLst>
   </p:cSld>
   <p:clrMapOvr>
     <a:masterClrMapping/>
@@ -1245,7 +1299,7 @@
         <p:nvSpPr>
           <p:cNvPr id="2" name="슬라이드 이미지 개체 틀 1"/>
           <p:cNvSpPr>
-            <a:spLocks noGrp="1" noRot="1" noChangeAspect="1"/>
+            <a:spLocks noGrp="1" noRot="1" noChangeAspect="1" noTextEdit="1"/>
           </p:cNvSpPr>
           <p:nvPr>
             <p:ph type="sldImg"/>
@@ -1268,11 +1322,13 @@
           <a:bodyPr/>
           <a:lstStyle/>
           <a:p>
-            <a:r>
-              <a:rPr lang="ko-KR" altLang="en-US" dirty="0" smtClean="0"/>
+            <a:pPr lvl="0">
+              <a:defRPr/>
+            </a:pPr>
+            <a:r>
+              <a:rPr lang="ko-KR" altLang="en-US"/>
               <a:t>그만 알아보자</a:t>
             </a:r>
-            <a:endParaRPr lang="ko-KR" altLang="en-US" dirty="0"/>
           </a:p>
         </p:txBody>
       </p:sp>
@@ -1291,20 +1347,21 @@
           <a:bodyPr/>
           <a:lstStyle/>
           <a:p>
+            <a:pPr lvl="0">
+              <a:defRPr/>
+            </a:pPr>
             <a:fld id="{C194D3CF-AEB7-4E6D-833E-D3CEA5EE86FB}" type="slidenum">
-              <a:rPr lang="ko-KR" altLang="en-US" smtClean="0"/>
+              <a:rPr lang="en-US" altLang="en-US"/>
+              <a:pPr lvl="0">
+                <a:defRPr/>
+              </a:pPr>
               <a:t>4</a:t>
             </a:fld>
-            <a:endParaRPr lang="ko-KR" altLang="en-US"/>
+            <a:endParaRPr lang="en-US" altLang="en-US"/>
           </a:p>
         </p:txBody>
       </p:sp>
     </p:spTree>
-    <p:extLst>
-      <p:ext uri="{BB962C8B-B14F-4D97-AF65-F5344CB8AC3E}">
-        <p14:creationId xmlns:p14="http://schemas.microsoft.com/office/powerpoint/2010/main" val="3764270850"/>
-      </p:ext>
-    </p:extLst>
   </p:cSld>
   <p:clrMapOvr>
     <a:masterClrMapping/>
@@ -1333,7 +1390,7 @@
         <p:nvSpPr>
           <p:cNvPr id="2" name="슬라이드 이미지 개체 틀 1"/>
           <p:cNvSpPr>
-            <a:spLocks noGrp="1" noRot="1" noChangeAspect="1"/>
+            <a:spLocks noGrp="1" noRot="1" noChangeAspect="1" noTextEdit="1"/>
           </p:cNvSpPr>
           <p:nvPr>
             <p:ph type="sldImg"/>
@@ -1356,7 +1413,10 @@
           <a:bodyPr/>
           <a:lstStyle/>
           <a:p>
-            <a:endParaRPr lang="ko-KR" altLang="en-US" dirty="0"/>
+            <a:pPr lvl="0">
+              <a:defRPr/>
+            </a:pPr>
+            <a:endParaRPr lang="ko-KR" altLang="en-US"/>
           </a:p>
         </p:txBody>
       </p:sp>
@@ -1375,20 +1435,21 @@
           <a:bodyPr/>
           <a:lstStyle/>
           <a:p>
+            <a:pPr lvl="0">
+              <a:defRPr/>
+            </a:pPr>
             <a:fld id="{C194D3CF-AEB7-4E6D-833E-D3CEA5EE86FB}" type="slidenum">
-              <a:rPr lang="ko-KR" altLang="en-US" smtClean="0"/>
+              <a:rPr lang="en-US" altLang="en-US"/>
+              <a:pPr lvl="0">
+                <a:defRPr/>
+              </a:pPr>
               <a:t>5</a:t>
             </a:fld>
-            <a:endParaRPr lang="ko-KR" altLang="en-US"/>
+            <a:endParaRPr lang="en-US" altLang="en-US"/>
           </a:p>
         </p:txBody>
       </p:sp>
     </p:spTree>
-    <p:extLst>
-      <p:ext uri="{BB962C8B-B14F-4D97-AF65-F5344CB8AC3E}">
-        <p14:creationId xmlns:p14="http://schemas.microsoft.com/office/powerpoint/2010/main" val="3764270850"/>
-      </p:ext>
-    </p:extLst>
   </p:cSld>
   <p:clrMapOvr>
     <a:masterClrMapping/>
@@ -1417,7 +1478,7 @@
         <p:nvSpPr>
           <p:cNvPr id="2" name="슬라이드 이미지 개체 틀 1"/>
           <p:cNvSpPr>
-            <a:spLocks noGrp="1" noRot="1" noChangeAspect="1"/>
+            <a:spLocks noGrp="1" noRot="1" noChangeAspect="1" noTextEdit="1"/>
           </p:cNvSpPr>
           <p:nvPr>
             <p:ph type="sldImg"/>
@@ -1440,7 +1501,7 @@
           <a:bodyPr/>
           <a:lstStyle/>
           <a:p>
-            <a:pPr marL="0" marR="0" indent="0" algn="l" defTabSz="914400" rtl="0" eaLnBrk="1" fontAlgn="auto" latinLnBrk="1" hangingPunct="1">
+            <a:pPr marL="0" marR="0" indent="0" algn="l" defTabSz="914400" rtl="0" eaLnBrk="1" latinLnBrk="1" hangingPunct="1">
               <a:lnSpc>
                 <a:spcPct val="100000"/>
               </a:lnSpc>
@@ -1451,28 +1512,25 @@
                 <a:spcPts val="0"/>
               </a:spcAft>
               <a:buClrTx/>
-              <a:buSzTx/>
               <a:buFontTx/>
               <a:buNone/>
-              <a:tabLst/>
               <a:defRPr/>
             </a:pPr>
             <a:r>
-              <a:rPr lang="ko-KR" altLang="en-US" dirty="0" smtClean="0"/>
+              <a:rPr lang="ko-KR" altLang="en-US"/>
               <a:t>이러한 소프트웨어 개발 방법론 중 요구 분석과 일정 관리</a:t>
             </a:r>
             <a:r>
-              <a:rPr lang="ko-KR" altLang="en-US" baseline="0" dirty="0" smtClean="0"/>
+              <a:rPr lang="ko-KR" altLang="en-US" baseline="0"/>
               <a:t> 부분을 보여주겠습니다</a:t>
             </a:r>
             <a:r>
-              <a:rPr lang="en-US" altLang="ko-KR" baseline="0" dirty="0" smtClean="0"/>
+              <a:rPr lang="en-US" altLang="ko-KR" baseline="0"/>
               <a:t>.</a:t>
             </a:r>
-            <a:endParaRPr lang="en-US" altLang="ko-KR" dirty="0" smtClean="0"/>
-          </a:p>
-          <a:p>
-            <a:pPr marL="0" marR="0" indent="0" algn="l" defTabSz="914400" rtl="0" eaLnBrk="1" fontAlgn="auto" latinLnBrk="1" hangingPunct="1">
+          </a:p>
+          <a:p>
+            <a:pPr marL="0" marR="0" indent="0" algn="l" defTabSz="914400" rtl="0" eaLnBrk="1" latinLnBrk="1" hangingPunct="1">
               <a:lnSpc>
                 <a:spcPct val="100000"/>
               </a:lnSpc>
@@ -1483,47 +1541,46 @@
                 <a:spcPts val="0"/>
               </a:spcAft>
               <a:buClrTx/>
-              <a:buSzTx/>
               <a:buFontTx/>
               <a:buNone/>
-              <a:tabLst/>
               <a:defRPr/>
             </a:pPr>
             <a:r>
-              <a:rPr lang="ko-KR" altLang="en-US" dirty="0" smtClean="0"/>
+              <a:rPr lang="ko-KR" altLang="en-US"/>
               <a:t>위험 분석 </a:t>
             </a:r>
             <a:r>
-              <a:rPr lang="en-US" altLang="ko-KR" dirty="0" smtClean="0"/>
+              <a:rPr lang="en-US" altLang="ko-KR"/>
               <a:t>: </a:t>
             </a:r>
             <a:r>
-              <a:rPr lang="ko-KR" altLang="en-US" dirty="0" smtClean="0"/>
+              <a:rPr lang="ko-KR" altLang="en-US"/>
               <a:t>저번에 했음</a:t>
             </a:r>
-            <a:endParaRPr lang="en-US" altLang="ko-KR" dirty="0" smtClean="0"/>
-          </a:p>
-          <a:p>
-            <a:r>
-              <a:rPr lang="ko-KR" altLang="en-US" dirty="0" smtClean="0"/>
+          </a:p>
+          <a:p>
+            <a:pPr lvl="0">
+              <a:defRPr/>
+            </a:pPr>
+            <a:r>
+              <a:rPr lang="ko-KR" altLang="en-US"/>
               <a:t>유스케이스 모델 </a:t>
             </a:r>
             <a:r>
-              <a:rPr lang="en-US" altLang="ko-KR" dirty="0" smtClean="0"/>
+              <a:rPr lang="en-US" altLang="ko-KR"/>
               <a:t>:</a:t>
             </a:r>
             <a:r>
-              <a:rPr lang="en-US" altLang="ko-KR" baseline="0" dirty="0" smtClean="0"/>
+              <a:rPr lang="en-US" altLang="ko-KR" baseline="0"/>
               <a:t> </a:t>
             </a:r>
             <a:r>
-              <a:rPr lang="ko-KR" altLang="en-US" dirty="0" smtClean="0"/>
+              <a:rPr lang="ko-KR" altLang="en-US"/>
               <a:t>설계가 있으므로 패스</a:t>
             </a:r>
-            <a:endParaRPr lang="en-US" altLang="ko-KR" dirty="0" smtClean="0"/>
-          </a:p>
-          <a:p>
-            <a:pPr marL="0" marR="0" indent="0" algn="l" defTabSz="914400" rtl="0" eaLnBrk="1" fontAlgn="auto" latinLnBrk="1" hangingPunct="1">
+          </a:p>
+          <a:p>
+            <a:pPr marL="0" marR="0" indent="0" algn="l" defTabSz="914400" rtl="0" eaLnBrk="1" latinLnBrk="1" hangingPunct="1">
               <a:lnSpc>
                 <a:spcPct val="100000"/>
               </a:lnSpc>
@@ -1534,25 +1591,23 @@
                 <a:spcPts val="0"/>
               </a:spcAft>
               <a:buClrTx/>
-              <a:buSzTx/>
               <a:buFontTx/>
               <a:buNone/>
-              <a:tabLst/>
               <a:defRPr/>
             </a:pPr>
             <a:r>
-              <a:rPr lang="ko-KR" altLang="en-US" dirty="0" smtClean="0"/>
+              <a:rPr lang="ko-KR" altLang="en-US"/>
               <a:t>비용 분석 </a:t>
             </a:r>
             <a:r>
-              <a:rPr lang="en-US" altLang="ko-KR" dirty="0" smtClean="0"/>
+              <a:rPr lang="en-US" altLang="ko-KR"/>
               <a:t>: </a:t>
             </a:r>
             <a:r>
-              <a:rPr lang="ko-KR" altLang="en-US" dirty="0" smtClean="0"/>
+              <a:rPr lang="ko-KR" altLang="en-US"/>
               <a:t>현실성이 없어서 패스</a:t>
             </a:r>
-            <a:endParaRPr lang="en-US" altLang="ko-KR" dirty="0" smtClean="0"/>
+            <a:endParaRPr lang="en-US" altLang="ko-KR"/>
           </a:p>
         </p:txBody>
       </p:sp>
@@ -1571,20 +1626,21 @@
           <a:bodyPr/>
           <a:lstStyle/>
           <a:p>
+            <a:pPr lvl="0">
+              <a:defRPr/>
+            </a:pPr>
             <a:fld id="{C194D3CF-AEB7-4E6D-833E-D3CEA5EE86FB}" type="slidenum">
-              <a:rPr lang="ko-KR" altLang="en-US" smtClean="0"/>
+              <a:rPr lang="en-US" altLang="en-US"/>
+              <a:pPr lvl="0">
+                <a:defRPr/>
+              </a:pPr>
               <a:t>6</a:t>
             </a:fld>
-            <a:endParaRPr lang="ko-KR" altLang="en-US"/>
+            <a:endParaRPr lang="en-US" altLang="en-US"/>
           </a:p>
         </p:txBody>
       </p:sp>
     </p:spTree>
-    <p:extLst>
-      <p:ext uri="{BB962C8B-B14F-4D97-AF65-F5344CB8AC3E}">
-        <p14:creationId xmlns:p14="http://schemas.microsoft.com/office/powerpoint/2010/main" val="3764270850"/>
-      </p:ext>
-    </p:extLst>
   </p:cSld>
   <p:clrMapOvr>
     <a:masterClrMapping/>
@@ -1613,7 +1669,7 @@
         <p:nvSpPr>
           <p:cNvPr id="2" name="슬라이드 이미지 개체 틀 1"/>
           <p:cNvSpPr>
-            <a:spLocks noGrp="1" noRot="1" noChangeAspect="1"/>
+            <a:spLocks noGrp="1" noRot="1" noChangeAspect="1" noTextEdit="1"/>
           </p:cNvSpPr>
           <p:nvPr>
             <p:ph type="sldImg"/>
@@ -1636,7 +1692,10 @@
           <a:bodyPr/>
           <a:lstStyle/>
           <a:p>
-            <a:endParaRPr lang="ko-KR" altLang="en-US" dirty="0"/>
+            <a:pPr lvl="0">
+              <a:defRPr/>
+            </a:pPr>
+            <a:endParaRPr lang="ko-KR" altLang="en-US"/>
           </a:p>
         </p:txBody>
       </p:sp>
@@ -1655,20 +1714,21 @@
           <a:bodyPr/>
           <a:lstStyle/>
           <a:p>
+            <a:pPr lvl="0">
+              <a:defRPr/>
+            </a:pPr>
             <a:fld id="{C194D3CF-AEB7-4E6D-833E-D3CEA5EE86FB}" type="slidenum">
-              <a:rPr lang="ko-KR" altLang="en-US" smtClean="0"/>
+              <a:rPr lang="en-US" altLang="en-US"/>
+              <a:pPr lvl="0">
+                <a:defRPr/>
+              </a:pPr>
               <a:t>7</a:t>
             </a:fld>
-            <a:endParaRPr lang="ko-KR" altLang="en-US"/>
+            <a:endParaRPr lang="en-US" altLang="en-US"/>
           </a:p>
         </p:txBody>
       </p:sp>
     </p:spTree>
-    <p:extLst>
-      <p:ext uri="{BB962C8B-B14F-4D97-AF65-F5344CB8AC3E}">
-        <p14:creationId xmlns:p14="http://schemas.microsoft.com/office/powerpoint/2010/main" val="3764270850"/>
-      </p:ext>
-    </p:extLst>
   </p:cSld>
   <p:clrMapOvr>
     <a:masterClrMapping/>
@@ -1697,7 +1757,7 @@
         <p:nvSpPr>
           <p:cNvPr id="2" name="슬라이드 이미지 개체 틀 1"/>
           <p:cNvSpPr>
-            <a:spLocks noGrp="1" noRot="1" noChangeAspect="1"/>
+            <a:spLocks noGrp="1" noRot="1" noChangeAspect="1" noTextEdit="1"/>
           </p:cNvSpPr>
           <p:nvPr>
             <p:ph type="sldImg"/>
@@ -1720,7 +1780,10 @@
           <a:bodyPr/>
           <a:lstStyle/>
           <a:p>
-            <a:endParaRPr lang="ko-KR" altLang="en-US" dirty="0"/>
+            <a:pPr lvl="0">
+              <a:defRPr/>
+            </a:pPr>
+            <a:endParaRPr lang="ko-KR" altLang="en-US"/>
           </a:p>
         </p:txBody>
       </p:sp>
@@ -1739,20 +1802,21 @@
           <a:bodyPr/>
           <a:lstStyle/>
           <a:p>
+            <a:pPr lvl="0">
+              <a:defRPr/>
+            </a:pPr>
             <a:fld id="{C194D3CF-AEB7-4E6D-833E-D3CEA5EE86FB}" type="slidenum">
-              <a:rPr lang="ko-KR" altLang="en-US" smtClean="0"/>
+              <a:rPr lang="en-US" altLang="en-US"/>
+              <a:pPr lvl="0">
+                <a:defRPr/>
+              </a:pPr>
               <a:t>8</a:t>
             </a:fld>
-            <a:endParaRPr lang="ko-KR" altLang="en-US"/>
+            <a:endParaRPr lang="en-US" altLang="en-US"/>
           </a:p>
         </p:txBody>
       </p:sp>
     </p:spTree>
-    <p:extLst>
-      <p:ext uri="{BB962C8B-B14F-4D97-AF65-F5344CB8AC3E}">
-        <p14:creationId xmlns:p14="http://schemas.microsoft.com/office/powerpoint/2010/main" val="3764270850"/>
-      </p:ext>
-    </p:extLst>
   </p:cSld>
   <p:clrMapOvr>
     <a:masterClrMapping/>
@@ -1781,7 +1845,7 @@
         <p:nvSpPr>
           <p:cNvPr id="2" name="슬라이드 이미지 개체 틀 1"/>
           <p:cNvSpPr>
-            <a:spLocks noGrp="1" noRot="1" noChangeAspect="1"/>
+            <a:spLocks noGrp="1" noRot="1" noChangeAspect="1" noTextEdit="1"/>
           </p:cNvSpPr>
           <p:nvPr>
             <p:ph type="sldImg"/>
@@ -1804,7 +1868,10 @@
           <a:bodyPr/>
           <a:lstStyle/>
           <a:p>
-            <a:endParaRPr lang="ko-KR" altLang="en-US" dirty="0"/>
+            <a:pPr lvl="0">
+              <a:defRPr/>
+            </a:pPr>
+            <a:endParaRPr lang="ko-KR" altLang="en-US"/>
           </a:p>
         </p:txBody>
       </p:sp>
@@ -1823,20 +1890,21 @@
           <a:bodyPr/>
           <a:lstStyle/>
           <a:p>
+            <a:pPr lvl="0">
+              <a:defRPr/>
+            </a:pPr>
             <a:fld id="{C194D3CF-AEB7-4E6D-833E-D3CEA5EE86FB}" type="slidenum">
-              <a:rPr lang="ko-KR" altLang="en-US" smtClean="0"/>
+              <a:rPr lang="en-US" altLang="en-US"/>
+              <a:pPr lvl="0">
+                <a:defRPr/>
+              </a:pPr>
               <a:t>9</a:t>
             </a:fld>
-            <a:endParaRPr lang="ko-KR" altLang="en-US"/>
+            <a:endParaRPr lang="en-US" altLang="en-US"/>
           </a:p>
         </p:txBody>
       </p:sp>
     </p:spTree>
-    <p:extLst>
-      <p:ext uri="{BB962C8B-B14F-4D97-AF65-F5344CB8AC3E}">
-        <p14:creationId xmlns:p14="http://schemas.microsoft.com/office/powerpoint/2010/main" val="730773234"/>
-      </p:ext>
-    </p:extLst>
   </p:cSld>
   <p:clrMapOvr>
     <a:masterClrMapping/>
@@ -1865,7 +1933,7 @@
         <p:nvSpPr>
           <p:cNvPr id="2" name="슬라이드 이미지 개체 틀 1"/>
           <p:cNvSpPr>
-            <a:spLocks noGrp="1" noRot="1" noChangeAspect="1"/>
+            <a:spLocks noGrp="1" noRot="1" noChangeAspect="1" noTextEdit="1"/>
           </p:cNvSpPr>
           <p:nvPr>
             <p:ph type="sldImg"/>
@@ -1888,7 +1956,10 @@
           <a:bodyPr/>
           <a:lstStyle/>
           <a:p>
-            <a:endParaRPr lang="ko-KR" altLang="en-US" dirty="0"/>
+            <a:pPr lvl="0">
+              <a:defRPr/>
+            </a:pPr>
+            <a:endParaRPr lang="ko-KR" altLang="en-US"/>
           </a:p>
         </p:txBody>
       </p:sp>
@@ -1907,20 +1978,21 @@
           <a:bodyPr/>
           <a:lstStyle/>
           <a:p>
+            <a:pPr lvl="0">
+              <a:defRPr/>
+            </a:pPr>
             <a:fld id="{C194D3CF-AEB7-4E6D-833E-D3CEA5EE86FB}" type="slidenum">
-              <a:rPr lang="ko-KR" altLang="en-US" smtClean="0"/>
+              <a:rPr lang="en-US" altLang="en-US"/>
+              <a:pPr lvl="0">
+                <a:defRPr/>
+              </a:pPr>
               <a:t>10</a:t>
             </a:fld>
-            <a:endParaRPr lang="ko-KR" altLang="en-US"/>
+            <a:endParaRPr lang="en-US" altLang="en-US"/>
           </a:p>
         </p:txBody>
       </p:sp>
     </p:spTree>
-    <p:extLst>
-      <p:ext uri="{BB962C8B-B14F-4D97-AF65-F5344CB8AC3E}">
-        <p14:creationId xmlns:p14="http://schemas.microsoft.com/office/powerpoint/2010/main" val="730773234"/>
-      </p:ext>
-    </p:extLst>
   </p:cSld>
   <p:clrMapOvr>
     <a:masterClrMapping/>
@@ -7261,7 +7333,7 @@
           </a:prstGeom>
           <a:solidFill>
             <a:srgbClr val="FFFF00">
-              <a:alpha val="50196"/>
+              <a:alpha val="50200"/>
             </a:srgbClr>
           </a:solidFill>
           <a:ln>
@@ -7285,10 +7357,12 @@
           </a:fontRef>
         </p:style>
         <p:txBody>
-          <a:bodyPr rtlCol="0" anchor="ctr"/>
+          <a:bodyPr anchor="ctr"/>
           <a:lstStyle/>
           <a:p>
-            <a:pPr algn="ctr"/>
+            <a:pPr algn="ctr">
+              <a:defRPr/>
+            </a:pPr>
             <a:endParaRPr lang="ko-KR" altLang="en-US"/>
           </a:p>
         </p:txBody>
@@ -7302,7 +7376,7 @@
         <p:spPr>
           <a:xfrm>
             <a:off x="4076241" y="188639"/>
-            <a:ext cx="1005403" cy="584775"/>
+            <a:ext cx="1005403" cy="571456"/>
           </a:xfrm>
           <a:prstGeom prst="rect">
             <a:avLst/>
@@ -7310,30 +7384,23 @@
           <a:noFill/>
         </p:spPr>
         <p:txBody>
-          <a:bodyPr wrap="none" rtlCol="0">
+          <a:bodyPr wrap="none">
             <a:spAutoFit/>
           </a:bodyPr>
           <a:lstStyle/>
           <a:p>
-            <a:r>
-              <a:rPr lang="ko-KR" altLang="en-US" sz="3200" b="1" dirty="0" smtClean="0">
+            <a:pPr lvl="0">
+              <a:defRPr/>
+            </a:pPr>
+            <a:r>
+              <a:rPr lang="ko-KR" altLang="en-US" sz="3200" b="1">
                 <a:solidFill>
                   <a:schemeClr val="accent4">
                     <a:lumMod val="75000"/>
                   </a:schemeClr>
                 </a:solidFill>
               </a:rPr>
-              <a:t>설</a:t>
-            </a:r>
-            <a:r>
-              <a:rPr lang="ko-KR" altLang="en-US" sz="3200" b="1" dirty="0">
-                <a:solidFill>
-                  <a:schemeClr val="accent4">
-                    <a:lumMod val="75000"/>
-                  </a:schemeClr>
-                </a:solidFill>
-              </a:rPr>
-              <a:t>계</a:t>
+              <a:t>설계</a:t>
             </a:r>
           </a:p>
         </p:txBody>
@@ -7347,7 +7414,7 @@
         <p:spPr>
           <a:xfrm>
             <a:off x="1028219" y="1058189"/>
-            <a:ext cx="1107996" cy="369332"/>
+            <a:ext cx="1107996" cy="359131"/>
           </a:xfrm>
           <a:prstGeom prst="rect">
             <a:avLst/>
@@ -7355,16 +7422,18 @@
           <a:noFill/>
         </p:spPr>
         <p:txBody>
-          <a:bodyPr wrap="none" rtlCol="0">
+          <a:bodyPr wrap="none">
             <a:spAutoFit/>
           </a:bodyPr>
           <a:lstStyle/>
           <a:p>
-            <a:r>
-              <a:rPr lang="ko-KR" altLang="en-US" b="1" dirty="0" smtClean="0"/>
+            <a:pPr lvl="0">
+              <a:defRPr/>
+            </a:pPr>
+            <a:r>
+              <a:rPr lang="ko-KR" altLang="en-US" b="1"/>
               <a:t>화면설계</a:t>
             </a:r>
-            <a:endParaRPr lang="ko-KR" altLang="en-US" b="1" dirty="0"/>
           </a:p>
         </p:txBody>
       </p:sp>
@@ -7376,14 +7445,8 @@
           </p:cNvPicPr>
           <p:nvPr/>
         </p:nvPicPr>
-        <p:blipFill>
-          <a:blip r:embed="rId3">
-            <a:extLst>
-              <a:ext uri="{28A0092B-C50C-407E-A947-70E740481C1C}">
-                <a14:useLocalDpi xmlns:a14="http://schemas.microsoft.com/office/drawing/2010/main" val="0"/>
-              </a:ext>
-            </a:extLst>
-          </a:blip>
+        <p:blipFill rotWithShape="1">
+          <a:blip r:embed="rId3"/>
           <a:stretch>
             <a:fillRect/>
           </a:stretch>
@@ -7406,14 +7469,8 @@
           </p:cNvPicPr>
           <p:nvPr/>
         </p:nvPicPr>
-        <p:blipFill>
-          <a:blip r:embed="rId4">
-            <a:extLst>
-              <a:ext uri="{28A0092B-C50C-407E-A947-70E740481C1C}">
-                <a14:useLocalDpi xmlns:a14="http://schemas.microsoft.com/office/drawing/2010/main" val="0"/>
-              </a:ext>
-            </a:extLst>
-          </a:blip>
+        <p:blipFill rotWithShape="1">
+          <a:blip r:embed="rId4"/>
           <a:stretch>
             <a:fillRect/>
           </a:stretch>
@@ -7436,14 +7493,8 @@
           </p:cNvPicPr>
           <p:nvPr/>
         </p:nvPicPr>
-        <p:blipFill>
-          <a:blip r:embed="rId5">
-            <a:extLst>
-              <a:ext uri="{28A0092B-C50C-407E-A947-70E740481C1C}">
-                <a14:useLocalDpi xmlns:a14="http://schemas.microsoft.com/office/drawing/2010/main" val="0"/>
-              </a:ext>
-            </a:extLst>
-          </a:blip>
+        <p:blipFill rotWithShape="1">
+          <a:blip r:embed="rId5"/>
           <a:stretch>
             <a:fillRect/>
           </a:stretch>
@@ -7466,14 +7517,8 @@
           </p:cNvPicPr>
           <p:nvPr/>
         </p:nvPicPr>
-        <p:blipFill>
-          <a:blip r:embed="rId6">
-            <a:extLst>
-              <a:ext uri="{28A0092B-C50C-407E-A947-70E740481C1C}">
-                <a14:useLocalDpi xmlns:a14="http://schemas.microsoft.com/office/drawing/2010/main" val="0"/>
-              </a:ext>
-            </a:extLst>
-          </a:blip>
+        <p:blipFill rotWithShape="1">
+          <a:blip r:embed="rId6"/>
           <a:stretch>
             <a:fillRect/>
           </a:stretch>
@@ -7489,15 +7534,11 @@
         </p:spPr>
       </p:pic>
     </p:spTree>
-    <p:extLst>
-      <p:ext uri="{BB962C8B-B14F-4D97-AF65-F5344CB8AC3E}">
-        <p14:creationId xmlns:p14="http://schemas.microsoft.com/office/powerpoint/2010/main" val="4037196910"/>
-      </p:ext>
-    </p:extLst>
   </p:cSld>
   <p:clrMapOvr>
     <a:masterClrMapping/>
   </p:clrMapOvr>
+  <p:transition/>
   <p:timing>
     <p:tnLst>
       <p:par>
@@ -7961,7 +8002,7 @@
           <a:solidFill>
             <a:schemeClr val="accent4">
               <a:lumMod val="75000"/>
-              <a:alpha val="50196"/>
+              <a:alpha val="50200"/>
             </a:schemeClr>
           </a:solidFill>
           <a:ln>
@@ -7985,11 +8026,13 @@
           </a:fontRef>
         </p:style>
         <p:txBody>
-          <a:bodyPr rtlCol="0" anchor="ctr"/>
+          <a:bodyPr anchor="ctr"/>
           <a:lstStyle/>
           <a:p>
-            <a:pPr algn="ctr"/>
-            <a:endParaRPr lang="ko-KR" altLang="en-US" dirty="0">
+            <a:pPr algn="ctr">
+              <a:defRPr/>
+            </a:pPr>
+            <a:endParaRPr lang="ko-KR" altLang="en-US">
               <a:solidFill>
                 <a:schemeClr val="accent6"/>
               </a:solidFill>
@@ -8006,7 +8049,7 @@
         <p:spPr>
           <a:xfrm>
             <a:off x="1979712" y="2675430"/>
-            <a:ext cx="4950394" cy="1015663"/>
+            <a:ext cx="4855428" cy="999314"/>
           </a:xfrm>
           <a:prstGeom prst="rect">
             <a:avLst/>
@@ -8014,13 +8057,16 @@
           <a:noFill/>
         </p:spPr>
         <p:txBody>
-          <a:bodyPr wrap="none" rtlCol="0">
+          <a:bodyPr wrap="none">
             <a:spAutoFit/>
           </a:bodyPr>
           <a:lstStyle/>
           <a:p>
-            <a:r>
-              <a:rPr lang="en-US" altLang="ko-KR" sz="6000" dirty="0" smtClean="0">
+            <a:pPr lvl="0">
+              <a:defRPr/>
+            </a:pPr>
+            <a:r>
+              <a:rPr lang="en-US" altLang="ko-KR" sz="6000">
                 <a:solidFill>
                   <a:srgbClr val="D73A36"/>
                 </a:solidFill>
@@ -8028,34 +8074,22 @@
               <a:t>3. </a:t>
             </a:r>
             <a:r>
-              <a:rPr lang="ko-KR" altLang="en-US" sz="6000" dirty="0" smtClean="0">
+              <a:rPr lang="ko-KR" altLang="en-US" sz="6000">
                 <a:solidFill>
                   <a:srgbClr val="D73A36"/>
                 </a:solidFill>
               </a:rPr>
-              <a:t>프로토타</a:t>
-            </a:r>
-            <a:r>
-              <a:rPr lang="ko-KR" altLang="en-US" sz="6000" dirty="0">
-                <a:solidFill>
-                  <a:srgbClr val="D73A36"/>
-                </a:solidFill>
-              </a:rPr>
-              <a:t>입</a:t>
+              <a:t>프로토타입</a:t>
             </a:r>
           </a:p>
         </p:txBody>
       </p:sp>
     </p:spTree>
-    <p:extLst>
-      <p:ext uri="{BB962C8B-B14F-4D97-AF65-F5344CB8AC3E}">
-        <p14:creationId xmlns:p14="http://schemas.microsoft.com/office/powerpoint/2010/main" val="1456311923"/>
-      </p:ext>
-    </p:extLst>
   </p:cSld>
   <p:clrMapOvr>
     <a:masterClrMapping/>
   </p:clrMapOvr>
+  <p:transition/>
   <p:timing>
     <p:tnLst>
       <p:par>
@@ -8224,7 +8258,7 @@
         <p:spPr>
           <a:xfrm>
             <a:off x="3946367" y="3038439"/>
-            <a:ext cx="3647152" cy="923330"/>
+            <a:ext cx="3612673" cy="903006"/>
           </a:xfrm>
           <a:prstGeom prst="rect">
             <a:avLst/>
@@ -8232,24 +8266,22 @@
           <a:noFill/>
         </p:spPr>
         <p:txBody>
-          <a:bodyPr wrap="none" rtlCol="0">
+          <a:bodyPr wrap="none">
             <a:spAutoFit/>
           </a:bodyPr>
           <a:lstStyle/>
           <a:p>
-            <a:r>
-              <a:rPr lang="ko-KR" altLang="en-US" sz="5400" b="1" dirty="0" smtClean="0">
+            <a:pPr lvl="0">
+              <a:defRPr/>
+            </a:pPr>
+            <a:r>
+              <a:rPr lang="ko-KR" altLang="en-US" sz="5400" b="1">
                 <a:solidFill>
                   <a:srgbClr val="D73A36"/>
                 </a:solidFill>
               </a:rPr>
               <a:t>감사합니다</a:t>
             </a:r>
-            <a:endParaRPr lang="ko-KR" altLang="en-US" sz="5400" b="1" dirty="0">
-              <a:solidFill>
-                <a:srgbClr val="D73A36"/>
-              </a:solidFill>
-            </a:endParaRPr>
           </a:p>
         </p:txBody>
       </p:sp>
@@ -8270,7 +8302,7 @@
           <a:solidFill>
             <a:schemeClr val="accent4">
               <a:lumMod val="75000"/>
-              <a:alpha val="50196"/>
+              <a:alpha val="50200"/>
             </a:schemeClr>
           </a:solidFill>
           <a:ln>
@@ -8294,10 +8326,12 @@
           </a:fontRef>
         </p:style>
         <p:txBody>
-          <a:bodyPr rtlCol="0" anchor="ctr"/>
+          <a:bodyPr anchor="ctr"/>
           <a:lstStyle/>
           <a:p>
-            <a:pPr algn="ctr"/>
+            <a:pPr algn="ctr">
+              <a:defRPr/>
+            </a:pPr>
             <a:endParaRPr lang="ko-KR" altLang="en-US"/>
           </a:p>
         </p:txBody>
@@ -8319,7 +8353,7 @@
           <a:solidFill>
             <a:schemeClr val="accent2">
               <a:lumMod val="75000"/>
-              <a:alpha val="49804"/>
+              <a:alpha val="49800"/>
             </a:schemeClr>
           </a:solidFill>
           <a:ln>
@@ -8343,10 +8377,12 @@
           </a:fontRef>
         </p:style>
         <p:txBody>
-          <a:bodyPr rtlCol="0" anchor="ctr"/>
+          <a:bodyPr anchor="ctr"/>
           <a:lstStyle/>
           <a:p>
-            <a:pPr algn="ctr"/>
+            <a:pPr algn="ctr">
+              <a:defRPr/>
+            </a:pPr>
             <a:endParaRPr lang="ko-KR" altLang="en-US"/>
           </a:p>
         </p:txBody>
@@ -8367,7 +8403,7 @@
           </a:prstGeom>
           <a:solidFill>
             <a:srgbClr val="FFFF00">
-              <a:alpha val="50196"/>
+              <a:alpha val="50200"/>
             </a:srgbClr>
           </a:solidFill>
           <a:ln>
@@ -8391,10 +8427,12 @@
           </a:fontRef>
         </p:style>
         <p:txBody>
-          <a:bodyPr rtlCol="0" anchor="ctr"/>
+          <a:bodyPr anchor="ctr"/>
           <a:lstStyle/>
           <a:p>
-            <a:pPr algn="ctr"/>
+            <a:pPr algn="ctr">
+              <a:defRPr/>
+            </a:pPr>
             <a:endParaRPr lang="ko-KR" altLang="en-US"/>
           </a:p>
         </p:txBody>
@@ -8408,7 +8446,7 @@
         <p:spPr>
           <a:xfrm>
             <a:off x="7236296" y="4264240"/>
-            <a:ext cx="1707519" cy="369332"/>
+            <a:ext cx="1694344" cy="369332"/>
           </a:xfrm>
           <a:prstGeom prst="rect">
             <a:avLst/>
@@ -8420,28 +8458,26 @@
           </a:bodyPr>
           <a:lstStyle/>
           <a:p>
-            <a:r>
-              <a:rPr lang="ko-KR" altLang="en-US" b="1" dirty="0" smtClean="0"/>
+            <a:pPr lvl="0">
+              <a:defRPr/>
+            </a:pPr>
+            <a:r>
+              <a:rPr lang="ko-KR" altLang="en-US" b="1"/>
               <a:t>전설이조</a:t>
             </a:r>
             <a:r>
-              <a:rPr lang="en-US" altLang="ko-KR" b="1" dirty="0" smtClean="0"/>
+              <a:rPr lang="en-US" altLang="ko-KR" b="1"/>
               <a:t>(G15)</a:t>
             </a:r>
-            <a:endParaRPr lang="en-US" altLang="ko-KR" b="1" dirty="0"/>
           </a:p>
         </p:txBody>
       </p:sp>
     </p:spTree>
-    <p:extLst>
-      <p:ext uri="{BB962C8B-B14F-4D97-AF65-F5344CB8AC3E}">
-        <p14:creationId xmlns:p14="http://schemas.microsoft.com/office/powerpoint/2010/main" val="2032480284"/>
-      </p:ext>
-    </p:extLst>
   </p:cSld>
   <p:clrMapOvr>
     <a:masterClrMapping/>
   </p:clrMapOvr>
+  <p:transition/>
   <p:timing>
     <p:tnLst>
       <p:par>
@@ -11540,7 +11576,11 @@
           <a:p>
             <a:r>
               <a:rPr lang="ko-KR" altLang="en-US" b="1" dirty="0" smtClean="0"/>
-              <a:t>요구 분석</a:t>
+              <a:t>요구 </a:t>
+            </a:r>
+            <a:r>
+              <a:rPr lang="ko-KR" altLang="en-US" b="1" dirty="0" smtClean="0"/>
+              <a:t>분석</a:t>
             </a:r>
             <a:endParaRPr lang="ko-KR" altLang="en-US" b="1" dirty="0"/>
           </a:p>
@@ -11599,6 +11639,2999 @@
           </a:p>
         </p:txBody>
       </p:sp>
+      <p:graphicFrame>
+        <p:nvGraphicFramePr>
+          <p:cNvPr id="5" name="표 4"/>
+          <p:cNvGraphicFramePr>
+            <a:graphicFrameLocks noGrp="1"/>
+          </p:cNvGraphicFramePr>
+          <p:nvPr>
+            <p:extLst>
+              <p:ext uri="{D42A27DB-BD31-4B8C-83A1-F6EECF244321}">
+                <p14:modId xmlns:p14="http://schemas.microsoft.com/office/powerpoint/2010/main" val="2011490178"/>
+              </p:ext>
+            </p:extLst>
+          </p:nvPr>
+        </p:nvGraphicFramePr>
+        <p:xfrm>
+          <a:off x="3995936" y="1058189"/>
+          <a:ext cx="4448794" cy="4907280"/>
+        </p:xfrm>
+        <a:graphic>
+          <a:graphicData uri="http://schemas.openxmlformats.org/drawingml/2006/table">
+            <a:tbl>
+              <a:tblPr firstRow="1" firstCol="1" bandRow="1">
+                <a:tableStyleId>{5C22544A-7EE6-4342-B048-85BDC9FD1C3A}</a:tableStyleId>
+              </a:tblPr>
+              <a:tblGrid>
+                <a:gridCol w="735999"/>
+                <a:gridCol w="2256229"/>
+                <a:gridCol w="751916"/>
+                <a:gridCol w="704650"/>
+              </a:tblGrid>
+              <a:tr h="133117">
+                <a:tc>
+                  <a:txBody>
+                    <a:bodyPr/>
+                    <a:lstStyle/>
+                    <a:p>
+                      <a:pPr algn="ctr" latinLnBrk="1">
+                        <a:lnSpc>
+                          <a:spcPct val="115000"/>
+                        </a:lnSpc>
+                        <a:spcAft>
+                          <a:spcPts val="0"/>
+                        </a:spcAft>
+                      </a:pPr>
+                      <a:r>
+                        <a:rPr lang="ko-KR" sz="800" kern="100" dirty="0">
+                          <a:effectLst/>
+                        </a:rPr>
+                        <a:t>유형</a:t>
+                      </a:r>
+                      <a:endParaRPr lang="ko-KR" sz="800" kern="100" dirty="0">
+                        <a:effectLst/>
+                        <a:latin typeface="맑은 고딕"/>
+                        <a:ea typeface="맑은 고딕"/>
+                        <a:cs typeface="Times New Roman"/>
+                      </a:endParaRPr>
+                    </a:p>
+                  </a:txBody>
+                  <a:tcPr marL="52089" marR="52089" marT="0" marB="0"/>
+                </a:tc>
+                <a:tc>
+                  <a:txBody>
+                    <a:bodyPr/>
+                    <a:lstStyle/>
+                    <a:p>
+                      <a:pPr algn="ctr" latinLnBrk="1">
+                        <a:lnSpc>
+                          <a:spcPct val="115000"/>
+                        </a:lnSpc>
+                        <a:spcAft>
+                          <a:spcPts val="0"/>
+                        </a:spcAft>
+                      </a:pPr>
+                      <a:r>
+                        <a:rPr lang="ko-KR" sz="800" kern="100">
+                          <a:effectLst/>
+                        </a:rPr>
+                        <a:t>요구사항</a:t>
+                      </a:r>
+                      <a:endParaRPr lang="ko-KR" sz="800" kern="100">
+                        <a:effectLst/>
+                        <a:latin typeface="맑은 고딕"/>
+                        <a:ea typeface="맑은 고딕"/>
+                        <a:cs typeface="Times New Roman"/>
+                      </a:endParaRPr>
+                    </a:p>
+                  </a:txBody>
+                  <a:tcPr marL="52089" marR="52089" marT="0" marB="0"/>
+                </a:tc>
+                <a:tc>
+                  <a:txBody>
+                    <a:bodyPr/>
+                    <a:lstStyle/>
+                    <a:p>
+                      <a:pPr algn="ctr" latinLnBrk="1">
+                        <a:lnSpc>
+                          <a:spcPct val="115000"/>
+                        </a:lnSpc>
+                        <a:spcAft>
+                          <a:spcPts val="0"/>
+                        </a:spcAft>
+                      </a:pPr>
+                      <a:r>
+                        <a:rPr lang="en-US" sz="800" kern="100">
+                          <a:effectLst/>
+                        </a:rPr>
+                        <a:t>ID</a:t>
+                      </a:r>
+                      <a:endParaRPr lang="ko-KR" sz="800" kern="100">
+                        <a:effectLst/>
+                        <a:latin typeface="맑은 고딕"/>
+                        <a:ea typeface="맑은 고딕"/>
+                        <a:cs typeface="Times New Roman"/>
+                      </a:endParaRPr>
+                    </a:p>
+                  </a:txBody>
+                  <a:tcPr marL="52089" marR="52089" marT="0" marB="0"/>
+                </a:tc>
+                <a:tc>
+                  <a:txBody>
+                    <a:bodyPr/>
+                    <a:lstStyle/>
+                    <a:p>
+                      <a:pPr algn="ctr" latinLnBrk="1">
+                        <a:lnSpc>
+                          <a:spcPct val="115000"/>
+                        </a:lnSpc>
+                        <a:spcAft>
+                          <a:spcPts val="0"/>
+                        </a:spcAft>
+                      </a:pPr>
+                      <a:r>
+                        <a:rPr lang="ko-KR" sz="800" kern="100">
+                          <a:effectLst/>
+                        </a:rPr>
+                        <a:t>비고</a:t>
+                      </a:r>
+                      <a:endParaRPr lang="ko-KR" sz="800" kern="100">
+                        <a:effectLst/>
+                        <a:latin typeface="맑은 고딕"/>
+                        <a:ea typeface="맑은 고딕"/>
+                        <a:cs typeface="Times New Roman"/>
+                      </a:endParaRPr>
+                    </a:p>
+                  </a:txBody>
+                  <a:tcPr marL="52089" marR="52089" marT="0" marB="0"/>
+                </a:tc>
+              </a:tr>
+              <a:tr h="133117">
+                <a:tc>
+                  <a:txBody>
+                    <a:bodyPr/>
+                    <a:lstStyle/>
+                    <a:p>
+                      <a:pPr algn="ctr" latinLnBrk="1">
+                        <a:lnSpc>
+                          <a:spcPct val="115000"/>
+                        </a:lnSpc>
+                        <a:spcAft>
+                          <a:spcPts val="0"/>
+                        </a:spcAft>
+                      </a:pPr>
+                      <a:r>
+                        <a:rPr lang="ko-KR" sz="800" kern="100">
+                          <a:effectLst/>
+                        </a:rPr>
+                        <a:t>기능</a:t>
+                      </a:r>
+                      <a:endParaRPr lang="ko-KR" sz="800" kern="100">
+                        <a:effectLst/>
+                        <a:latin typeface="맑은 고딕"/>
+                        <a:ea typeface="맑은 고딕"/>
+                        <a:cs typeface="Times New Roman"/>
+                      </a:endParaRPr>
+                    </a:p>
+                  </a:txBody>
+                  <a:tcPr marL="52089" marR="52089" marT="0" marB="0"/>
+                </a:tc>
+                <a:tc>
+                  <a:txBody>
+                    <a:bodyPr/>
+                    <a:lstStyle/>
+                    <a:p>
+                      <a:pPr algn="ctr" latinLnBrk="1">
+                        <a:lnSpc>
+                          <a:spcPct val="115000"/>
+                        </a:lnSpc>
+                        <a:spcAft>
+                          <a:spcPts val="0"/>
+                        </a:spcAft>
+                      </a:pPr>
+                      <a:r>
+                        <a:rPr lang="ko-KR" sz="800" kern="100">
+                          <a:effectLst/>
+                        </a:rPr>
+                        <a:t>앱을 실행하면 로그인과 회원가입 메뉴가 뜬다</a:t>
+                      </a:r>
+                      <a:endParaRPr lang="ko-KR" sz="800" kern="100">
+                        <a:effectLst/>
+                        <a:latin typeface="맑은 고딕"/>
+                        <a:ea typeface="맑은 고딕"/>
+                        <a:cs typeface="Times New Roman"/>
+                      </a:endParaRPr>
+                    </a:p>
+                  </a:txBody>
+                  <a:tcPr marL="52089" marR="52089" marT="0" marB="0"/>
+                </a:tc>
+                <a:tc>
+                  <a:txBody>
+                    <a:bodyPr/>
+                    <a:lstStyle/>
+                    <a:p>
+                      <a:pPr algn="ctr" latinLnBrk="1">
+                        <a:lnSpc>
+                          <a:spcPct val="115000"/>
+                        </a:lnSpc>
+                        <a:spcAft>
+                          <a:spcPts val="0"/>
+                        </a:spcAft>
+                      </a:pPr>
+                      <a:r>
+                        <a:rPr lang="en-US" sz="800" kern="100">
+                          <a:effectLst/>
+                        </a:rPr>
+                        <a:t>R-0001</a:t>
+                      </a:r>
+                      <a:endParaRPr lang="ko-KR" sz="800" kern="100">
+                        <a:effectLst/>
+                        <a:latin typeface="맑은 고딕"/>
+                        <a:ea typeface="맑은 고딕"/>
+                        <a:cs typeface="Times New Roman"/>
+                      </a:endParaRPr>
+                    </a:p>
+                  </a:txBody>
+                  <a:tcPr marL="52089" marR="52089" marT="0" marB="0"/>
+                </a:tc>
+                <a:tc>
+                  <a:txBody>
+                    <a:bodyPr/>
+                    <a:lstStyle/>
+                    <a:p>
+                      <a:pPr algn="ctr" latinLnBrk="1">
+                        <a:lnSpc>
+                          <a:spcPct val="115000"/>
+                        </a:lnSpc>
+                        <a:spcAft>
+                          <a:spcPts val="0"/>
+                        </a:spcAft>
+                      </a:pPr>
+                      <a:r>
+                        <a:rPr lang="en-US" sz="800" kern="100">
+                          <a:effectLst/>
+                        </a:rPr>
+                        <a:t> </a:t>
+                      </a:r>
+                      <a:endParaRPr lang="ko-KR" sz="800" kern="100">
+                        <a:effectLst/>
+                        <a:latin typeface="맑은 고딕"/>
+                        <a:ea typeface="맑은 고딕"/>
+                        <a:cs typeface="Times New Roman"/>
+                      </a:endParaRPr>
+                    </a:p>
+                  </a:txBody>
+                  <a:tcPr marL="52089" marR="52089" marT="0" marB="0"/>
+                </a:tc>
+              </a:tr>
+              <a:tr h="266233">
+                <a:tc>
+                  <a:txBody>
+                    <a:bodyPr/>
+                    <a:lstStyle/>
+                    <a:p>
+                      <a:pPr algn="ctr" latinLnBrk="1">
+                        <a:lnSpc>
+                          <a:spcPct val="115000"/>
+                        </a:lnSpc>
+                        <a:spcAft>
+                          <a:spcPts val="0"/>
+                        </a:spcAft>
+                      </a:pPr>
+                      <a:r>
+                        <a:rPr lang="ko-KR" sz="800" kern="100">
+                          <a:effectLst/>
+                        </a:rPr>
+                        <a:t>기능</a:t>
+                      </a:r>
+                      <a:endParaRPr lang="ko-KR" sz="800" kern="100">
+                        <a:effectLst/>
+                        <a:latin typeface="맑은 고딕"/>
+                        <a:ea typeface="맑은 고딕"/>
+                        <a:cs typeface="Times New Roman"/>
+                      </a:endParaRPr>
+                    </a:p>
+                  </a:txBody>
+                  <a:tcPr marL="52089" marR="52089" marT="0" marB="0"/>
+                </a:tc>
+                <a:tc>
+                  <a:txBody>
+                    <a:bodyPr/>
+                    <a:lstStyle/>
+                    <a:p>
+                      <a:pPr algn="ctr" latinLnBrk="1">
+                        <a:lnSpc>
+                          <a:spcPct val="115000"/>
+                        </a:lnSpc>
+                        <a:spcAft>
+                          <a:spcPts val="0"/>
+                        </a:spcAft>
+                      </a:pPr>
+                      <a:r>
+                        <a:rPr lang="ko-KR" sz="800" kern="100">
+                          <a:effectLst/>
+                        </a:rPr>
+                        <a:t>회원정보에는 성명</a:t>
+                      </a:r>
+                      <a:r>
+                        <a:rPr lang="en-US" sz="800" kern="100">
+                          <a:effectLst/>
+                        </a:rPr>
+                        <a:t>, </a:t>
+                      </a:r>
+                      <a:r>
+                        <a:rPr lang="ko-KR" sz="800" kern="100">
+                          <a:effectLst/>
+                        </a:rPr>
+                        <a:t>생년월일</a:t>
+                      </a:r>
+                      <a:r>
+                        <a:rPr lang="en-US" sz="800" kern="100">
+                          <a:effectLst/>
+                        </a:rPr>
+                        <a:t>, </a:t>
+                      </a:r>
+                      <a:r>
+                        <a:rPr lang="ko-KR" sz="800" kern="100">
+                          <a:effectLst/>
+                        </a:rPr>
+                        <a:t>성별</a:t>
+                      </a:r>
+                      <a:r>
+                        <a:rPr lang="en-US" sz="800" kern="100">
+                          <a:effectLst/>
+                        </a:rPr>
+                        <a:t>, </a:t>
+                      </a:r>
+                      <a:r>
+                        <a:rPr lang="ko-KR" sz="800" kern="100">
+                          <a:effectLst/>
+                        </a:rPr>
+                        <a:t>핸드폰번호</a:t>
+                      </a:r>
+                      <a:r>
+                        <a:rPr lang="en-US" sz="800" kern="100">
+                          <a:effectLst/>
+                        </a:rPr>
+                        <a:t>, </a:t>
+                      </a:r>
+                      <a:r>
+                        <a:rPr lang="ko-KR" sz="800" kern="100">
+                          <a:effectLst/>
+                        </a:rPr>
+                        <a:t>아이디</a:t>
+                      </a:r>
+                      <a:r>
+                        <a:rPr lang="en-US" sz="800" kern="100">
+                          <a:effectLst/>
+                        </a:rPr>
+                        <a:t>, </a:t>
+                      </a:r>
+                      <a:r>
+                        <a:rPr lang="ko-KR" sz="800" kern="100">
+                          <a:effectLst/>
+                        </a:rPr>
+                        <a:t>비밀번호</a:t>
+                      </a:r>
+                      <a:r>
+                        <a:rPr lang="en-US" sz="800" kern="100">
+                          <a:effectLst/>
+                        </a:rPr>
+                        <a:t>, 2</a:t>
+                      </a:r>
+                      <a:r>
+                        <a:rPr lang="ko-KR" sz="800" kern="100">
+                          <a:effectLst/>
+                        </a:rPr>
+                        <a:t>차비밀번호가 있다</a:t>
+                      </a:r>
+                      <a:r>
+                        <a:rPr lang="en-US" sz="800" kern="100">
+                          <a:effectLst/>
+                        </a:rPr>
+                        <a:t>.</a:t>
+                      </a:r>
+                      <a:endParaRPr lang="ko-KR" sz="800" kern="100">
+                        <a:effectLst/>
+                        <a:latin typeface="맑은 고딕"/>
+                        <a:ea typeface="맑은 고딕"/>
+                        <a:cs typeface="Times New Roman"/>
+                      </a:endParaRPr>
+                    </a:p>
+                  </a:txBody>
+                  <a:tcPr marL="52089" marR="52089" marT="0" marB="0"/>
+                </a:tc>
+                <a:tc>
+                  <a:txBody>
+                    <a:bodyPr/>
+                    <a:lstStyle/>
+                    <a:p>
+                      <a:pPr algn="ctr" latinLnBrk="1">
+                        <a:lnSpc>
+                          <a:spcPct val="115000"/>
+                        </a:lnSpc>
+                        <a:spcAft>
+                          <a:spcPts val="0"/>
+                        </a:spcAft>
+                      </a:pPr>
+                      <a:r>
+                        <a:rPr lang="en-US" sz="800" kern="100">
+                          <a:effectLst/>
+                        </a:rPr>
+                        <a:t>R-0002</a:t>
+                      </a:r>
+                      <a:endParaRPr lang="ko-KR" sz="800" kern="100">
+                        <a:effectLst/>
+                        <a:latin typeface="맑은 고딕"/>
+                        <a:ea typeface="맑은 고딕"/>
+                        <a:cs typeface="Times New Roman"/>
+                      </a:endParaRPr>
+                    </a:p>
+                  </a:txBody>
+                  <a:tcPr marL="52089" marR="52089" marT="0" marB="0"/>
+                </a:tc>
+                <a:tc>
+                  <a:txBody>
+                    <a:bodyPr/>
+                    <a:lstStyle/>
+                    <a:p>
+                      <a:pPr algn="ctr" latinLnBrk="1">
+                        <a:lnSpc>
+                          <a:spcPct val="115000"/>
+                        </a:lnSpc>
+                        <a:spcAft>
+                          <a:spcPts val="0"/>
+                        </a:spcAft>
+                      </a:pPr>
+                      <a:r>
+                        <a:rPr lang="en-US" sz="800" kern="100">
+                          <a:effectLst/>
+                        </a:rPr>
+                        <a:t> </a:t>
+                      </a:r>
+                      <a:endParaRPr lang="ko-KR" sz="800" kern="100">
+                        <a:effectLst/>
+                        <a:latin typeface="맑은 고딕"/>
+                        <a:ea typeface="맑은 고딕"/>
+                        <a:cs typeface="Times New Roman"/>
+                      </a:endParaRPr>
+                    </a:p>
+                  </a:txBody>
+                  <a:tcPr marL="52089" marR="52089" marT="0" marB="0"/>
+                </a:tc>
+              </a:tr>
+              <a:tr h="266233">
+                <a:tc>
+                  <a:txBody>
+                    <a:bodyPr/>
+                    <a:lstStyle/>
+                    <a:p>
+                      <a:pPr algn="ctr" latinLnBrk="1">
+                        <a:lnSpc>
+                          <a:spcPct val="115000"/>
+                        </a:lnSpc>
+                        <a:spcAft>
+                          <a:spcPts val="0"/>
+                        </a:spcAft>
+                      </a:pPr>
+                      <a:r>
+                        <a:rPr lang="ko-KR" sz="800" kern="100">
+                          <a:effectLst/>
+                        </a:rPr>
+                        <a:t>기능</a:t>
+                      </a:r>
+                      <a:endParaRPr lang="ko-KR" sz="800" kern="100">
+                        <a:effectLst/>
+                        <a:latin typeface="맑은 고딕"/>
+                        <a:ea typeface="맑은 고딕"/>
+                        <a:cs typeface="Times New Roman"/>
+                      </a:endParaRPr>
+                    </a:p>
+                  </a:txBody>
+                  <a:tcPr marL="52089" marR="52089" marT="0" marB="0"/>
+                </a:tc>
+                <a:tc>
+                  <a:txBody>
+                    <a:bodyPr/>
+                    <a:lstStyle/>
+                    <a:p>
+                      <a:pPr algn="ctr" latinLnBrk="1">
+                        <a:lnSpc>
+                          <a:spcPct val="115000"/>
+                        </a:lnSpc>
+                        <a:spcAft>
+                          <a:spcPts val="0"/>
+                        </a:spcAft>
+                      </a:pPr>
+                      <a:r>
+                        <a:rPr lang="ko-KR" sz="800" kern="100">
+                          <a:effectLst/>
+                        </a:rPr>
+                        <a:t>아이디는 이메일</a:t>
+                      </a:r>
+                      <a:r>
+                        <a:rPr lang="en-US" sz="800" kern="100">
+                          <a:effectLst/>
+                        </a:rPr>
+                        <a:t>, </a:t>
+                      </a:r>
+                      <a:r>
+                        <a:rPr lang="ko-KR" sz="800" kern="100">
+                          <a:effectLst/>
+                        </a:rPr>
+                        <a:t>비밀번호는</a:t>
+                      </a:r>
+                    </a:p>
+                    <a:p>
+                      <a:pPr algn="ctr" latinLnBrk="1">
+                        <a:lnSpc>
+                          <a:spcPct val="115000"/>
+                        </a:lnSpc>
+                        <a:spcAft>
+                          <a:spcPts val="0"/>
+                        </a:spcAft>
+                      </a:pPr>
+                      <a:r>
+                        <a:rPr lang="en-US" sz="800" kern="100">
+                          <a:effectLst/>
+                        </a:rPr>
+                        <a:t>6~12</a:t>
+                      </a:r>
+                      <a:r>
+                        <a:rPr lang="ko-KR" sz="800" kern="100">
+                          <a:effectLst/>
+                        </a:rPr>
+                        <a:t>자리의 영문</a:t>
+                      </a:r>
+                      <a:r>
+                        <a:rPr lang="en-US" sz="800" kern="100">
+                          <a:effectLst/>
+                        </a:rPr>
+                        <a:t>/</a:t>
+                      </a:r>
+                      <a:r>
+                        <a:rPr lang="ko-KR" sz="800" kern="100">
+                          <a:effectLst/>
+                        </a:rPr>
+                        <a:t>숫자를 혼용하여 사용한다</a:t>
+                      </a:r>
+                      <a:r>
+                        <a:rPr lang="en-US" sz="800" kern="100">
+                          <a:effectLst/>
+                        </a:rPr>
+                        <a:t>.</a:t>
+                      </a:r>
+                      <a:endParaRPr lang="ko-KR" sz="800" kern="100">
+                        <a:effectLst/>
+                        <a:latin typeface="맑은 고딕"/>
+                        <a:ea typeface="맑은 고딕"/>
+                        <a:cs typeface="Times New Roman"/>
+                      </a:endParaRPr>
+                    </a:p>
+                  </a:txBody>
+                  <a:tcPr marL="52089" marR="52089" marT="0" marB="0"/>
+                </a:tc>
+                <a:tc>
+                  <a:txBody>
+                    <a:bodyPr/>
+                    <a:lstStyle/>
+                    <a:p>
+                      <a:pPr algn="ctr" latinLnBrk="1">
+                        <a:lnSpc>
+                          <a:spcPct val="115000"/>
+                        </a:lnSpc>
+                        <a:spcAft>
+                          <a:spcPts val="0"/>
+                        </a:spcAft>
+                      </a:pPr>
+                      <a:r>
+                        <a:rPr lang="en-US" sz="800" kern="100">
+                          <a:effectLst/>
+                        </a:rPr>
+                        <a:t>R-0003</a:t>
+                      </a:r>
+                      <a:endParaRPr lang="ko-KR" sz="800" kern="100">
+                        <a:effectLst/>
+                        <a:latin typeface="맑은 고딕"/>
+                        <a:ea typeface="맑은 고딕"/>
+                        <a:cs typeface="Times New Roman"/>
+                      </a:endParaRPr>
+                    </a:p>
+                  </a:txBody>
+                  <a:tcPr marL="52089" marR="52089" marT="0" marB="0"/>
+                </a:tc>
+                <a:tc>
+                  <a:txBody>
+                    <a:bodyPr/>
+                    <a:lstStyle/>
+                    <a:p>
+                      <a:pPr algn="ctr" latinLnBrk="1">
+                        <a:lnSpc>
+                          <a:spcPct val="115000"/>
+                        </a:lnSpc>
+                        <a:spcAft>
+                          <a:spcPts val="0"/>
+                        </a:spcAft>
+                      </a:pPr>
+                      <a:r>
+                        <a:rPr lang="en-US" sz="800" kern="100">
+                          <a:effectLst/>
+                        </a:rPr>
+                        <a:t> </a:t>
+                      </a:r>
+                      <a:endParaRPr lang="ko-KR" sz="800" kern="100">
+                        <a:effectLst/>
+                        <a:latin typeface="맑은 고딕"/>
+                        <a:ea typeface="맑은 고딕"/>
+                        <a:cs typeface="Times New Roman"/>
+                      </a:endParaRPr>
+                    </a:p>
+                  </a:txBody>
+                  <a:tcPr marL="52089" marR="52089" marT="0" marB="0"/>
+                </a:tc>
+              </a:tr>
+              <a:tr h="133117">
+                <a:tc>
+                  <a:txBody>
+                    <a:bodyPr/>
+                    <a:lstStyle/>
+                    <a:p>
+                      <a:pPr algn="ctr" latinLnBrk="1">
+                        <a:lnSpc>
+                          <a:spcPct val="115000"/>
+                        </a:lnSpc>
+                        <a:spcAft>
+                          <a:spcPts val="0"/>
+                        </a:spcAft>
+                      </a:pPr>
+                      <a:r>
+                        <a:rPr lang="ko-KR" sz="800" kern="100">
+                          <a:effectLst/>
+                        </a:rPr>
+                        <a:t>기능</a:t>
+                      </a:r>
+                      <a:endParaRPr lang="ko-KR" sz="800" kern="100">
+                        <a:effectLst/>
+                        <a:latin typeface="맑은 고딕"/>
+                        <a:ea typeface="맑은 고딕"/>
+                        <a:cs typeface="Times New Roman"/>
+                      </a:endParaRPr>
+                    </a:p>
+                  </a:txBody>
+                  <a:tcPr marL="52089" marR="52089" marT="0" marB="0"/>
+                </a:tc>
+                <a:tc>
+                  <a:txBody>
+                    <a:bodyPr/>
+                    <a:lstStyle/>
+                    <a:p>
+                      <a:pPr algn="ctr" latinLnBrk="1">
+                        <a:lnSpc>
+                          <a:spcPct val="115000"/>
+                        </a:lnSpc>
+                        <a:spcAft>
+                          <a:spcPts val="0"/>
+                        </a:spcAft>
+                      </a:pPr>
+                      <a:r>
+                        <a:rPr lang="en-US" sz="800" kern="100">
+                          <a:effectLst/>
+                        </a:rPr>
+                        <a:t>2</a:t>
+                      </a:r>
+                      <a:r>
+                        <a:rPr lang="ko-KR" sz="800" kern="100">
+                          <a:effectLst/>
+                        </a:rPr>
+                        <a:t>차비밀번호는</a:t>
+                      </a:r>
+                      <a:r>
+                        <a:rPr lang="en-US" sz="800" kern="100">
+                          <a:effectLst/>
+                        </a:rPr>
+                        <a:t> 6</a:t>
+                      </a:r>
+                      <a:r>
+                        <a:rPr lang="ko-KR" sz="800" kern="100">
+                          <a:effectLst/>
+                        </a:rPr>
+                        <a:t>자리 숫자를 사용한다</a:t>
+                      </a:r>
+                      <a:r>
+                        <a:rPr lang="en-US" sz="800" kern="100">
+                          <a:effectLst/>
+                        </a:rPr>
+                        <a:t>.</a:t>
+                      </a:r>
+                      <a:endParaRPr lang="ko-KR" sz="800" kern="100">
+                        <a:effectLst/>
+                        <a:latin typeface="맑은 고딕"/>
+                        <a:ea typeface="맑은 고딕"/>
+                        <a:cs typeface="Times New Roman"/>
+                      </a:endParaRPr>
+                    </a:p>
+                  </a:txBody>
+                  <a:tcPr marL="52089" marR="52089" marT="0" marB="0"/>
+                </a:tc>
+                <a:tc>
+                  <a:txBody>
+                    <a:bodyPr/>
+                    <a:lstStyle/>
+                    <a:p>
+                      <a:pPr algn="ctr" latinLnBrk="1">
+                        <a:lnSpc>
+                          <a:spcPct val="115000"/>
+                        </a:lnSpc>
+                        <a:spcAft>
+                          <a:spcPts val="0"/>
+                        </a:spcAft>
+                      </a:pPr>
+                      <a:r>
+                        <a:rPr lang="en-US" sz="800" kern="100">
+                          <a:effectLst/>
+                        </a:rPr>
+                        <a:t>R-0004</a:t>
+                      </a:r>
+                      <a:endParaRPr lang="ko-KR" sz="800" kern="100">
+                        <a:effectLst/>
+                        <a:latin typeface="맑은 고딕"/>
+                        <a:ea typeface="맑은 고딕"/>
+                        <a:cs typeface="Times New Roman"/>
+                      </a:endParaRPr>
+                    </a:p>
+                  </a:txBody>
+                  <a:tcPr marL="52089" marR="52089" marT="0" marB="0"/>
+                </a:tc>
+                <a:tc>
+                  <a:txBody>
+                    <a:bodyPr/>
+                    <a:lstStyle/>
+                    <a:p>
+                      <a:pPr algn="ctr" latinLnBrk="1">
+                        <a:lnSpc>
+                          <a:spcPct val="115000"/>
+                        </a:lnSpc>
+                        <a:spcAft>
+                          <a:spcPts val="0"/>
+                        </a:spcAft>
+                      </a:pPr>
+                      <a:r>
+                        <a:rPr lang="en-US" sz="800" kern="100">
+                          <a:effectLst/>
+                        </a:rPr>
+                        <a:t> </a:t>
+                      </a:r>
+                      <a:endParaRPr lang="ko-KR" sz="800" kern="100">
+                        <a:effectLst/>
+                        <a:latin typeface="맑은 고딕"/>
+                        <a:ea typeface="맑은 고딕"/>
+                        <a:cs typeface="Times New Roman"/>
+                      </a:endParaRPr>
+                    </a:p>
+                  </a:txBody>
+                  <a:tcPr marL="52089" marR="52089" marT="0" marB="0"/>
+                </a:tc>
+              </a:tr>
+              <a:tr h="133117">
+                <a:tc>
+                  <a:txBody>
+                    <a:bodyPr/>
+                    <a:lstStyle/>
+                    <a:p>
+                      <a:pPr algn="ctr" latinLnBrk="1">
+                        <a:lnSpc>
+                          <a:spcPct val="115000"/>
+                        </a:lnSpc>
+                        <a:spcAft>
+                          <a:spcPts val="0"/>
+                        </a:spcAft>
+                      </a:pPr>
+                      <a:r>
+                        <a:rPr lang="ko-KR" sz="800" kern="100">
+                          <a:effectLst/>
+                        </a:rPr>
+                        <a:t>기능</a:t>
+                      </a:r>
+                      <a:endParaRPr lang="ko-KR" sz="800" kern="100">
+                        <a:effectLst/>
+                        <a:latin typeface="맑은 고딕"/>
+                        <a:ea typeface="맑은 고딕"/>
+                        <a:cs typeface="Times New Roman"/>
+                      </a:endParaRPr>
+                    </a:p>
+                  </a:txBody>
+                  <a:tcPr marL="52089" marR="52089" marT="0" marB="0"/>
+                </a:tc>
+                <a:tc>
+                  <a:txBody>
+                    <a:bodyPr/>
+                    <a:lstStyle/>
+                    <a:p>
+                      <a:pPr algn="ctr" latinLnBrk="1">
+                        <a:lnSpc>
+                          <a:spcPct val="115000"/>
+                        </a:lnSpc>
+                        <a:spcAft>
+                          <a:spcPts val="0"/>
+                        </a:spcAft>
+                      </a:pPr>
+                      <a:r>
+                        <a:rPr lang="ko-KR" sz="800" kern="100">
+                          <a:effectLst/>
+                        </a:rPr>
+                        <a:t>계좌번호는 임의로 발급된</a:t>
+                      </a:r>
+                      <a:r>
+                        <a:rPr lang="en-US" sz="800" kern="100">
+                          <a:effectLst/>
+                        </a:rPr>
+                        <a:t> 8</a:t>
+                      </a:r>
+                      <a:r>
+                        <a:rPr lang="ko-KR" sz="800" kern="100">
+                          <a:effectLst/>
+                        </a:rPr>
+                        <a:t>자리의 숫자로 한다</a:t>
+                      </a:r>
+                      <a:r>
+                        <a:rPr lang="en-US" sz="800" kern="100">
+                          <a:effectLst/>
+                        </a:rPr>
+                        <a:t>.</a:t>
+                      </a:r>
+                      <a:endParaRPr lang="ko-KR" sz="800" kern="100">
+                        <a:effectLst/>
+                        <a:latin typeface="맑은 고딕"/>
+                        <a:ea typeface="맑은 고딕"/>
+                        <a:cs typeface="Times New Roman"/>
+                      </a:endParaRPr>
+                    </a:p>
+                  </a:txBody>
+                  <a:tcPr marL="52089" marR="52089" marT="0" marB="0"/>
+                </a:tc>
+                <a:tc>
+                  <a:txBody>
+                    <a:bodyPr/>
+                    <a:lstStyle/>
+                    <a:p>
+                      <a:pPr algn="ctr" latinLnBrk="1">
+                        <a:lnSpc>
+                          <a:spcPct val="115000"/>
+                        </a:lnSpc>
+                        <a:spcAft>
+                          <a:spcPts val="0"/>
+                        </a:spcAft>
+                      </a:pPr>
+                      <a:r>
+                        <a:rPr lang="en-US" sz="800" kern="100">
+                          <a:effectLst/>
+                        </a:rPr>
+                        <a:t>R-0005</a:t>
+                      </a:r>
+                      <a:endParaRPr lang="ko-KR" sz="800" kern="100">
+                        <a:effectLst/>
+                        <a:latin typeface="맑은 고딕"/>
+                        <a:ea typeface="맑은 고딕"/>
+                        <a:cs typeface="Times New Roman"/>
+                      </a:endParaRPr>
+                    </a:p>
+                  </a:txBody>
+                  <a:tcPr marL="52089" marR="52089" marT="0" marB="0"/>
+                </a:tc>
+                <a:tc>
+                  <a:txBody>
+                    <a:bodyPr/>
+                    <a:lstStyle/>
+                    <a:p>
+                      <a:pPr algn="ctr" latinLnBrk="1">
+                        <a:lnSpc>
+                          <a:spcPct val="115000"/>
+                        </a:lnSpc>
+                        <a:spcAft>
+                          <a:spcPts val="0"/>
+                        </a:spcAft>
+                      </a:pPr>
+                      <a:r>
+                        <a:rPr lang="en-US" sz="800" kern="100">
+                          <a:effectLst/>
+                        </a:rPr>
+                        <a:t> </a:t>
+                      </a:r>
+                      <a:endParaRPr lang="ko-KR" sz="800" kern="100">
+                        <a:effectLst/>
+                        <a:latin typeface="맑은 고딕"/>
+                        <a:ea typeface="맑은 고딕"/>
+                        <a:cs typeface="Times New Roman"/>
+                      </a:endParaRPr>
+                    </a:p>
+                  </a:txBody>
+                  <a:tcPr marL="52089" marR="52089" marT="0" marB="0"/>
+                </a:tc>
+              </a:tr>
+              <a:tr h="133117">
+                <a:tc>
+                  <a:txBody>
+                    <a:bodyPr/>
+                    <a:lstStyle/>
+                    <a:p>
+                      <a:pPr algn="ctr" latinLnBrk="1">
+                        <a:lnSpc>
+                          <a:spcPct val="115000"/>
+                        </a:lnSpc>
+                        <a:spcAft>
+                          <a:spcPts val="0"/>
+                        </a:spcAft>
+                      </a:pPr>
+                      <a:r>
+                        <a:rPr lang="ko-KR" sz="800" kern="100">
+                          <a:effectLst/>
+                        </a:rPr>
+                        <a:t>기능</a:t>
+                      </a:r>
+                      <a:endParaRPr lang="ko-KR" sz="800" kern="100">
+                        <a:effectLst/>
+                        <a:latin typeface="맑은 고딕"/>
+                        <a:ea typeface="맑은 고딕"/>
+                        <a:cs typeface="Times New Roman"/>
+                      </a:endParaRPr>
+                    </a:p>
+                  </a:txBody>
+                  <a:tcPr marL="52089" marR="52089" marT="0" marB="0"/>
+                </a:tc>
+                <a:tc>
+                  <a:txBody>
+                    <a:bodyPr/>
+                    <a:lstStyle/>
+                    <a:p>
+                      <a:pPr algn="ctr" latinLnBrk="1">
+                        <a:lnSpc>
+                          <a:spcPct val="115000"/>
+                        </a:lnSpc>
+                        <a:spcAft>
+                          <a:spcPts val="0"/>
+                        </a:spcAft>
+                      </a:pPr>
+                      <a:r>
+                        <a:rPr lang="ko-KR" sz="800" kern="100">
+                          <a:effectLst/>
+                        </a:rPr>
+                        <a:t>회원은 반드시 하나 이상의 계좌를 갖는다</a:t>
+                      </a:r>
+                      <a:r>
+                        <a:rPr lang="en-US" sz="800" kern="100">
+                          <a:effectLst/>
+                        </a:rPr>
+                        <a:t>.</a:t>
+                      </a:r>
+                      <a:endParaRPr lang="ko-KR" sz="800" kern="100">
+                        <a:effectLst/>
+                        <a:latin typeface="맑은 고딕"/>
+                        <a:ea typeface="맑은 고딕"/>
+                        <a:cs typeface="Times New Roman"/>
+                      </a:endParaRPr>
+                    </a:p>
+                  </a:txBody>
+                  <a:tcPr marL="52089" marR="52089" marT="0" marB="0"/>
+                </a:tc>
+                <a:tc>
+                  <a:txBody>
+                    <a:bodyPr/>
+                    <a:lstStyle/>
+                    <a:p>
+                      <a:pPr algn="ctr" latinLnBrk="1">
+                        <a:lnSpc>
+                          <a:spcPct val="115000"/>
+                        </a:lnSpc>
+                        <a:spcAft>
+                          <a:spcPts val="0"/>
+                        </a:spcAft>
+                      </a:pPr>
+                      <a:r>
+                        <a:rPr lang="en-US" sz="800" kern="100">
+                          <a:effectLst/>
+                        </a:rPr>
+                        <a:t>R-0006</a:t>
+                      </a:r>
+                      <a:endParaRPr lang="ko-KR" sz="800" kern="100">
+                        <a:effectLst/>
+                        <a:latin typeface="맑은 고딕"/>
+                        <a:ea typeface="맑은 고딕"/>
+                        <a:cs typeface="Times New Roman"/>
+                      </a:endParaRPr>
+                    </a:p>
+                  </a:txBody>
+                  <a:tcPr marL="52089" marR="52089" marT="0" marB="0"/>
+                </a:tc>
+                <a:tc>
+                  <a:txBody>
+                    <a:bodyPr/>
+                    <a:lstStyle/>
+                    <a:p>
+                      <a:pPr algn="ctr" latinLnBrk="1">
+                        <a:lnSpc>
+                          <a:spcPct val="115000"/>
+                        </a:lnSpc>
+                        <a:spcAft>
+                          <a:spcPts val="0"/>
+                        </a:spcAft>
+                      </a:pPr>
+                      <a:r>
+                        <a:rPr lang="en-US" sz="800" kern="100">
+                          <a:effectLst/>
+                        </a:rPr>
+                        <a:t> </a:t>
+                      </a:r>
+                      <a:endParaRPr lang="ko-KR" sz="800" kern="100">
+                        <a:effectLst/>
+                        <a:latin typeface="맑은 고딕"/>
+                        <a:ea typeface="맑은 고딕"/>
+                        <a:cs typeface="Times New Roman"/>
+                      </a:endParaRPr>
+                    </a:p>
+                  </a:txBody>
+                  <a:tcPr marL="52089" marR="52089" marT="0" marB="0"/>
+                </a:tc>
+              </a:tr>
+              <a:tr h="133117">
+                <a:tc>
+                  <a:txBody>
+                    <a:bodyPr/>
+                    <a:lstStyle/>
+                    <a:p>
+                      <a:pPr algn="ctr" latinLnBrk="1">
+                        <a:lnSpc>
+                          <a:spcPct val="115000"/>
+                        </a:lnSpc>
+                        <a:spcAft>
+                          <a:spcPts val="0"/>
+                        </a:spcAft>
+                      </a:pPr>
+                      <a:r>
+                        <a:rPr lang="ko-KR" sz="800" kern="100">
+                          <a:effectLst/>
+                        </a:rPr>
+                        <a:t>기능</a:t>
+                      </a:r>
+                      <a:endParaRPr lang="ko-KR" sz="800" kern="100">
+                        <a:effectLst/>
+                        <a:latin typeface="맑은 고딕"/>
+                        <a:ea typeface="맑은 고딕"/>
+                        <a:cs typeface="Times New Roman"/>
+                      </a:endParaRPr>
+                    </a:p>
+                  </a:txBody>
+                  <a:tcPr marL="52089" marR="52089" marT="0" marB="0"/>
+                </a:tc>
+                <a:tc>
+                  <a:txBody>
+                    <a:bodyPr/>
+                    <a:lstStyle/>
+                    <a:p>
+                      <a:pPr algn="ctr" latinLnBrk="1">
+                        <a:lnSpc>
+                          <a:spcPct val="115000"/>
+                        </a:lnSpc>
+                        <a:spcAft>
+                          <a:spcPts val="0"/>
+                        </a:spcAft>
+                      </a:pPr>
+                      <a:r>
+                        <a:rPr lang="ko-KR" sz="800" kern="100">
+                          <a:effectLst/>
+                        </a:rPr>
+                        <a:t>회원은 계좌를 최대</a:t>
+                      </a:r>
+                      <a:r>
+                        <a:rPr lang="en-US" sz="800" kern="100">
+                          <a:effectLst/>
+                        </a:rPr>
+                        <a:t> 3</a:t>
+                      </a:r>
+                      <a:r>
+                        <a:rPr lang="ko-KR" sz="800" kern="100">
+                          <a:effectLst/>
+                        </a:rPr>
+                        <a:t>개까지 생성할 수 있다</a:t>
+                      </a:r>
+                      <a:r>
+                        <a:rPr lang="en-US" sz="800" kern="100">
+                          <a:effectLst/>
+                        </a:rPr>
+                        <a:t>.</a:t>
+                      </a:r>
+                      <a:endParaRPr lang="ko-KR" sz="800" kern="100">
+                        <a:effectLst/>
+                        <a:latin typeface="맑은 고딕"/>
+                        <a:ea typeface="맑은 고딕"/>
+                        <a:cs typeface="Times New Roman"/>
+                      </a:endParaRPr>
+                    </a:p>
+                  </a:txBody>
+                  <a:tcPr marL="52089" marR="52089" marT="0" marB="0"/>
+                </a:tc>
+                <a:tc>
+                  <a:txBody>
+                    <a:bodyPr/>
+                    <a:lstStyle/>
+                    <a:p>
+                      <a:pPr algn="ctr" latinLnBrk="1">
+                        <a:lnSpc>
+                          <a:spcPct val="115000"/>
+                        </a:lnSpc>
+                        <a:spcAft>
+                          <a:spcPts val="0"/>
+                        </a:spcAft>
+                      </a:pPr>
+                      <a:r>
+                        <a:rPr lang="en-US" sz="800" kern="100">
+                          <a:effectLst/>
+                        </a:rPr>
+                        <a:t>R-0007</a:t>
+                      </a:r>
+                      <a:endParaRPr lang="ko-KR" sz="800" kern="100">
+                        <a:effectLst/>
+                        <a:latin typeface="맑은 고딕"/>
+                        <a:ea typeface="맑은 고딕"/>
+                        <a:cs typeface="Times New Roman"/>
+                      </a:endParaRPr>
+                    </a:p>
+                  </a:txBody>
+                  <a:tcPr marL="52089" marR="52089" marT="0" marB="0"/>
+                </a:tc>
+                <a:tc>
+                  <a:txBody>
+                    <a:bodyPr/>
+                    <a:lstStyle/>
+                    <a:p>
+                      <a:pPr algn="ctr" latinLnBrk="1">
+                        <a:lnSpc>
+                          <a:spcPct val="115000"/>
+                        </a:lnSpc>
+                        <a:spcAft>
+                          <a:spcPts val="0"/>
+                        </a:spcAft>
+                      </a:pPr>
+                      <a:r>
+                        <a:rPr lang="en-US" sz="800" kern="100">
+                          <a:effectLst/>
+                        </a:rPr>
+                        <a:t> </a:t>
+                      </a:r>
+                      <a:endParaRPr lang="ko-KR" sz="800" kern="100">
+                        <a:effectLst/>
+                        <a:latin typeface="맑은 고딕"/>
+                        <a:ea typeface="맑은 고딕"/>
+                        <a:cs typeface="Times New Roman"/>
+                      </a:endParaRPr>
+                    </a:p>
+                  </a:txBody>
+                  <a:tcPr marL="52089" marR="52089" marT="0" marB="0"/>
+                </a:tc>
+              </a:tr>
+              <a:tr h="133117">
+                <a:tc>
+                  <a:txBody>
+                    <a:bodyPr/>
+                    <a:lstStyle/>
+                    <a:p>
+                      <a:pPr algn="ctr" latinLnBrk="1">
+                        <a:lnSpc>
+                          <a:spcPct val="115000"/>
+                        </a:lnSpc>
+                        <a:spcAft>
+                          <a:spcPts val="0"/>
+                        </a:spcAft>
+                      </a:pPr>
+                      <a:r>
+                        <a:rPr lang="ko-KR" sz="800" kern="100">
+                          <a:effectLst/>
+                        </a:rPr>
+                        <a:t>기능</a:t>
+                      </a:r>
+                      <a:endParaRPr lang="ko-KR" sz="800" kern="100">
+                        <a:effectLst/>
+                        <a:latin typeface="맑은 고딕"/>
+                        <a:ea typeface="맑은 고딕"/>
+                        <a:cs typeface="Times New Roman"/>
+                      </a:endParaRPr>
+                    </a:p>
+                  </a:txBody>
+                  <a:tcPr marL="52089" marR="52089" marT="0" marB="0"/>
+                </a:tc>
+                <a:tc>
+                  <a:txBody>
+                    <a:bodyPr/>
+                    <a:lstStyle/>
+                    <a:p>
+                      <a:pPr algn="ctr" latinLnBrk="1">
+                        <a:lnSpc>
+                          <a:spcPct val="115000"/>
+                        </a:lnSpc>
+                        <a:spcAft>
+                          <a:spcPts val="0"/>
+                        </a:spcAft>
+                      </a:pPr>
+                      <a:r>
+                        <a:rPr lang="ko-KR" sz="800" kern="100">
+                          <a:effectLst/>
+                        </a:rPr>
+                        <a:t>모든 계좌에는 </a:t>
+                      </a:r>
+                      <a:r>
+                        <a:rPr lang="en-US" sz="800" kern="100">
+                          <a:effectLst/>
+                        </a:rPr>
+                        <a:t>4</a:t>
+                      </a:r>
+                      <a:r>
+                        <a:rPr lang="ko-KR" sz="800" kern="100">
+                          <a:effectLst/>
+                        </a:rPr>
+                        <a:t>자리 계좌비밀번호가 있다</a:t>
+                      </a:r>
+                      <a:r>
+                        <a:rPr lang="en-US" sz="800" kern="100">
+                          <a:effectLst/>
+                        </a:rPr>
+                        <a:t>.</a:t>
+                      </a:r>
+                      <a:endParaRPr lang="ko-KR" sz="800" kern="100">
+                        <a:effectLst/>
+                        <a:latin typeface="맑은 고딕"/>
+                        <a:ea typeface="맑은 고딕"/>
+                        <a:cs typeface="Times New Roman"/>
+                      </a:endParaRPr>
+                    </a:p>
+                  </a:txBody>
+                  <a:tcPr marL="52089" marR="52089" marT="0" marB="0"/>
+                </a:tc>
+                <a:tc>
+                  <a:txBody>
+                    <a:bodyPr/>
+                    <a:lstStyle/>
+                    <a:p>
+                      <a:pPr algn="ctr" latinLnBrk="1">
+                        <a:lnSpc>
+                          <a:spcPct val="115000"/>
+                        </a:lnSpc>
+                        <a:spcAft>
+                          <a:spcPts val="0"/>
+                        </a:spcAft>
+                      </a:pPr>
+                      <a:r>
+                        <a:rPr lang="en-US" sz="800" kern="100">
+                          <a:effectLst/>
+                        </a:rPr>
+                        <a:t>R-0008</a:t>
+                      </a:r>
+                      <a:endParaRPr lang="ko-KR" sz="800" kern="100">
+                        <a:effectLst/>
+                        <a:latin typeface="맑은 고딕"/>
+                        <a:ea typeface="맑은 고딕"/>
+                        <a:cs typeface="Times New Roman"/>
+                      </a:endParaRPr>
+                    </a:p>
+                  </a:txBody>
+                  <a:tcPr marL="52089" marR="52089" marT="0" marB="0"/>
+                </a:tc>
+                <a:tc>
+                  <a:txBody>
+                    <a:bodyPr/>
+                    <a:lstStyle/>
+                    <a:p>
+                      <a:pPr algn="ctr" latinLnBrk="1">
+                        <a:lnSpc>
+                          <a:spcPct val="115000"/>
+                        </a:lnSpc>
+                        <a:spcAft>
+                          <a:spcPts val="0"/>
+                        </a:spcAft>
+                      </a:pPr>
+                      <a:r>
+                        <a:rPr lang="en-US" sz="800" kern="100">
+                          <a:effectLst/>
+                        </a:rPr>
+                        <a:t> </a:t>
+                      </a:r>
+                      <a:endParaRPr lang="ko-KR" sz="800" kern="100">
+                        <a:effectLst/>
+                        <a:latin typeface="맑은 고딕"/>
+                        <a:ea typeface="맑은 고딕"/>
+                        <a:cs typeface="Times New Roman"/>
+                      </a:endParaRPr>
+                    </a:p>
+                  </a:txBody>
+                  <a:tcPr marL="52089" marR="52089" marT="0" marB="0"/>
+                </a:tc>
+              </a:tr>
+              <a:tr h="266233">
+                <a:tc>
+                  <a:txBody>
+                    <a:bodyPr/>
+                    <a:lstStyle/>
+                    <a:p>
+                      <a:pPr algn="ctr" latinLnBrk="1">
+                        <a:lnSpc>
+                          <a:spcPct val="115000"/>
+                        </a:lnSpc>
+                        <a:spcAft>
+                          <a:spcPts val="0"/>
+                        </a:spcAft>
+                      </a:pPr>
+                      <a:r>
+                        <a:rPr lang="ko-KR" sz="800" kern="100">
+                          <a:effectLst/>
+                        </a:rPr>
+                        <a:t>기능</a:t>
+                      </a:r>
+                      <a:endParaRPr lang="ko-KR" sz="800" kern="100">
+                        <a:effectLst/>
+                        <a:latin typeface="맑은 고딕"/>
+                        <a:ea typeface="맑은 고딕"/>
+                        <a:cs typeface="Times New Roman"/>
+                      </a:endParaRPr>
+                    </a:p>
+                  </a:txBody>
+                  <a:tcPr marL="52089" marR="52089" marT="0" marB="0"/>
+                </a:tc>
+                <a:tc>
+                  <a:txBody>
+                    <a:bodyPr/>
+                    <a:lstStyle/>
+                    <a:p>
+                      <a:pPr algn="ctr" latinLnBrk="1">
+                        <a:lnSpc>
+                          <a:spcPct val="115000"/>
+                        </a:lnSpc>
+                        <a:spcAft>
+                          <a:spcPts val="0"/>
+                        </a:spcAft>
+                      </a:pPr>
+                      <a:r>
+                        <a:rPr lang="ko-KR" sz="800" kern="100">
+                          <a:effectLst/>
+                        </a:rPr>
+                        <a:t>회원은 다른 회원의 계좌번호를 알고 있다면 잔고에서 원하는 금액만큼 이체할 수 있다</a:t>
+                      </a:r>
+                      <a:r>
+                        <a:rPr lang="en-US" sz="800" kern="100">
+                          <a:effectLst/>
+                        </a:rPr>
+                        <a:t>.</a:t>
+                      </a:r>
+                      <a:endParaRPr lang="ko-KR" sz="800" kern="100">
+                        <a:effectLst/>
+                        <a:latin typeface="맑은 고딕"/>
+                        <a:ea typeface="맑은 고딕"/>
+                        <a:cs typeface="Times New Roman"/>
+                      </a:endParaRPr>
+                    </a:p>
+                  </a:txBody>
+                  <a:tcPr marL="52089" marR="52089" marT="0" marB="0"/>
+                </a:tc>
+                <a:tc>
+                  <a:txBody>
+                    <a:bodyPr/>
+                    <a:lstStyle/>
+                    <a:p>
+                      <a:pPr algn="ctr" latinLnBrk="1">
+                        <a:lnSpc>
+                          <a:spcPct val="115000"/>
+                        </a:lnSpc>
+                        <a:spcAft>
+                          <a:spcPts val="0"/>
+                        </a:spcAft>
+                      </a:pPr>
+                      <a:r>
+                        <a:rPr lang="en-US" sz="800" kern="100">
+                          <a:effectLst/>
+                        </a:rPr>
+                        <a:t>R-0009</a:t>
+                      </a:r>
+                      <a:endParaRPr lang="ko-KR" sz="800" kern="100">
+                        <a:effectLst/>
+                        <a:latin typeface="맑은 고딕"/>
+                        <a:ea typeface="맑은 고딕"/>
+                        <a:cs typeface="Times New Roman"/>
+                      </a:endParaRPr>
+                    </a:p>
+                  </a:txBody>
+                  <a:tcPr marL="52089" marR="52089" marT="0" marB="0"/>
+                </a:tc>
+                <a:tc>
+                  <a:txBody>
+                    <a:bodyPr/>
+                    <a:lstStyle/>
+                    <a:p>
+                      <a:pPr algn="ctr" latinLnBrk="1">
+                        <a:lnSpc>
+                          <a:spcPct val="115000"/>
+                        </a:lnSpc>
+                        <a:spcAft>
+                          <a:spcPts val="0"/>
+                        </a:spcAft>
+                      </a:pPr>
+                      <a:r>
+                        <a:rPr lang="en-US" sz="800" kern="100">
+                          <a:effectLst/>
+                        </a:rPr>
+                        <a:t> </a:t>
+                      </a:r>
+                      <a:endParaRPr lang="ko-KR" sz="800" kern="100">
+                        <a:effectLst/>
+                        <a:latin typeface="맑은 고딕"/>
+                        <a:ea typeface="맑은 고딕"/>
+                        <a:cs typeface="Times New Roman"/>
+                      </a:endParaRPr>
+                    </a:p>
+                  </a:txBody>
+                  <a:tcPr marL="52089" marR="52089" marT="0" marB="0"/>
+                </a:tc>
+              </a:tr>
+              <a:tr h="399350">
+                <a:tc>
+                  <a:txBody>
+                    <a:bodyPr/>
+                    <a:lstStyle/>
+                    <a:p>
+                      <a:pPr algn="ctr" latinLnBrk="1">
+                        <a:lnSpc>
+                          <a:spcPct val="115000"/>
+                        </a:lnSpc>
+                        <a:spcAft>
+                          <a:spcPts val="0"/>
+                        </a:spcAft>
+                      </a:pPr>
+                      <a:r>
+                        <a:rPr lang="ko-KR" sz="800" kern="100">
+                          <a:effectLst/>
+                        </a:rPr>
+                        <a:t>기능</a:t>
+                      </a:r>
+                      <a:endParaRPr lang="ko-KR" sz="800" kern="100">
+                        <a:effectLst/>
+                        <a:latin typeface="맑은 고딕"/>
+                        <a:ea typeface="맑은 고딕"/>
+                        <a:cs typeface="Times New Roman"/>
+                      </a:endParaRPr>
+                    </a:p>
+                  </a:txBody>
+                  <a:tcPr marL="52089" marR="52089" marT="0" marB="0"/>
+                </a:tc>
+                <a:tc>
+                  <a:txBody>
+                    <a:bodyPr/>
+                    <a:lstStyle/>
+                    <a:p>
+                      <a:pPr algn="ctr" latinLnBrk="1">
+                        <a:lnSpc>
+                          <a:spcPct val="115000"/>
+                        </a:lnSpc>
+                        <a:spcAft>
+                          <a:spcPts val="0"/>
+                        </a:spcAft>
+                      </a:pPr>
+                      <a:r>
+                        <a:rPr lang="ko-KR" sz="800" kern="100">
+                          <a:effectLst/>
+                        </a:rPr>
+                        <a:t>계좌번호를 잘못 입력하였거나</a:t>
+                      </a:r>
+                      <a:r>
+                        <a:rPr lang="en-US" sz="800" kern="100">
+                          <a:effectLst/>
+                        </a:rPr>
+                        <a:t>,</a:t>
+                      </a:r>
+                      <a:endParaRPr lang="ko-KR" sz="800" kern="100">
+                        <a:effectLst/>
+                      </a:endParaRPr>
+                    </a:p>
+                    <a:p>
+                      <a:pPr algn="ctr" latinLnBrk="1">
+                        <a:lnSpc>
+                          <a:spcPct val="115000"/>
+                        </a:lnSpc>
+                        <a:spcAft>
+                          <a:spcPts val="0"/>
+                        </a:spcAft>
+                      </a:pPr>
+                      <a:r>
+                        <a:rPr lang="ko-KR" sz="800" kern="100">
+                          <a:effectLst/>
+                        </a:rPr>
+                        <a:t>이체하려는 금액이 잔고의 금액보다 크면 거래가 중단된다</a:t>
+                      </a:r>
+                      <a:r>
+                        <a:rPr lang="en-US" sz="800" kern="100">
+                          <a:effectLst/>
+                        </a:rPr>
+                        <a:t>.</a:t>
+                      </a:r>
+                      <a:endParaRPr lang="ko-KR" sz="800" kern="100">
+                        <a:effectLst/>
+                        <a:latin typeface="맑은 고딕"/>
+                        <a:ea typeface="맑은 고딕"/>
+                        <a:cs typeface="Times New Roman"/>
+                      </a:endParaRPr>
+                    </a:p>
+                  </a:txBody>
+                  <a:tcPr marL="52089" marR="52089" marT="0" marB="0"/>
+                </a:tc>
+                <a:tc>
+                  <a:txBody>
+                    <a:bodyPr/>
+                    <a:lstStyle/>
+                    <a:p>
+                      <a:pPr algn="ctr" latinLnBrk="1">
+                        <a:lnSpc>
+                          <a:spcPct val="115000"/>
+                        </a:lnSpc>
+                        <a:spcAft>
+                          <a:spcPts val="0"/>
+                        </a:spcAft>
+                      </a:pPr>
+                      <a:r>
+                        <a:rPr lang="en-US" sz="800" kern="100">
+                          <a:effectLst/>
+                        </a:rPr>
+                        <a:t>R-0010</a:t>
+                      </a:r>
+                      <a:endParaRPr lang="ko-KR" sz="800" kern="100">
+                        <a:effectLst/>
+                        <a:latin typeface="맑은 고딕"/>
+                        <a:ea typeface="맑은 고딕"/>
+                        <a:cs typeface="Times New Roman"/>
+                      </a:endParaRPr>
+                    </a:p>
+                  </a:txBody>
+                  <a:tcPr marL="52089" marR="52089" marT="0" marB="0"/>
+                </a:tc>
+                <a:tc>
+                  <a:txBody>
+                    <a:bodyPr/>
+                    <a:lstStyle/>
+                    <a:p>
+                      <a:pPr algn="ctr" latinLnBrk="1">
+                        <a:lnSpc>
+                          <a:spcPct val="115000"/>
+                        </a:lnSpc>
+                        <a:spcAft>
+                          <a:spcPts val="0"/>
+                        </a:spcAft>
+                      </a:pPr>
+                      <a:r>
+                        <a:rPr lang="en-US" sz="800" kern="100">
+                          <a:effectLst/>
+                        </a:rPr>
+                        <a:t> </a:t>
+                      </a:r>
+                      <a:endParaRPr lang="ko-KR" sz="800" kern="100">
+                        <a:effectLst/>
+                        <a:latin typeface="맑은 고딕"/>
+                        <a:ea typeface="맑은 고딕"/>
+                        <a:cs typeface="Times New Roman"/>
+                      </a:endParaRPr>
+                    </a:p>
+                  </a:txBody>
+                  <a:tcPr marL="52089" marR="52089" marT="0" marB="0"/>
+                </a:tc>
+              </a:tr>
+              <a:tr h="266233">
+                <a:tc>
+                  <a:txBody>
+                    <a:bodyPr/>
+                    <a:lstStyle/>
+                    <a:p>
+                      <a:pPr algn="ctr" latinLnBrk="1">
+                        <a:lnSpc>
+                          <a:spcPct val="115000"/>
+                        </a:lnSpc>
+                        <a:spcAft>
+                          <a:spcPts val="0"/>
+                        </a:spcAft>
+                      </a:pPr>
+                      <a:r>
+                        <a:rPr lang="ko-KR" sz="800" kern="100">
+                          <a:effectLst/>
+                        </a:rPr>
+                        <a:t>기능</a:t>
+                      </a:r>
+                      <a:endParaRPr lang="ko-KR" sz="800" kern="100">
+                        <a:effectLst/>
+                        <a:latin typeface="맑은 고딕"/>
+                        <a:ea typeface="맑은 고딕"/>
+                        <a:cs typeface="Times New Roman"/>
+                      </a:endParaRPr>
+                    </a:p>
+                  </a:txBody>
+                  <a:tcPr marL="52089" marR="52089" marT="0" marB="0"/>
+                </a:tc>
+                <a:tc>
+                  <a:txBody>
+                    <a:bodyPr/>
+                    <a:lstStyle/>
+                    <a:p>
+                      <a:pPr algn="ctr" latinLnBrk="1">
+                        <a:lnSpc>
+                          <a:spcPct val="115000"/>
+                        </a:lnSpc>
+                        <a:spcAft>
+                          <a:spcPts val="0"/>
+                        </a:spcAft>
+                      </a:pPr>
+                      <a:r>
+                        <a:rPr lang="ko-KR" sz="800" kern="100">
+                          <a:effectLst/>
+                        </a:rPr>
+                        <a:t>회원은 미리 지정된 일련번호를 입력하여</a:t>
+                      </a:r>
+                    </a:p>
+                    <a:p>
+                      <a:pPr algn="ctr" latinLnBrk="1">
+                        <a:lnSpc>
+                          <a:spcPct val="115000"/>
+                        </a:lnSpc>
+                        <a:spcAft>
+                          <a:spcPts val="0"/>
+                        </a:spcAft>
+                      </a:pPr>
+                      <a:r>
+                        <a:rPr lang="ko-KR" sz="800" kern="100">
+                          <a:effectLst/>
+                        </a:rPr>
+                        <a:t>잔고를 충전할 수 있다</a:t>
+                      </a:r>
+                      <a:r>
+                        <a:rPr lang="en-US" sz="800" kern="100">
+                          <a:effectLst/>
+                        </a:rPr>
+                        <a:t>.</a:t>
+                      </a:r>
+                      <a:endParaRPr lang="ko-KR" sz="800" kern="100">
+                        <a:effectLst/>
+                        <a:latin typeface="맑은 고딕"/>
+                        <a:ea typeface="맑은 고딕"/>
+                        <a:cs typeface="Times New Roman"/>
+                      </a:endParaRPr>
+                    </a:p>
+                  </a:txBody>
+                  <a:tcPr marL="52089" marR="52089" marT="0" marB="0"/>
+                </a:tc>
+                <a:tc>
+                  <a:txBody>
+                    <a:bodyPr/>
+                    <a:lstStyle/>
+                    <a:p>
+                      <a:pPr algn="ctr" latinLnBrk="1">
+                        <a:lnSpc>
+                          <a:spcPct val="115000"/>
+                        </a:lnSpc>
+                        <a:spcAft>
+                          <a:spcPts val="0"/>
+                        </a:spcAft>
+                      </a:pPr>
+                      <a:r>
+                        <a:rPr lang="en-US" sz="800" kern="100">
+                          <a:effectLst/>
+                        </a:rPr>
+                        <a:t>R-0011</a:t>
+                      </a:r>
+                      <a:endParaRPr lang="ko-KR" sz="800" kern="100">
+                        <a:effectLst/>
+                        <a:latin typeface="맑은 고딕"/>
+                        <a:ea typeface="맑은 고딕"/>
+                        <a:cs typeface="Times New Roman"/>
+                      </a:endParaRPr>
+                    </a:p>
+                  </a:txBody>
+                  <a:tcPr marL="52089" marR="52089" marT="0" marB="0"/>
+                </a:tc>
+                <a:tc>
+                  <a:txBody>
+                    <a:bodyPr/>
+                    <a:lstStyle/>
+                    <a:p>
+                      <a:pPr algn="ctr" latinLnBrk="1">
+                        <a:lnSpc>
+                          <a:spcPct val="115000"/>
+                        </a:lnSpc>
+                        <a:spcAft>
+                          <a:spcPts val="0"/>
+                        </a:spcAft>
+                      </a:pPr>
+                      <a:r>
+                        <a:rPr lang="en-US" sz="800" kern="100">
+                          <a:effectLst/>
+                        </a:rPr>
+                        <a:t> </a:t>
+                      </a:r>
+                      <a:endParaRPr lang="ko-KR" sz="800" kern="100">
+                        <a:effectLst/>
+                        <a:latin typeface="맑은 고딕"/>
+                        <a:ea typeface="맑은 고딕"/>
+                        <a:cs typeface="Times New Roman"/>
+                      </a:endParaRPr>
+                    </a:p>
+                  </a:txBody>
+                  <a:tcPr marL="52089" marR="52089" marT="0" marB="0"/>
+                </a:tc>
+              </a:tr>
+              <a:tr h="133117">
+                <a:tc>
+                  <a:txBody>
+                    <a:bodyPr/>
+                    <a:lstStyle/>
+                    <a:p>
+                      <a:pPr algn="ctr" latinLnBrk="1">
+                        <a:lnSpc>
+                          <a:spcPct val="115000"/>
+                        </a:lnSpc>
+                        <a:spcAft>
+                          <a:spcPts val="0"/>
+                        </a:spcAft>
+                      </a:pPr>
+                      <a:r>
+                        <a:rPr lang="ko-KR" sz="800" kern="100">
+                          <a:effectLst/>
+                        </a:rPr>
+                        <a:t>기능</a:t>
+                      </a:r>
+                      <a:endParaRPr lang="ko-KR" sz="800" kern="100">
+                        <a:effectLst/>
+                        <a:latin typeface="맑은 고딕"/>
+                        <a:ea typeface="맑은 고딕"/>
+                        <a:cs typeface="Times New Roman"/>
+                      </a:endParaRPr>
+                    </a:p>
+                  </a:txBody>
+                  <a:tcPr marL="52089" marR="52089" marT="0" marB="0"/>
+                </a:tc>
+                <a:tc>
+                  <a:txBody>
+                    <a:bodyPr/>
+                    <a:lstStyle/>
+                    <a:p>
+                      <a:pPr algn="ctr" latinLnBrk="1">
+                        <a:lnSpc>
+                          <a:spcPct val="115000"/>
+                        </a:lnSpc>
+                        <a:spcAft>
+                          <a:spcPts val="0"/>
+                        </a:spcAft>
+                      </a:pPr>
+                      <a:r>
+                        <a:rPr lang="ko-KR" sz="800" kern="100">
+                          <a:effectLst/>
+                        </a:rPr>
+                        <a:t>최근의 이체 내용을 확인할 수 있다</a:t>
+                      </a:r>
+                      <a:r>
+                        <a:rPr lang="en-US" sz="800" kern="100">
+                          <a:effectLst/>
+                        </a:rPr>
+                        <a:t>.</a:t>
+                      </a:r>
+                      <a:endParaRPr lang="ko-KR" sz="800" kern="100">
+                        <a:effectLst/>
+                        <a:latin typeface="맑은 고딕"/>
+                        <a:ea typeface="맑은 고딕"/>
+                        <a:cs typeface="Times New Roman"/>
+                      </a:endParaRPr>
+                    </a:p>
+                  </a:txBody>
+                  <a:tcPr marL="52089" marR="52089" marT="0" marB="0"/>
+                </a:tc>
+                <a:tc>
+                  <a:txBody>
+                    <a:bodyPr/>
+                    <a:lstStyle/>
+                    <a:p>
+                      <a:pPr algn="ctr" latinLnBrk="1">
+                        <a:lnSpc>
+                          <a:spcPct val="115000"/>
+                        </a:lnSpc>
+                        <a:spcAft>
+                          <a:spcPts val="0"/>
+                        </a:spcAft>
+                      </a:pPr>
+                      <a:r>
+                        <a:rPr lang="en-US" sz="800" kern="100">
+                          <a:effectLst/>
+                        </a:rPr>
+                        <a:t>R-0012</a:t>
+                      </a:r>
+                      <a:endParaRPr lang="ko-KR" sz="800" kern="100">
+                        <a:effectLst/>
+                        <a:latin typeface="맑은 고딕"/>
+                        <a:ea typeface="맑은 고딕"/>
+                        <a:cs typeface="Times New Roman"/>
+                      </a:endParaRPr>
+                    </a:p>
+                  </a:txBody>
+                  <a:tcPr marL="52089" marR="52089" marT="0" marB="0"/>
+                </a:tc>
+                <a:tc>
+                  <a:txBody>
+                    <a:bodyPr/>
+                    <a:lstStyle/>
+                    <a:p>
+                      <a:pPr algn="ctr" latinLnBrk="1">
+                        <a:lnSpc>
+                          <a:spcPct val="115000"/>
+                        </a:lnSpc>
+                        <a:spcAft>
+                          <a:spcPts val="0"/>
+                        </a:spcAft>
+                      </a:pPr>
+                      <a:r>
+                        <a:rPr lang="en-US" sz="800" kern="100">
+                          <a:effectLst/>
+                        </a:rPr>
+                        <a:t> </a:t>
+                      </a:r>
+                      <a:endParaRPr lang="ko-KR" sz="800" kern="100">
+                        <a:effectLst/>
+                        <a:latin typeface="맑은 고딕"/>
+                        <a:ea typeface="맑은 고딕"/>
+                        <a:cs typeface="Times New Roman"/>
+                      </a:endParaRPr>
+                    </a:p>
+                  </a:txBody>
+                  <a:tcPr marL="52089" marR="52089" marT="0" marB="0"/>
+                </a:tc>
+              </a:tr>
+              <a:tr h="133117">
+                <a:tc>
+                  <a:txBody>
+                    <a:bodyPr/>
+                    <a:lstStyle/>
+                    <a:p>
+                      <a:pPr algn="ctr" latinLnBrk="1">
+                        <a:lnSpc>
+                          <a:spcPct val="115000"/>
+                        </a:lnSpc>
+                        <a:spcAft>
+                          <a:spcPts val="0"/>
+                        </a:spcAft>
+                      </a:pPr>
+                      <a:r>
+                        <a:rPr lang="ko-KR" sz="800" kern="100">
+                          <a:effectLst/>
+                        </a:rPr>
+                        <a:t>기능</a:t>
+                      </a:r>
+                      <a:endParaRPr lang="ko-KR" sz="800" kern="100">
+                        <a:effectLst/>
+                        <a:latin typeface="맑은 고딕"/>
+                        <a:ea typeface="맑은 고딕"/>
+                        <a:cs typeface="Times New Roman"/>
+                      </a:endParaRPr>
+                    </a:p>
+                  </a:txBody>
+                  <a:tcPr marL="52089" marR="52089" marT="0" marB="0"/>
+                </a:tc>
+                <a:tc>
+                  <a:txBody>
+                    <a:bodyPr/>
+                    <a:lstStyle/>
+                    <a:p>
+                      <a:pPr algn="ctr" latinLnBrk="1">
+                        <a:lnSpc>
+                          <a:spcPct val="115000"/>
+                        </a:lnSpc>
+                        <a:spcAft>
+                          <a:spcPts val="0"/>
+                        </a:spcAft>
+                      </a:pPr>
+                      <a:r>
+                        <a:rPr lang="ko-KR" sz="800" kern="100">
+                          <a:effectLst/>
+                        </a:rPr>
+                        <a:t>회원은 회원정보를 변경할 수 있다</a:t>
+                      </a:r>
+                      <a:r>
+                        <a:rPr lang="en-US" sz="800" kern="100">
+                          <a:effectLst/>
+                        </a:rPr>
+                        <a:t>.</a:t>
+                      </a:r>
+                      <a:endParaRPr lang="ko-KR" sz="800" kern="100">
+                        <a:effectLst/>
+                        <a:latin typeface="맑은 고딕"/>
+                        <a:ea typeface="맑은 고딕"/>
+                        <a:cs typeface="Times New Roman"/>
+                      </a:endParaRPr>
+                    </a:p>
+                  </a:txBody>
+                  <a:tcPr marL="52089" marR="52089" marT="0" marB="0"/>
+                </a:tc>
+                <a:tc>
+                  <a:txBody>
+                    <a:bodyPr/>
+                    <a:lstStyle/>
+                    <a:p>
+                      <a:pPr algn="ctr" latinLnBrk="1">
+                        <a:lnSpc>
+                          <a:spcPct val="115000"/>
+                        </a:lnSpc>
+                        <a:spcAft>
+                          <a:spcPts val="0"/>
+                        </a:spcAft>
+                      </a:pPr>
+                      <a:r>
+                        <a:rPr lang="en-US" sz="800" kern="100">
+                          <a:effectLst/>
+                        </a:rPr>
+                        <a:t>R-0013</a:t>
+                      </a:r>
+                      <a:endParaRPr lang="ko-KR" sz="800" kern="100">
+                        <a:effectLst/>
+                        <a:latin typeface="맑은 고딕"/>
+                        <a:ea typeface="맑은 고딕"/>
+                        <a:cs typeface="Times New Roman"/>
+                      </a:endParaRPr>
+                    </a:p>
+                  </a:txBody>
+                  <a:tcPr marL="52089" marR="52089" marT="0" marB="0"/>
+                </a:tc>
+                <a:tc>
+                  <a:txBody>
+                    <a:bodyPr/>
+                    <a:lstStyle/>
+                    <a:p>
+                      <a:pPr algn="ctr" latinLnBrk="1">
+                        <a:lnSpc>
+                          <a:spcPct val="115000"/>
+                        </a:lnSpc>
+                        <a:spcAft>
+                          <a:spcPts val="0"/>
+                        </a:spcAft>
+                      </a:pPr>
+                      <a:r>
+                        <a:rPr lang="en-US" sz="800" kern="100">
+                          <a:effectLst/>
+                        </a:rPr>
+                        <a:t> </a:t>
+                      </a:r>
+                      <a:endParaRPr lang="ko-KR" sz="800" kern="100">
+                        <a:effectLst/>
+                        <a:latin typeface="맑은 고딕"/>
+                        <a:ea typeface="맑은 고딕"/>
+                        <a:cs typeface="Times New Roman"/>
+                      </a:endParaRPr>
+                    </a:p>
+                  </a:txBody>
+                  <a:tcPr marL="52089" marR="52089" marT="0" marB="0"/>
+                </a:tc>
+              </a:tr>
+              <a:tr h="266233">
+                <a:tc>
+                  <a:txBody>
+                    <a:bodyPr/>
+                    <a:lstStyle/>
+                    <a:p>
+                      <a:pPr algn="ctr" latinLnBrk="1">
+                        <a:lnSpc>
+                          <a:spcPct val="115000"/>
+                        </a:lnSpc>
+                        <a:spcAft>
+                          <a:spcPts val="0"/>
+                        </a:spcAft>
+                      </a:pPr>
+                      <a:r>
+                        <a:rPr lang="ko-KR" sz="800" kern="100">
+                          <a:effectLst/>
+                        </a:rPr>
+                        <a:t>기능</a:t>
+                      </a:r>
+                      <a:endParaRPr lang="ko-KR" sz="800" kern="100">
+                        <a:effectLst/>
+                        <a:latin typeface="맑은 고딕"/>
+                        <a:ea typeface="맑은 고딕"/>
+                        <a:cs typeface="Times New Roman"/>
+                      </a:endParaRPr>
+                    </a:p>
+                  </a:txBody>
+                  <a:tcPr marL="52089" marR="52089" marT="0" marB="0"/>
+                </a:tc>
+                <a:tc>
+                  <a:txBody>
+                    <a:bodyPr/>
+                    <a:lstStyle/>
+                    <a:p>
+                      <a:pPr algn="ctr" latinLnBrk="1">
+                        <a:lnSpc>
+                          <a:spcPct val="115000"/>
+                        </a:lnSpc>
+                        <a:spcAft>
+                          <a:spcPts val="0"/>
+                        </a:spcAft>
+                      </a:pPr>
+                      <a:r>
+                        <a:rPr lang="ko-KR" sz="800" kern="100">
+                          <a:effectLst/>
+                        </a:rPr>
+                        <a:t>로그인 시 사용자 이름과 함께</a:t>
+                      </a:r>
+                    </a:p>
+                    <a:p>
+                      <a:pPr algn="ctr" latinLnBrk="1">
+                        <a:lnSpc>
+                          <a:spcPct val="115000"/>
+                        </a:lnSpc>
+                        <a:spcAft>
+                          <a:spcPts val="0"/>
+                        </a:spcAft>
+                      </a:pPr>
+                      <a:r>
+                        <a:rPr lang="ko-KR" sz="800" kern="100">
+                          <a:effectLst/>
+                        </a:rPr>
+                        <a:t>환영 메시지가 뜬다</a:t>
+                      </a:r>
+                      <a:r>
+                        <a:rPr lang="en-US" sz="800" kern="100">
+                          <a:effectLst/>
+                        </a:rPr>
+                        <a:t>.</a:t>
+                      </a:r>
+                      <a:endParaRPr lang="ko-KR" sz="800" kern="100">
+                        <a:effectLst/>
+                        <a:latin typeface="맑은 고딕"/>
+                        <a:ea typeface="맑은 고딕"/>
+                        <a:cs typeface="Times New Roman"/>
+                      </a:endParaRPr>
+                    </a:p>
+                  </a:txBody>
+                  <a:tcPr marL="52089" marR="52089" marT="0" marB="0"/>
+                </a:tc>
+                <a:tc>
+                  <a:txBody>
+                    <a:bodyPr/>
+                    <a:lstStyle/>
+                    <a:p>
+                      <a:pPr algn="ctr" latinLnBrk="1">
+                        <a:lnSpc>
+                          <a:spcPct val="115000"/>
+                        </a:lnSpc>
+                        <a:spcAft>
+                          <a:spcPts val="0"/>
+                        </a:spcAft>
+                      </a:pPr>
+                      <a:r>
+                        <a:rPr lang="en-US" sz="800" kern="100">
+                          <a:effectLst/>
+                        </a:rPr>
+                        <a:t>R-0014</a:t>
+                      </a:r>
+                      <a:endParaRPr lang="ko-KR" sz="800" kern="100">
+                        <a:effectLst/>
+                        <a:latin typeface="맑은 고딕"/>
+                        <a:ea typeface="맑은 고딕"/>
+                        <a:cs typeface="Times New Roman"/>
+                      </a:endParaRPr>
+                    </a:p>
+                  </a:txBody>
+                  <a:tcPr marL="52089" marR="52089" marT="0" marB="0"/>
+                </a:tc>
+                <a:tc>
+                  <a:txBody>
+                    <a:bodyPr/>
+                    <a:lstStyle/>
+                    <a:p>
+                      <a:pPr algn="ctr" latinLnBrk="1">
+                        <a:lnSpc>
+                          <a:spcPct val="115000"/>
+                        </a:lnSpc>
+                        <a:spcAft>
+                          <a:spcPts val="0"/>
+                        </a:spcAft>
+                      </a:pPr>
+                      <a:r>
+                        <a:rPr lang="en-US" sz="800" kern="100">
+                          <a:effectLst/>
+                        </a:rPr>
+                        <a:t> </a:t>
+                      </a:r>
+                      <a:endParaRPr lang="ko-KR" sz="800" kern="100">
+                        <a:effectLst/>
+                        <a:latin typeface="맑은 고딕"/>
+                        <a:ea typeface="맑은 고딕"/>
+                        <a:cs typeface="Times New Roman"/>
+                      </a:endParaRPr>
+                    </a:p>
+                  </a:txBody>
+                  <a:tcPr marL="52089" marR="52089" marT="0" marB="0"/>
+                </a:tc>
+              </a:tr>
+              <a:tr h="266233">
+                <a:tc>
+                  <a:txBody>
+                    <a:bodyPr/>
+                    <a:lstStyle/>
+                    <a:p>
+                      <a:pPr algn="ctr" latinLnBrk="1">
+                        <a:lnSpc>
+                          <a:spcPct val="115000"/>
+                        </a:lnSpc>
+                        <a:spcAft>
+                          <a:spcPts val="0"/>
+                        </a:spcAft>
+                      </a:pPr>
+                      <a:r>
+                        <a:rPr lang="ko-KR" sz="800" kern="100">
+                          <a:effectLst/>
+                        </a:rPr>
+                        <a:t>기능</a:t>
+                      </a:r>
+                      <a:endParaRPr lang="ko-KR" sz="800" kern="100">
+                        <a:effectLst/>
+                        <a:latin typeface="맑은 고딕"/>
+                        <a:ea typeface="맑은 고딕"/>
+                        <a:cs typeface="Times New Roman"/>
+                      </a:endParaRPr>
+                    </a:p>
+                  </a:txBody>
+                  <a:tcPr marL="52089" marR="52089" marT="0" marB="0"/>
+                </a:tc>
+                <a:tc>
+                  <a:txBody>
+                    <a:bodyPr/>
+                    <a:lstStyle/>
+                    <a:p>
+                      <a:pPr algn="ctr" latinLnBrk="1">
+                        <a:lnSpc>
+                          <a:spcPct val="115000"/>
+                        </a:lnSpc>
+                        <a:spcAft>
+                          <a:spcPts val="0"/>
+                        </a:spcAft>
+                      </a:pPr>
+                      <a:r>
+                        <a:rPr lang="ko-KR" sz="800" kern="100">
+                          <a:effectLst/>
+                        </a:rPr>
+                        <a:t>통장이 표기되는 </a:t>
+                      </a:r>
+                      <a:r>
+                        <a:rPr lang="en-US" sz="800" kern="100">
+                          <a:effectLst/>
+                        </a:rPr>
+                        <a:t>UI</a:t>
+                      </a:r>
+                      <a:r>
+                        <a:rPr lang="ko-KR" sz="800" kern="100">
+                          <a:effectLst/>
+                        </a:rPr>
+                        <a:t>는</a:t>
+                      </a:r>
+                    </a:p>
+                    <a:p>
+                      <a:pPr algn="ctr" latinLnBrk="1">
+                        <a:lnSpc>
+                          <a:spcPct val="115000"/>
+                        </a:lnSpc>
+                        <a:spcAft>
+                          <a:spcPts val="0"/>
+                        </a:spcAft>
+                      </a:pPr>
+                      <a:r>
+                        <a:rPr lang="ko-KR" sz="800" kern="100">
+                          <a:effectLst/>
+                        </a:rPr>
+                        <a:t>카카오뱅크를 벤치마킹한다</a:t>
+                      </a:r>
+                      <a:r>
+                        <a:rPr lang="en-US" sz="800" kern="100">
+                          <a:effectLst/>
+                        </a:rPr>
+                        <a:t>.</a:t>
+                      </a:r>
+                      <a:endParaRPr lang="ko-KR" sz="800" kern="100">
+                        <a:effectLst/>
+                        <a:latin typeface="맑은 고딕"/>
+                        <a:ea typeface="맑은 고딕"/>
+                        <a:cs typeface="Times New Roman"/>
+                      </a:endParaRPr>
+                    </a:p>
+                  </a:txBody>
+                  <a:tcPr marL="52089" marR="52089" marT="0" marB="0"/>
+                </a:tc>
+                <a:tc>
+                  <a:txBody>
+                    <a:bodyPr/>
+                    <a:lstStyle/>
+                    <a:p>
+                      <a:pPr algn="ctr" latinLnBrk="1">
+                        <a:lnSpc>
+                          <a:spcPct val="115000"/>
+                        </a:lnSpc>
+                        <a:spcAft>
+                          <a:spcPts val="0"/>
+                        </a:spcAft>
+                      </a:pPr>
+                      <a:r>
+                        <a:rPr lang="en-US" sz="800" kern="100">
+                          <a:effectLst/>
+                        </a:rPr>
+                        <a:t>R-0015</a:t>
+                      </a:r>
+                      <a:endParaRPr lang="ko-KR" sz="800" kern="100">
+                        <a:effectLst/>
+                        <a:latin typeface="맑은 고딕"/>
+                        <a:ea typeface="맑은 고딕"/>
+                        <a:cs typeface="Times New Roman"/>
+                      </a:endParaRPr>
+                    </a:p>
+                  </a:txBody>
+                  <a:tcPr marL="52089" marR="52089" marT="0" marB="0"/>
+                </a:tc>
+                <a:tc>
+                  <a:txBody>
+                    <a:bodyPr/>
+                    <a:lstStyle/>
+                    <a:p>
+                      <a:pPr algn="ctr" latinLnBrk="1">
+                        <a:lnSpc>
+                          <a:spcPct val="115000"/>
+                        </a:lnSpc>
+                        <a:spcAft>
+                          <a:spcPts val="0"/>
+                        </a:spcAft>
+                      </a:pPr>
+                      <a:r>
+                        <a:rPr lang="en-US" sz="800" kern="100">
+                          <a:effectLst/>
+                        </a:rPr>
+                        <a:t> </a:t>
+                      </a:r>
+                      <a:endParaRPr lang="ko-KR" sz="800" kern="100">
+                        <a:effectLst/>
+                        <a:latin typeface="맑은 고딕"/>
+                        <a:ea typeface="맑은 고딕"/>
+                        <a:cs typeface="Times New Roman"/>
+                      </a:endParaRPr>
+                    </a:p>
+                  </a:txBody>
+                  <a:tcPr marL="52089" marR="52089" marT="0" marB="0"/>
+                </a:tc>
+              </a:tr>
+              <a:tr h="266233">
+                <a:tc>
+                  <a:txBody>
+                    <a:bodyPr/>
+                    <a:lstStyle/>
+                    <a:p>
+                      <a:pPr algn="ctr" latinLnBrk="1">
+                        <a:lnSpc>
+                          <a:spcPct val="115000"/>
+                        </a:lnSpc>
+                        <a:spcAft>
+                          <a:spcPts val="0"/>
+                        </a:spcAft>
+                      </a:pPr>
+                      <a:r>
+                        <a:rPr lang="ko-KR" sz="800" kern="100">
+                          <a:effectLst/>
+                        </a:rPr>
+                        <a:t>기능</a:t>
+                      </a:r>
+                      <a:endParaRPr lang="ko-KR" sz="800" kern="100">
+                        <a:effectLst/>
+                        <a:latin typeface="맑은 고딕"/>
+                        <a:ea typeface="맑은 고딕"/>
+                        <a:cs typeface="Times New Roman"/>
+                      </a:endParaRPr>
+                    </a:p>
+                  </a:txBody>
+                  <a:tcPr marL="52089" marR="52089" marT="0" marB="0"/>
+                </a:tc>
+                <a:tc>
+                  <a:txBody>
+                    <a:bodyPr/>
+                    <a:lstStyle/>
+                    <a:p>
+                      <a:pPr algn="ctr" latinLnBrk="1">
+                        <a:lnSpc>
+                          <a:spcPct val="115000"/>
+                        </a:lnSpc>
+                        <a:spcAft>
+                          <a:spcPts val="0"/>
+                        </a:spcAft>
+                      </a:pPr>
+                      <a:r>
+                        <a:rPr lang="ko-KR" sz="800" kern="100">
+                          <a:effectLst/>
+                        </a:rPr>
+                        <a:t>앱 상단에 </a:t>
+                      </a:r>
+                      <a:r>
+                        <a:rPr lang="en-US" sz="800" kern="100">
+                          <a:effectLst/>
+                        </a:rPr>
+                        <a:t>“</a:t>
+                      </a:r>
+                      <a:r>
+                        <a:rPr lang="ko-KR" sz="800" kern="100">
+                          <a:effectLst/>
+                        </a:rPr>
+                        <a:t>뱅킹 앱</a:t>
+                      </a:r>
+                      <a:r>
+                        <a:rPr lang="en-US" sz="800" kern="100">
+                          <a:effectLst/>
+                        </a:rPr>
+                        <a:t>” </a:t>
+                      </a:r>
+                      <a:r>
+                        <a:rPr lang="ko-KR" sz="800" kern="100">
+                          <a:effectLst/>
+                        </a:rPr>
+                        <a:t>타이틀 또는</a:t>
+                      </a:r>
+                    </a:p>
+                    <a:p>
+                      <a:pPr algn="ctr" latinLnBrk="1">
+                        <a:lnSpc>
+                          <a:spcPct val="115000"/>
+                        </a:lnSpc>
+                        <a:spcAft>
+                          <a:spcPts val="0"/>
+                        </a:spcAft>
+                      </a:pPr>
+                      <a:r>
+                        <a:rPr lang="ko-KR" sz="800" kern="100">
+                          <a:effectLst/>
+                        </a:rPr>
+                        <a:t>이미지를 배치한다</a:t>
+                      </a:r>
+                      <a:r>
+                        <a:rPr lang="en-US" sz="800" kern="100">
+                          <a:effectLst/>
+                        </a:rPr>
+                        <a:t>.</a:t>
+                      </a:r>
+                      <a:endParaRPr lang="ko-KR" sz="800" kern="100">
+                        <a:effectLst/>
+                        <a:latin typeface="맑은 고딕"/>
+                        <a:ea typeface="맑은 고딕"/>
+                        <a:cs typeface="Times New Roman"/>
+                      </a:endParaRPr>
+                    </a:p>
+                  </a:txBody>
+                  <a:tcPr marL="52089" marR="52089" marT="0" marB="0"/>
+                </a:tc>
+                <a:tc>
+                  <a:txBody>
+                    <a:bodyPr/>
+                    <a:lstStyle/>
+                    <a:p>
+                      <a:pPr algn="ctr" latinLnBrk="1">
+                        <a:lnSpc>
+                          <a:spcPct val="115000"/>
+                        </a:lnSpc>
+                        <a:spcAft>
+                          <a:spcPts val="0"/>
+                        </a:spcAft>
+                      </a:pPr>
+                      <a:r>
+                        <a:rPr lang="en-US" sz="800" kern="100">
+                          <a:effectLst/>
+                        </a:rPr>
+                        <a:t>R-0016</a:t>
+                      </a:r>
+                      <a:endParaRPr lang="ko-KR" sz="800" kern="100">
+                        <a:effectLst/>
+                        <a:latin typeface="맑은 고딕"/>
+                        <a:ea typeface="맑은 고딕"/>
+                        <a:cs typeface="Times New Roman"/>
+                      </a:endParaRPr>
+                    </a:p>
+                  </a:txBody>
+                  <a:tcPr marL="52089" marR="52089" marT="0" marB="0"/>
+                </a:tc>
+                <a:tc>
+                  <a:txBody>
+                    <a:bodyPr/>
+                    <a:lstStyle/>
+                    <a:p>
+                      <a:pPr algn="ctr" latinLnBrk="1">
+                        <a:lnSpc>
+                          <a:spcPct val="115000"/>
+                        </a:lnSpc>
+                        <a:spcAft>
+                          <a:spcPts val="0"/>
+                        </a:spcAft>
+                      </a:pPr>
+                      <a:r>
+                        <a:rPr lang="en-US" sz="800" kern="100">
+                          <a:effectLst/>
+                        </a:rPr>
+                        <a:t> </a:t>
+                      </a:r>
+                      <a:endParaRPr lang="ko-KR" sz="800" kern="100">
+                        <a:effectLst/>
+                        <a:latin typeface="맑은 고딕"/>
+                        <a:ea typeface="맑은 고딕"/>
+                        <a:cs typeface="Times New Roman"/>
+                      </a:endParaRPr>
+                    </a:p>
+                  </a:txBody>
+                  <a:tcPr marL="52089" marR="52089" marT="0" marB="0"/>
+                </a:tc>
+              </a:tr>
+              <a:tr h="266233">
+                <a:tc>
+                  <a:txBody>
+                    <a:bodyPr/>
+                    <a:lstStyle/>
+                    <a:p>
+                      <a:pPr algn="ctr" latinLnBrk="1">
+                        <a:lnSpc>
+                          <a:spcPct val="115000"/>
+                        </a:lnSpc>
+                        <a:spcAft>
+                          <a:spcPts val="0"/>
+                        </a:spcAft>
+                      </a:pPr>
+                      <a:r>
+                        <a:rPr lang="ko-KR" sz="800" kern="100">
+                          <a:effectLst/>
+                        </a:rPr>
+                        <a:t>기능</a:t>
+                      </a:r>
+                      <a:endParaRPr lang="ko-KR" sz="800" kern="100">
+                        <a:effectLst/>
+                        <a:latin typeface="맑은 고딕"/>
+                        <a:ea typeface="맑은 고딕"/>
+                        <a:cs typeface="Times New Roman"/>
+                      </a:endParaRPr>
+                    </a:p>
+                  </a:txBody>
+                  <a:tcPr marL="52089" marR="52089" marT="0" marB="0"/>
+                </a:tc>
+                <a:tc>
+                  <a:txBody>
+                    <a:bodyPr/>
+                    <a:lstStyle/>
+                    <a:p>
+                      <a:pPr algn="ctr" latinLnBrk="1">
+                        <a:lnSpc>
+                          <a:spcPct val="115000"/>
+                        </a:lnSpc>
+                        <a:spcAft>
+                          <a:spcPts val="0"/>
+                        </a:spcAft>
+                      </a:pPr>
+                      <a:r>
+                        <a:rPr lang="ko-KR" sz="800" kern="100">
+                          <a:effectLst/>
+                        </a:rPr>
+                        <a:t>메인화면에서 뒤로가기 버튼을 누르면</a:t>
+                      </a:r>
+                    </a:p>
+                    <a:p>
+                      <a:pPr algn="ctr" latinLnBrk="1">
+                        <a:lnSpc>
+                          <a:spcPct val="115000"/>
+                        </a:lnSpc>
+                        <a:spcAft>
+                          <a:spcPts val="0"/>
+                        </a:spcAft>
+                      </a:pPr>
+                      <a:r>
+                        <a:rPr lang="ko-KR" sz="800" kern="100">
+                          <a:effectLst/>
+                        </a:rPr>
+                        <a:t>로그아웃을 확인하는 창이 뜬다</a:t>
+                      </a:r>
+                      <a:r>
+                        <a:rPr lang="en-US" sz="800" kern="100">
+                          <a:effectLst/>
+                        </a:rPr>
+                        <a:t>.</a:t>
+                      </a:r>
+                      <a:endParaRPr lang="ko-KR" sz="800" kern="100">
+                        <a:effectLst/>
+                        <a:latin typeface="맑은 고딕"/>
+                        <a:ea typeface="맑은 고딕"/>
+                        <a:cs typeface="Times New Roman"/>
+                      </a:endParaRPr>
+                    </a:p>
+                  </a:txBody>
+                  <a:tcPr marL="52089" marR="52089" marT="0" marB="0"/>
+                </a:tc>
+                <a:tc>
+                  <a:txBody>
+                    <a:bodyPr/>
+                    <a:lstStyle/>
+                    <a:p>
+                      <a:pPr algn="ctr" latinLnBrk="1">
+                        <a:lnSpc>
+                          <a:spcPct val="115000"/>
+                        </a:lnSpc>
+                        <a:spcAft>
+                          <a:spcPts val="0"/>
+                        </a:spcAft>
+                      </a:pPr>
+                      <a:r>
+                        <a:rPr lang="en-US" sz="800" kern="100">
+                          <a:effectLst/>
+                        </a:rPr>
+                        <a:t>R-0017</a:t>
+                      </a:r>
+                      <a:endParaRPr lang="ko-KR" sz="800" kern="100">
+                        <a:effectLst/>
+                        <a:latin typeface="맑은 고딕"/>
+                        <a:ea typeface="맑은 고딕"/>
+                        <a:cs typeface="Times New Roman"/>
+                      </a:endParaRPr>
+                    </a:p>
+                  </a:txBody>
+                  <a:tcPr marL="52089" marR="52089" marT="0" marB="0"/>
+                </a:tc>
+                <a:tc>
+                  <a:txBody>
+                    <a:bodyPr/>
+                    <a:lstStyle/>
+                    <a:p>
+                      <a:pPr algn="ctr" latinLnBrk="1">
+                        <a:lnSpc>
+                          <a:spcPct val="115000"/>
+                        </a:lnSpc>
+                        <a:spcAft>
+                          <a:spcPts val="0"/>
+                        </a:spcAft>
+                      </a:pPr>
+                      <a:r>
+                        <a:rPr lang="en-US" sz="800" kern="100">
+                          <a:effectLst/>
+                        </a:rPr>
+                        <a:t> </a:t>
+                      </a:r>
+                      <a:endParaRPr lang="ko-KR" sz="800" kern="100">
+                        <a:effectLst/>
+                        <a:latin typeface="맑은 고딕"/>
+                        <a:ea typeface="맑은 고딕"/>
+                        <a:cs typeface="Times New Roman"/>
+                      </a:endParaRPr>
+                    </a:p>
+                  </a:txBody>
+                  <a:tcPr marL="52089" marR="52089" marT="0" marB="0"/>
+                </a:tc>
+              </a:tr>
+              <a:tr h="266233">
+                <a:tc>
+                  <a:txBody>
+                    <a:bodyPr/>
+                    <a:lstStyle/>
+                    <a:p>
+                      <a:pPr algn="ctr" latinLnBrk="1">
+                        <a:lnSpc>
+                          <a:spcPct val="115000"/>
+                        </a:lnSpc>
+                        <a:spcAft>
+                          <a:spcPts val="0"/>
+                        </a:spcAft>
+                      </a:pPr>
+                      <a:r>
+                        <a:rPr lang="ko-KR" sz="800" kern="100">
+                          <a:effectLst/>
+                        </a:rPr>
+                        <a:t>기능</a:t>
+                      </a:r>
+                      <a:endParaRPr lang="ko-KR" sz="800" kern="100">
+                        <a:effectLst/>
+                        <a:latin typeface="맑은 고딕"/>
+                        <a:ea typeface="맑은 고딕"/>
+                        <a:cs typeface="Times New Roman"/>
+                      </a:endParaRPr>
+                    </a:p>
+                  </a:txBody>
+                  <a:tcPr marL="52089" marR="52089" marT="0" marB="0"/>
+                </a:tc>
+                <a:tc>
+                  <a:txBody>
+                    <a:bodyPr/>
+                    <a:lstStyle/>
+                    <a:p>
+                      <a:pPr algn="ctr" latinLnBrk="1">
+                        <a:lnSpc>
+                          <a:spcPct val="115000"/>
+                        </a:lnSpc>
+                        <a:spcAft>
+                          <a:spcPts val="0"/>
+                        </a:spcAft>
+                      </a:pPr>
+                      <a:r>
+                        <a:rPr lang="ko-KR" sz="800" kern="100">
+                          <a:effectLst/>
+                        </a:rPr>
+                        <a:t>회원정보를 담을 데이터베이스로</a:t>
+                      </a:r>
+                    </a:p>
+                    <a:p>
+                      <a:pPr algn="ctr" latinLnBrk="1">
+                        <a:lnSpc>
+                          <a:spcPct val="115000"/>
+                        </a:lnSpc>
+                        <a:spcAft>
+                          <a:spcPts val="0"/>
+                        </a:spcAft>
+                      </a:pPr>
+                      <a:r>
+                        <a:rPr lang="en-US" sz="800" kern="100">
+                          <a:effectLst/>
+                        </a:rPr>
+                        <a:t>mySQL</a:t>
+                      </a:r>
+                      <a:r>
+                        <a:rPr lang="ko-KR" sz="800" kern="100">
+                          <a:effectLst/>
+                        </a:rPr>
+                        <a:t>을 사용한다</a:t>
+                      </a:r>
+                      <a:r>
+                        <a:rPr lang="en-US" sz="800" kern="100">
+                          <a:effectLst/>
+                        </a:rPr>
+                        <a:t>.</a:t>
+                      </a:r>
+                      <a:endParaRPr lang="ko-KR" sz="800" kern="100">
+                        <a:effectLst/>
+                        <a:latin typeface="맑은 고딕"/>
+                        <a:ea typeface="맑은 고딕"/>
+                        <a:cs typeface="Times New Roman"/>
+                      </a:endParaRPr>
+                    </a:p>
+                  </a:txBody>
+                  <a:tcPr marL="52089" marR="52089" marT="0" marB="0"/>
+                </a:tc>
+                <a:tc>
+                  <a:txBody>
+                    <a:bodyPr/>
+                    <a:lstStyle/>
+                    <a:p>
+                      <a:pPr algn="ctr" latinLnBrk="1">
+                        <a:lnSpc>
+                          <a:spcPct val="115000"/>
+                        </a:lnSpc>
+                        <a:spcAft>
+                          <a:spcPts val="0"/>
+                        </a:spcAft>
+                      </a:pPr>
+                      <a:r>
+                        <a:rPr lang="en-US" sz="800" kern="100">
+                          <a:effectLst/>
+                        </a:rPr>
+                        <a:t>R-0018</a:t>
+                      </a:r>
+                      <a:endParaRPr lang="ko-KR" sz="800" kern="100">
+                        <a:effectLst/>
+                        <a:latin typeface="맑은 고딕"/>
+                        <a:ea typeface="맑은 고딕"/>
+                        <a:cs typeface="Times New Roman"/>
+                      </a:endParaRPr>
+                    </a:p>
+                  </a:txBody>
+                  <a:tcPr marL="52089" marR="52089" marT="0" marB="0"/>
+                </a:tc>
+                <a:tc>
+                  <a:txBody>
+                    <a:bodyPr/>
+                    <a:lstStyle/>
+                    <a:p>
+                      <a:pPr algn="ctr" latinLnBrk="1">
+                        <a:lnSpc>
+                          <a:spcPct val="115000"/>
+                        </a:lnSpc>
+                        <a:spcAft>
+                          <a:spcPts val="0"/>
+                        </a:spcAft>
+                      </a:pPr>
+                      <a:r>
+                        <a:rPr lang="en-US" sz="800" kern="100">
+                          <a:effectLst/>
+                        </a:rPr>
+                        <a:t> </a:t>
+                      </a:r>
+                      <a:endParaRPr lang="ko-KR" sz="800" kern="100">
+                        <a:effectLst/>
+                        <a:latin typeface="맑은 고딕"/>
+                        <a:ea typeface="맑은 고딕"/>
+                        <a:cs typeface="Times New Roman"/>
+                      </a:endParaRPr>
+                    </a:p>
+                  </a:txBody>
+                  <a:tcPr marL="52089" marR="52089" marT="0" marB="0"/>
+                </a:tc>
+              </a:tr>
+              <a:tr h="266233">
+                <a:tc>
+                  <a:txBody>
+                    <a:bodyPr/>
+                    <a:lstStyle/>
+                    <a:p>
+                      <a:pPr algn="ctr" latinLnBrk="1">
+                        <a:lnSpc>
+                          <a:spcPct val="115000"/>
+                        </a:lnSpc>
+                        <a:spcAft>
+                          <a:spcPts val="0"/>
+                        </a:spcAft>
+                      </a:pPr>
+                      <a:r>
+                        <a:rPr lang="ko-KR" sz="800" kern="100">
+                          <a:effectLst/>
+                        </a:rPr>
+                        <a:t>테스트</a:t>
+                      </a:r>
+                      <a:endParaRPr lang="ko-KR" sz="800" kern="100">
+                        <a:effectLst/>
+                        <a:latin typeface="맑은 고딕"/>
+                        <a:ea typeface="맑은 고딕"/>
+                        <a:cs typeface="Times New Roman"/>
+                      </a:endParaRPr>
+                    </a:p>
+                  </a:txBody>
+                  <a:tcPr marL="52089" marR="52089" marT="0" marB="0"/>
+                </a:tc>
+                <a:tc>
+                  <a:txBody>
+                    <a:bodyPr/>
+                    <a:lstStyle/>
+                    <a:p>
+                      <a:pPr algn="ctr" latinLnBrk="1">
+                        <a:lnSpc>
+                          <a:spcPct val="115000"/>
+                        </a:lnSpc>
+                        <a:spcAft>
+                          <a:spcPts val="0"/>
+                        </a:spcAft>
+                      </a:pPr>
+                      <a:r>
+                        <a:rPr lang="ko-KR" sz="800" kern="100">
+                          <a:effectLst/>
+                        </a:rPr>
+                        <a:t>회원은 미리 지정된 일련번호를 입력하여</a:t>
+                      </a:r>
+                    </a:p>
+                    <a:p>
+                      <a:pPr algn="ctr" latinLnBrk="1">
+                        <a:lnSpc>
+                          <a:spcPct val="115000"/>
+                        </a:lnSpc>
+                        <a:spcAft>
+                          <a:spcPts val="0"/>
+                        </a:spcAft>
+                      </a:pPr>
+                      <a:r>
+                        <a:rPr lang="ko-KR" sz="800" kern="100">
+                          <a:effectLst/>
+                        </a:rPr>
+                        <a:t>잔고를 충전할 수 있다</a:t>
+                      </a:r>
+                      <a:r>
+                        <a:rPr lang="en-US" sz="800" kern="100">
+                          <a:effectLst/>
+                        </a:rPr>
+                        <a:t>.</a:t>
+                      </a:r>
+                      <a:endParaRPr lang="ko-KR" sz="800" kern="100">
+                        <a:effectLst/>
+                        <a:latin typeface="맑은 고딕"/>
+                        <a:ea typeface="맑은 고딕"/>
+                        <a:cs typeface="Times New Roman"/>
+                      </a:endParaRPr>
+                    </a:p>
+                  </a:txBody>
+                  <a:tcPr marL="52089" marR="52089" marT="0" marB="0"/>
+                </a:tc>
+                <a:tc>
+                  <a:txBody>
+                    <a:bodyPr/>
+                    <a:lstStyle/>
+                    <a:p>
+                      <a:pPr algn="ctr" latinLnBrk="1">
+                        <a:lnSpc>
+                          <a:spcPct val="115000"/>
+                        </a:lnSpc>
+                        <a:spcAft>
+                          <a:spcPts val="0"/>
+                        </a:spcAft>
+                      </a:pPr>
+                      <a:r>
+                        <a:rPr lang="en-US" sz="800" kern="100">
+                          <a:effectLst/>
+                        </a:rPr>
+                        <a:t>R-0019</a:t>
+                      </a:r>
+                      <a:endParaRPr lang="ko-KR" sz="800" kern="100">
+                        <a:effectLst/>
+                        <a:latin typeface="맑은 고딕"/>
+                        <a:ea typeface="맑은 고딕"/>
+                        <a:cs typeface="Times New Roman"/>
+                      </a:endParaRPr>
+                    </a:p>
+                  </a:txBody>
+                  <a:tcPr marL="52089" marR="52089" marT="0" marB="0"/>
+                </a:tc>
+                <a:tc>
+                  <a:txBody>
+                    <a:bodyPr/>
+                    <a:lstStyle/>
+                    <a:p>
+                      <a:pPr algn="ctr" latinLnBrk="1">
+                        <a:lnSpc>
+                          <a:spcPct val="115000"/>
+                        </a:lnSpc>
+                        <a:spcAft>
+                          <a:spcPts val="0"/>
+                        </a:spcAft>
+                      </a:pPr>
+                      <a:r>
+                        <a:rPr lang="en-US" sz="800" kern="100">
+                          <a:effectLst/>
+                        </a:rPr>
+                        <a:t> </a:t>
+                      </a:r>
+                      <a:endParaRPr lang="ko-KR" sz="800" kern="100">
+                        <a:effectLst/>
+                        <a:latin typeface="맑은 고딕"/>
+                        <a:ea typeface="맑은 고딕"/>
+                        <a:cs typeface="Times New Roman"/>
+                      </a:endParaRPr>
+                    </a:p>
+                  </a:txBody>
+                  <a:tcPr marL="52089" marR="52089" marT="0" marB="0"/>
+                </a:tc>
+              </a:tr>
+              <a:tr h="266233">
+                <a:tc>
+                  <a:txBody>
+                    <a:bodyPr/>
+                    <a:lstStyle/>
+                    <a:p>
+                      <a:pPr algn="ctr" latinLnBrk="1">
+                        <a:lnSpc>
+                          <a:spcPct val="115000"/>
+                        </a:lnSpc>
+                        <a:spcAft>
+                          <a:spcPts val="0"/>
+                        </a:spcAft>
+                      </a:pPr>
+                      <a:r>
+                        <a:rPr lang="ko-KR" sz="800" kern="100" dirty="0" err="1">
+                          <a:effectLst/>
+                        </a:rPr>
+                        <a:t>비기능</a:t>
+                      </a:r>
+                      <a:endParaRPr lang="ko-KR" sz="800" kern="100" dirty="0">
+                        <a:effectLst/>
+                        <a:latin typeface="맑은 고딕"/>
+                        <a:ea typeface="맑은 고딕"/>
+                        <a:cs typeface="Times New Roman"/>
+                      </a:endParaRPr>
+                    </a:p>
+                  </a:txBody>
+                  <a:tcPr marL="52089" marR="52089" marT="0" marB="0"/>
+                </a:tc>
+                <a:tc>
+                  <a:txBody>
+                    <a:bodyPr/>
+                    <a:lstStyle/>
+                    <a:p>
+                      <a:pPr algn="ctr" latinLnBrk="1">
+                        <a:lnSpc>
+                          <a:spcPct val="115000"/>
+                        </a:lnSpc>
+                        <a:spcAft>
+                          <a:spcPts val="0"/>
+                        </a:spcAft>
+                      </a:pPr>
+                      <a:r>
+                        <a:rPr lang="ko-KR" sz="800" kern="100" dirty="0">
+                          <a:effectLst/>
+                        </a:rPr>
+                        <a:t>사용자가 어떠한 기능을 요청할 때</a:t>
+                      </a:r>
+                    </a:p>
+                    <a:p>
+                      <a:pPr algn="ctr" latinLnBrk="1">
+                        <a:lnSpc>
+                          <a:spcPct val="115000"/>
+                        </a:lnSpc>
+                        <a:spcAft>
+                          <a:spcPts val="0"/>
+                        </a:spcAft>
+                      </a:pPr>
+                      <a:r>
+                        <a:rPr lang="ko-KR" sz="800" kern="100" dirty="0">
+                          <a:effectLst/>
+                        </a:rPr>
+                        <a:t>데이터베이스가 정상적으로 작동해야 한다</a:t>
+                      </a:r>
+                      <a:r>
+                        <a:rPr lang="en-US" sz="800" kern="100" dirty="0">
+                          <a:effectLst/>
+                        </a:rPr>
+                        <a:t>.</a:t>
+                      </a:r>
+                      <a:endParaRPr lang="ko-KR" sz="800" kern="100" dirty="0">
+                        <a:effectLst/>
+                        <a:latin typeface="맑은 고딕"/>
+                        <a:ea typeface="맑은 고딕"/>
+                        <a:cs typeface="Times New Roman"/>
+                      </a:endParaRPr>
+                    </a:p>
+                  </a:txBody>
+                  <a:tcPr marL="52089" marR="52089" marT="0" marB="0"/>
+                </a:tc>
+                <a:tc>
+                  <a:txBody>
+                    <a:bodyPr/>
+                    <a:lstStyle/>
+                    <a:p>
+                      <a:pPr algn="ctr" latinLnBrk="1">
+                        <a:lnSpc>
+                          <a:spcPct val="115000"/>
+                        </a:lnSpc>
+                        <a:spcAft>
+                          <a:spcPts val="0"/>
+                        </a:spcAft>
+                      </a:pPr>
+                      <a:r>
+                        <a:rPr lang="en-US" sz="800" kern="100" dirty="0">
+                          <a:effectLst/>
+                        </a:rPr>
+                        <a:t>R-0020</a:t>
+                      </a:r>
+                      <a:endParaRPr lang="ko-KR" sz="800" kern="100" dirty="0">
+                        <a:effectLst/>
+                        <a:latin typeface="맑은 고딕"/>
+                        <a:ea typeface="맑은 고딕"/>
+                        <a:cs typeface="Times New Roman"/>
+                      </a:endParaRPr>
+                    </a:p>
+                  </a:txBody>
+                  <a:tcPr marL="52089" marR="52089" marT="0" marB="0"/>
+                </a:tc>
+                <a:tc>
+                  <a:txBody>
+                    <a:bodyPr/>
+                    <a:lstStyle/>
+                    <a:p>
+                      <a:pPr algn="ctr" latinLnBrk="1">
+                        <a:lnSpc>
+                          <a:spcPct val="115000"/>
+                        </a:lnSpc>
+                        <a:spcAft>
+                          <a:spcPts val="0"/>
+                        </a:spcAft>
+                      </a:pPr>
+                      <a:r>
+                        <a:rPr lang="en-US" sz="800" kern="100" dirty="0">
+                          <a:effectLst/>
+                        </a:rPr>
+                        <a:t> </a:t>
+                      </a:r>
+                      <a:endParaRPr lang="ko-KR" sz="800" kern="100" dirty="0">
+                        <a:effectLst/>
+                        <a:latin typeface="맑은 고딕"/>
+                        <a:ea typeface="맑은 고딕"/>
+                        <a:cs typeface="Times New Roman"/>
+                      </a:endParaRPr>
+                    </a:p>
+                  </a:txBody>
+                  <a:tcPr marL="52089" marR="52089" marT="0" marB="0"/>
+                </a:tc>
+              </a:tr>
+            </a:tbl>
+          </a:graphicData>
+        </a:graphic>
+      </p:graphicFrame>
     </p:spTree>
     <p:extLst>
       <p:ext uri="{BB962C8B-B14F-4D97-AF65-F5344CB8AC3E}">
@@ -11645,7 +14678,7 @@
         <p:spPr>
           <a:xfrm>
             <a:off x="3183368" y="188639"/>
-            <a:ext cx="2791149" cy="584775"/>
+            <a:ext cx="2765946" cy="571456"/>
           </a:xfrm>
           <a:prstGeom prst="rect">
             <a:avLst/>
@@ -11653,24 +14686,22 @@
           <a:noFill/>
         </p:spPr>
         <p:txBody>
-          <a:bodyPr wrap="none" rtlCol="0">
+          <a:bodyPr wrap="none">
             <a:spAutoFit/>
           </a:bodyPr>
           <a:lstStyle/>
           <a:p>
-            <a:r>
-              <a:rPr lang="ko-KR" altLang="en-US" sz="3200" b="1" dirty="0" smtClean="0">
+            <a:pPr lvl="0">
+              <a:defRPr/>
+            </a:pPr>
+            <a:r>
+              <a:rPr lang="ko-KR" altLang="en-US" sz="3200" b="1">
                 <a:solidFill>
                   <a:srgbClr val="D73A36"/>
                 </a:solidFill>
               </a:rPr>
               <a:t>프로젝트 계획</a:t>
             </a:r>
-            <a:endParaRPr lang="ko-KR" altLang="en-US" sz="3200" b="1" dirty="0">
-              <a:solidFill>
-                <a:srgbClr val="D73A36"/>
-              </a:solidFill>
-            </a:endParaRPr>
           </a:p>
         </p:txBody>
       </p:sp>
@@ -11683,7 +14714,7 @@
         <p:spPr>
           <a:xfrm>
             <a:off x="1028219" y="1058189"/>
-            <a:ext cx="1420582" cy="369332"/>
+            <a:ext cx="1420582" cy="359131"/>
           </a:xfrm>
           <a:prstGeom prst="rect">
             <a:avLst/>
@@ -11691,16 +14722,18 @@
           <a:noFill/>
         </p:spPr>
         <p:txBody>
-          <a:bodyPr wrap="none" rtlCol="0">
+          <a:bodyPr wrap="none">
             <a:spAutoFit/>
           </a:bodyPr>
           <a:lstStyle/>
           <a:p>
-            <a:r>
-              <a:rPr lang="ko-KR" altLang="en-US" b="1" dirty="0" smtClean="0"/>
+            <a:pPr lvl="0">
+              <a:defRPr/>
+            </a:pPr>
+            <a:r>
+              <a:rPr lang="ko-KR" altLang="en-US" b="1"/>
               <a:t>폭포수 모델</a:t>
             </a:r>
-            <a:endParaRPr lang="ko-KR" altLang="en-US" b="1" dirty="0"/>
           </a:p>
         </p:txBody>
       </p:sp>
@@ -11721,7 +14754,7 @@
           <a:solidFill>
             <a:schemeClr val="accent4">
               <a:lumMod val="75000"/>
-              <a:alpha val="49804"/>
+              <a:alpha val="49800"/>
             </a:schemeClr>
           </a:solidFill>
           <a:ln>
@@ -11745,10 +14778,12 @@
           </a:fontRef>
         </p:style>
         <p:txBody>
-          <a:bodyPr rtlCol="0" anchor="ctr"/>
+          <a:bodyPr anchor="ctr"/>
           <a:lstStyle/>
           <a:p>
-            <a:pPr algn="ctr"/>
+            <a:pPr algn="ctr">
+              <a:defRPr/>
+            </a:pPr>
             <a:endParaRPr lang="ko-KR" altLang="en-US">
               <a:solidFill>
                 <a:schemeClr val="tx1"/>
@@ -11757,23 +14792,118 @@
           </a:p>
         </p:txBody>
       </p:sp>
+      <p:pic>
+        <p:nvPicPr>
+          <p:cNvPr id="24" name="그림 23"/>
+          <p:cNvPicPr>
+            <a:picLocks noChangeAspect="1"/>
+          </p:cNvPicPr>
+          <p:nvPr/>
+        </p:nvPicPr>
+        <p:blipFill rotWithShape="1">
+          <a:blip r:embed="rId3"/>
+          <a:stretch>
+            <a:fillRect/>
+          </a:stretch>
+        </p:blipFill>
+        <p:spPr>
+          <a:xfrm>
+            <a:off x="395536" y="1916832"/>
+            <a:ext cx="4176464" cy="3456384"/>
+          </a:xfrm>
+          <a:prstGeom prst="rect">
+            <a:avLst/>
+          </a:prstGeom>
+        </p:spPr>
+      </p:pic>
+      <p:sp>
+        <p:nvSpPr>
+          <p:cNvPr id="25" name="TextBox 24"/>
+          <p:cNvSpPr txBox="1"/>
+          <p:nvPr/>
+        </p:nvSpPr>
+        <p:spPr>
+          <a:xfrm>
+            <a:off x="5004048" y="1916832"/>
+            <a:ext cx="3600400" cy="1738863"/>
+          </a:xfrm>
+          <a:prstGeom prst="rect">
+            <a:avLst/>
+          </a:prstGeom>
+        </p:spPr>
+        <p:txBody>
+          <a:bodyPr wrap="square">
+            <a:spAutoFit/>
+          </a:bodyPr>
+          <a:lstStyle/>
+          <a:p>
+            <a:pPr>
+              <a:defRPr/>
+            </a:pPr>
+            <a:r>
+              <a:rPr lang="ko-KR" altLang="en-US" sz="1500"/>
+              <a:t>●</a:t>
+            </a:r>
+            <a:r>
+              <a:rPr lang="ko-KR" altLang="en-US"/>
+              <a:t> 관리가 용이하다</a:t>
+            </a:r>
+          </a:p>
+          <a:p>
+            <a:pPr>
+              <a:defRPr/>
+            </a:pPr>
+            <a:endParaRPr lang="ko-KR" altLang="en-US"/>
+          </a:p>
+          <a:p>
+            <a:pPr>
+              <a:defRPr/>
+            </a:pPr>
+            <a:r>
+              <a:rPr lang="ko-KR" altLang="en-US" sz="1500"/>
+              <a:t>●</a:t>
+            </a:r>
+            <a:r>
+              <a:rPr lang="ko-KR" altLang="en-US"/>
+              <a:t> 체계적으로 문서화할 수 있다</a:t>
+            </a:r>
+          </a:p>
+          <a:p>
+            <a:pPr>
+              <a:defRPr/>
+            </a:pPr>
+            <a:endParaRPr lang="ko-KR" altLang="en-US"/>
+          </a:p>
+          <a:p>
+            <a:pPr>
+              <a:defRPr/>
+            </a:pPr>
+            <a:r>
+              <a:rPr lang="ko-KR" altLang="en-US" sz="1500"/>
+              <a:t>●</a:t>
+            </a:r>
+            <a:r>
+              <a:rPr lang="ko-KR" altLang="en-US"/>
+              <a:t> 요구 사항의 변화가 적은 </a:t>
+            </a:r>
+          </a:p>
+          <a:p>
+            <a:pPr>
+              <a:defRPr/>
+            </a:pPr>
+            <a:r>
+              <a:rPr lang="ko-KR" altLang="en-US"/>
+              <a:t>   프로젝트에 적합하다 </a:t>
+            </a:r>
+          </a:p>
+        </p:txBody>
+      </p:sp>
     </p:spTree>
-    <p:extLst>
-      <p:ext uri="{BB962C8B-B14F-4D97-AF65-F5344CB8AC3E}">
-        <p14:creationId xmlns:p14="http://schemas.microsoft.com/office/powerpoint/2010/main" val="1362547003"/>
-      </p:ext>
-    </p:extLst>
   </p:cSld>
   <p:clrMapOvr>
     <a:masterClrMapping/>
   </p:clrMapOvr>
-  <p:timing>
-    <p:tnLst>
-      <p:par>
-        <p:cTn id="1" dur="indefinite" restart="never" nodeType="tmRoot"/>
-      </p:par>
-    </p:tnLst>
-  </p:timing>
+  <p:transition/>
 </p:sld>
 </file>
 
@@ -11803,7 +14933,7 @@
         <p:spPr>
           <a:xfrm>
             <a:off x="3183368" y="188639"/>
-            <a:ext cx="2791149" cy="584775"/>
+            <a:ext cx="2765946" cy="571456"/>
           </a:xfrm>
           <a:prstGeom prst="rect">
             <a:avLst/>
@@ -11811,24 +14941,22 @@
           <a:noFill/>
         </p:spPr>
         <p:txBody>
-          <a:bodyPr wrap="none" rtlCol="0">
+          <a:bodyPr wrap="none">
             <a:spAutoFit/>
           </a:bodyPr>
           <a:lstStyle/>
           <a:p>
-            <a:r>
-              <a:rPr lang="ko-KR" altLang="en-US" sz="3200" b="1" dirty="0" smtClean="0">
+            <a:pPr lvl="0">
+              <a:defRPr/>
+            </a:pPr>
+            <a:r>
+              <a:rPr lang="ko-KR" altLang="en-US" sz="3200" b="1">
                 <a:solidFill>
                   <a:srgbClr val="D73A36"/>
                 </a:solidFill>
               </a:rPr>
               <a:t>프로젝트 계획</a:t>
             </a:r>
-            <a:endParaRPr lang="ko-KR" altLang="en-US" sz="3200" b="1" dirty="0">
-              <a:solidFill>
-                <a:srgbClr val="D73A36"/>
-              </a:solidFill>
-            </a:endParaRPr>
           </a:p>
         </p:txBody>
       </p:sp>
@@ -11841,7 +14969,7 @@
         <p:spPr>
           <a:xfrm>
             <a:off x="1028219" y="1058189"/>
-            <a:ext cx="1189749" cy="369332"/>
+            <a:ext cx="1189749" cy="359131"/>
           </a:xfrm>
           <a:prstGeom prst="rect">
             <a:avLst/>
@@ -11849,16 +14977,18 @@
           <a:noFill/>
         </p:spPr>
         <p:txBody>
-          <a:bodyPr wrap="none" rtlCol="0">
+          <a:bodyPr wrap="none">
             <a:spAutoFit/>
           </a:bodyPr>
           <a:lstStyle/>
           <a:p>
-            <a:r>
-              <a:rPr lang="ko-KR" altLang="en-US" b="1" dirty="0" smtClean="0"/>
+            <a:pPr lvl="0">
+              <a:defRPr/>
+            </a:pPr>
+            <a:r>
+              <a:rPr lang="ko-KR" altLang="en-US" b="1"/>
               <a:t>일정 관리</a:t>
             </a:r>
-            <a:endParaRPr lang="ko-KR" altLang="en-US" b="1" dirty="0"/>
           </a:p>
         </p:txBody>
       </p:sp>
@@ -11879,7 +15009,7 @@
           <a:solidFill>
             <a:schemeClr val="accent4">
               <a:lumMod val="75000"/>
-              <a:alpha val="49804"/>
+              <a:alpha val="49800"/>
             </a:schemeClr>
           </a:solidFill>
           <a:ln>
@@ -11903,10 +15033,12 @@
           </a:fontRef>
         </p:style>
         <p:txBody>
-          <a:bodyPr rtlCol="0" anchor="ctr"/>
+          <a:bodyPr anchor="ctr"/>
           <a:lstStyle/>
           <a:p>
-            <a:pPr algn="ctr"/>
+            <a:pPr algn="ctr">
+              <a:defRPr/>
+            </a:pPr>
             <a:endParaRPr lang="ko-KR" altLang="en-US">
               <a:solidFill>
                 <a:schemeClr val="tx1"/>
@@ -11915,22 +15047,4450 @@
           </a:p>
         </p:txBody>
       </p:sp>
+      <p:graphicFrame>
+        <p:nvGraphicFramePr>
+          <p:cNvPr id="18" name="표 17"/>
+          <p:cNvGraphicFramePr>
+            <a:graphicFrameLocks noGrp="1"/>
+          </p:cNvGraphicFramePr>
+          <p:nvPr/>
+        </p:nvGraphicFramePr>
+        <p:xfrm>
+          <a:off x="251519" y="1547267"/>
+          <a:ext cx="8640807" cy="4376580"/>
+        </p:xfrm>
+        <a:graphic>
+          <a:graphicData uri="http://schemas.openxmlformats.org/drawingml/2006/table">
+            <a:tbl>
+              <a:tblPr firstRow="1" bandRow="1">
+                <a:effectLst/>
+                <a:tableStyleId>{32344573-4499-4136-9432-9625E8DE034D}</a:tableStyleId>
+              </a:tblPr>
+              <a:tblGrid>
+                <a:gridCol w="1163117"/>
+                <a:gridCol w="781007"/>
+                <a:gridCol w="892248"/>
+                <a:gridCol w="829205"/>
+                <a:gridCol w="829205"/>
+                <a:gridCol w="829205"/>
+                <a:gridCol w="829205"/>
+                <a:gridCol w="829205"/>
+                <a:gridCol w="829205"/>
+                <a:gridCol w="829205"/>
+              </a:tblGrid>
+              <a:tr h="686947">
+                <a:tc>
+                  <a:txBody>
+                    <a:bodyPr/>
+                    <a:lstStyle/>
+                    <a:p>
+                      <a:pPr algn="ctr">
+                        <a:defRPr/>
+                      </a:pPr>
+                      <a:r>
+                        <a:rPr lang="ko-KR" altLang="en-US" sz="1400">
+                          <a:solidFill>
+                            <a:schemeClr val="dk1"/>
+                          </a:solidFill>
+                        </a:rPr>
+                        <a:t>작업이름</a:t>
+                      </a:r>
+                    </a:p>
+                  </a:txBody>
+                  <a:tcPr anchor="ctr">
+                    <a:lnL w="3175" cap="flat" cmpd="sng" algn="ctr">
+                      <a:solidFill>
+                        <a:schemeClr val="dk1"/>
+                      </a:solidFill>
+                      <a:prstDash val="solid"/>
+                      <a:round/>
+                      <a:headEnd w="med" len="med"/>
+                      <a:tailEnd w="med" len="med"/>
+                    </a:lnL>
+                    <a:lnR w="3175" cap="flat" cmpd="sng" algn="ctr">
+                      <a:solidFill>
+                        <a:schemeClr val="dk1"/>
+                      </a:solidFill>
+                      <a:prstDash val="solid"/>
+                      <a:round/>
+                      <a:headEnd w="med" len="med"/>
+                      <a:tailEnd w="med" len="med"/>
+                    </a:lnR>
+                    <a:lnT w="3175" cap="flat" cmpd="sng" algn="ctr">
+                      <a:solidFill>
+                        <a:schemeClr val="dk1"/>
+                      </a:solidFill>
+                      <a:prstDash val="solid"/>
+                      <a:round/>
+                      <a:headEnd w="med" len="med"/>
+                      <a:tailEnd w="med" len="med"/>
+                    </a:lnT>
+                    <a:lnB w="3175" cap="flat" cmpd="sng" algn="ctr">
+                      <a:solidFill>
+                        <a:schemeClr val="dk1"/>
+                      </a:solidFill>
+                      <a:prstDash val="solid"/>
+                      <a:round/>
+                      <a:headEnd w="med" len="med"/>
+                      <a:tailEnd w="med" len="med"/>
+                    </a:lnB>
+                  </a:tcPr>
+                </a:tc>
+                <a:tc>
+                  <a:txBody>
+                    <a:bodyPr/>
+                    <a:lstStyle/>
+                    <a:p>
+                      <a:pPr algn="ctr">
+                        <a:defRPr/>
+                      </a:pPr>
+                      <a:r>
+                        <a:rPr lang="ko-KR" altLang="en-US" sz="1400">
+                          <a:solidFill>
+                            <a:schemeClr val="dk1"/>
+                          </a:solidFill>
+                        </a:rPr>
+                        <a:t>시작</a:t>
+                      </a:r>
+                    </a:p>
+                    <a:p>
+                      <a:pPr algn="ctr">
+                        <a:defRPr/>
+                      </a:pPr>
+                      <a:r>
+                        <a:rPr lang="ko-KR" altLang="en-US" sz="1400">
+                          <a:solidFill>
+                            <a:schemeClr val="dk1"/>
+                          </a:solidFill>
+                        </a:rPr>
+                        <a:t>날짜</a:t>
+                      </a:r>
+                    </a:p>
+                  </a:txBody>
+                  <a:tcPr anchor="ctr">
+                    <a:lnL w="3175" cap="flat" cmpd="sng" algn="ctr">
+                      <a:solidFill>
+                        <a:schemeClr val="dk1"/>
+                      </a:solidFill>
+                      <a:prstDash val="solid"/>
+                      <a:round/>
+                      <a:headEnd w="med" len="med"/>
+                      <a:tailEnd w="med" len="med"/>
+                    </a:lnL>
+                    <a:lnR w="3175" cap="flat" cmpd="sng" algn="ctr">
+                      <a:solidFill>
+                        <a:schemeClr val="dk1"/>
+                      </a:solidFill>
+                      <a:prstDash val="solid"/>
+                      <a:round/>
+                      <a:headEnd w="med" len="med"/>
+                      <a:tailEnd w="med" len="med"/>
+                    </a:lnR>
+                    <a:lnT w="3175" cap="flat" cmpd="sng" algn="ctr">
+                      <a:solidFill>
+                        <a:schemeClr val="dk1"/>
+                      </a:solidFill>
+                      <a:prstDash val="solid"/>
+                      <a:round/>
+                      <a:headEnd w="med" len="med"/>
+                      <a:tailEnd w="med" len="med"/>
+                    </a:lnT>
+                    <a:lnB w="3175" cap="flat" cmpd="sng" algn="ctr">
+                      <a:solidFill>
+                        <a:schemeClr val="dk1"/>
+                      </a:solidFill>
+                      <a:prstDash val="solid"/>
+                      <a:round/>
+                      <a:headEnd w="med" len="med"/>
+                      <a:tailEnd w="med" len="med"/>
+                    </a:lnB>
+                  </a:tcPr>
+                </a:tc>
+                <a:tc>
+                  <a:txBody>
+                    <a:bodyPr/>
+                    <a:lstStyle/>
+                    <a:p>
+                      <a:pPr algn="ctr">
+                        <a:defRPr/>
+                      </a:pPr>
+                      <a:r>
+                        <a:rPr lang="ko-KR" altLang="en-US" sz="1400">
+                          <a:solidFill>
+                            <a:schemeClr val="dk1"/>
+                          </a:solidFill>
+                        </a:rPr>
+                        <a:t>완료</a:t>
+                      </a:r>
+                    </a:p>
+                    <a:p>
+                      <a:pPr algn="ctr">
+                        <a:defRPr/>
+                      </a:pPr>
+                      <a:r>
+                        <a:rPr lang="ko-KR" altLang="en-US" sz="1400">
+                          <a:solidFill>
+                            <a:schemeClr val="dk1"/>
+                          </a:solidFill>
+                        </a:rPr>
+                        <a:t>날짜</a:t>
+                      </a:r>
+                    </a:p>
+                  </a:txBody>
+                  <a:tcPr anchor="ctr">
+                    <a:lnL w="3175" cap="flat" cmpd="sng" algn="ctr">
+                      <a:solidFill>
+                        <a:schemeClr val="dk1"/>
+                      </a:solidFill>
+                      <a:prstDash val="solid"/>
+                      <a:round/>
+                      <a:headEnd w="med" len="med"/>
+                      <a:tailEnd w="med" len="med"/>
+                    </a:lnL>
+                    <a:lnR w="3175" cap="flat" cmpd="sng" algn="ctr">
+                      <a:solidFill>
+                        <a:schemeClr val="dk1"/>
+                      </a:solidFill>
+                      <a:prstDash val="solid"/>
+                      <a:round/>
+                      <a:headEnd w="med" len="med"/>
+                      <a:tailEnd w="med" len="med"/>
+                    </a:lnR>
+                    <a:lnT w="3175" cap="flat" cmpd="sng" algn="ctr">
+                      <a:solidFill>
+                        <a:schemeClr val="dk1"/>
+                      </a:solidFill>
+                      <a:prstDash val="solid"/>
+                      <a:round/>
+                      <a:headEnd w="med" len="med"/>
+                      <a:tailEnd w="med" len="med"/>
+                    </a:lnT>
+                    <a:lnB w="3175" cap="flat" cmpd="sng" algn="ctr">
+                      <a:solidFill>
+                        <a:schemeClr val="dk1"/>
+                      </a:solidFill>
+                      <a:prstDash val="solid"/>
+                      <a:round/>
+                      <a:headEnd w="med" len="med"/>
+                      <a:tailEnd w="med" len="med"/>
+                    </a:lnB>
+                  </a:tcPr>
+                </a:tc>
+                <a:tc>
+                  <a:txBody>
+                    <a:bodyPr/>
+                    <a:lstStyle/>
+                    <a:p>
+                      <a:pPr algn="ctr">
+                        <a:defRPr/>
+                      </a:pPr>
+                      <a:r>
+                        <a:rPr lang="en-US" altLang="ko-KR" sz="1400">
+                          <a:solidFill>
+                            <a:schemeClr val="dk1"/>
+                          </a:solidFill>
+                        </a:rPr>
+                        <a:t>5</a:t>
+                      </a:r>
+                      <a:r>
+                        <a:rPr lang="ko-KR" altLang="en-US" sz="1400">
+                          <a:solidFill>
+                            <a:schemeClr val="dk1"/>
+                          </a:solidFill>
+                        </a:rPr>
+                        <a:t>월 </a:t>
+                      </a:r>
+                    </a:p>
+                    <a:p>
+                      <a:pPr algn="ctr">
+                        <a:defRPr/>
+                      </a:pPr>
+                      <a:r>
+                        <a:rPr lang="en-US" altLang="ko-KR" sz="1400">
+                          <a:solidFill>
+                            <a:schemeClr val="dk1"/>
+                          </a:solidFill>
+                        </a:rPr>
+                        <a:t>1</a:t>
+                      </a:r>
+                      <a:r>
+                        <a:rPr lang="ko-KR" altLang="en-US" sz="1400">
+                          <a:solidFill>
+                            <a:schemeClr val="dk1"/>
+                          </a:solidFill>
+                        </a:rPr>
+                        <a:t>주</a:t>
+                      </a:r>
+                    </a:p>
+                  </a:txBody>
+                  <a:tcPr anchor="ctr">
+                    <a:lnL w="3175" cap="flat" cmpd="sng" algn="ctr">
+                      <a:solidFill>
+                        <a:schemeClr val="dk1"/>
+                      </a:solidFill>
+                      <a:prstDash val="solid"/>
+                      <a:round/>
+                      <a:headEnd w="med" len="med"/>
+                      <a:tailEnd w="med" len="med"/>
+                    </a:lnL>
+                    <a:lnR w="3175" cap="flat" cmpd="sng" algn="ctr">
+                      <a:solidFill>
+                        <a:schemeClr val="dk1"/>
+                      </a:solidFill>
+                      <a:prstDash val="solid"/>
+                      <a:round/>
+                      <a:headEnd w="med" len="med"/>
+                      <a:tailEnd w="med" len="med"/>
+                    </a:lnR>
+                    <a:lnT w="3175" cap="flat" cmpd="sng" algn="ctr">
+                      <a:solidFill>
+                        <a:schemeClr val="dk1"/>
+                      </a:solidFill>
+                      <a:prstDash val="solid"/>
+                      <a:round/>
+                      <a:headEnd w="med" len="med"/>
+                      <a:tailEnd w="med" len="med"/>
+                    </a:lnT>
+                    <a:lnB w="3175" cap="flat" cmpd="sng" algn="ctr">
+                      <a:solidFill>
+                        <a:schemeClr val="dk1"/>
+                      </a:solidFill>
+                      <a:prstDash val="solid"/>
+                      <a:round/>
+                      <a:headEnd w="med" len="med"/>
+                      <a:tailEnd w="med" len="med"/>
+                    </a:lnB>
+                  </a:tcPr>
+                </a:tc>
+                <a:tc>
+                  <a:txBody>
+                    <a:bodyPr/>
+                    <a:lstStyle/>
+                    <a:p>
+                      <a:pPr algn="ctr">
+                        <a:defRPr/>
+                      </a:pPr>
+                      <a:r>
+                        <a:rPr lang="en-US" altLang="ko-KR" sz="1400">
+                          <a:solidFill>
+                            <a:schemeClr val="dk1"/>
+                          </a:solidFill>
+                        </a:rPr>
+                        <a:t>5</a:t>
+                      </a:r>
+                      <a:r>
+                        <a:rPr lang="ko-KR" altLang="en-US" sz="1400">
+                          <a:solidFill>
+                            <a:schemeClr val="dk1"/>
+                          </a:solidFill>
+                        </a:rPr>
+                        <a:t>월 </a:t>
+                      </a:r>
+                    </a:p>
+                    <a:p>
+                      <a:pPr algn="ctr">
+                        <a:defRPr/>
+                      </a:pPr>
+                      <a:r>
+                        <a:rPr lang="en-US" altLang="ko-KR" sz="1400">
+                          <a:solidFill>
+                            <a:schemeClr val="dk1"/>
+                          </a:solidFill>
+                        </a:rPr>
+                        <a:t>2</a:t>
+                      </a:r>
+                      <a:r>
+                        <a:rPr lang="ko-KR" altLang="en-US" sz="1400">
+                          <a:solidFill>
+                            <a:schemeClr val="dk1"/>
+                          </a:solidFill>
+                        </a:rPr>
+                        <a:t>주</a:t>
+                      </a:r>
+                    </a:p>
+                  </a:txBody>
+                  <a:tcPr anchor="ctr">
+                    <a:lnL w="3175" cap="flat" cmpd="sng" algn="ctr">
+                      <a:solidFill>
+                        <a:schemeClr val="dk1"/>
+                      </a:solidFill>
+                      <a:prstDash val="solid"/>
+                      <a:round/>
+                      <a:headEnd w="med" len="med"/>
+                      <a:tailEnd w="med" len="med"/>
+                    </a:lnL>
+                    <a:lnR w="3175" cap="flat" cmpd="sng" algn="ctr">
+                      <a:solidFill>
+                        <a:schemeClr val="dk1"/>
+                      </a:solidFill>
+                      <a:prstDash val="solid"/>
+                      <a:round/>
+                      <a:headEnd w="med" len="med"/>
+                      <a:tailEnd w="med" len="med"/>
+                    </a:lnR>
+                    <a:lnT w="3175" cap="flat" cmpd="sng" algn="ctr">
+                      <a:solidFill>
+                        <a:schemeClr val="dk1"/>
+                      </a:solidFill>
+                      <a:prstDash val="solid"/>
+                      <a:round/>
+                      <a:headEnd w="med" len="med"/>
+                      <a:tailEnd w="med" len="med"/>
+                    </a:lnT>
+                    <a:lnB w="3175" cap="flat" cmpd="sng" algn="ctr">
+                      <a:solidFill>
+                        <a:schemeClr val="dk1"/>
+                      </a:solidFill>
+                      <a:prstDash val="solid"/>
+                      <a:round/>
+                      <a:headEnd w="med" len="med"/>
+                      <a:tailEnd w="med" len="med"/>
+                    </a:lnB>
+                  </a:tcPr>
+                </a:tc>
+                <a:tc>
+                  <a:txBody>
+                    <a:bodyPr/>
+                    <a:lstStyle/>
+                    <a:p>
+                      <a:pPr algn="ctr">
+                        <a:defRPr/>
+                      </a:pPr>
+                      <a:r>
+                        <a:rPr lang="en-US" altLang="ko-KR" sz="1400">
+                          <a:solidFill>
+                            <a:schemeClr val="dk1"/>
+                          </a:solidFill>
+                        </a:rPr>
+                        <a:t>5</a:t>
+                      </a:r>
+                      <a:r>
+                        <a:rPr lang="ko-KR" altLang="en-US" sz="1400">
+                          <a:solidFill>
+                            <a:schemeClr val="dk1"/>
+                          </a:solidFill>
+                        </a:rPr>
+                        <a:t>월 </a:t>
+                      </a:r>
+                    </a:p>
+                    <a:p>
+                      <a:pPr algn="ctr">
+                        <a:defRPr/>
+                      </a:pPr>
+                      <a:r>
+                        <a:rPr lang="en-US" altLang="ko-KR" sz="1400">
+                          <a:solidFill>
+                            <a:schemeClr val="dk1"/>
+                          </a:solidFill>
+                        </a:rPr>
+                        <a:t>3</a:t>
+                      </a:r>
+                      <a:r>
+                        <a:rPr lang="ko-KR" altLang="en-US" sz="1400">
+                          <a:solidFill>
+                            <a:schemeClr val="dk1"/>
+                          </a:solidFill>
+                        </a:rPr>
+                        <a:t>주</a:t>
+                      </a:r>
+                    </a:p>
+                  </a:txBody>
+                  <a:tcPr anchor="ctr">
+                    <a:lnL w="3175" cap="flat" cmpd="sng" algn="ctr">
+                      <a:solidFill>
+                        <a:schemeClr val="dk1"/>
+                      </a:solidFill>
+                      <a:prstDash val="solid"/>
+                      <a:round/>
+                      <a:headEnd w="med" len="med"/>
+                      <a:tailEnd w="med" len="med"/>
+                    </a:lnL>
+                    <a:lnR w="3175" cap="flat" cmpd="sng" algn="ctr">
+                      <a:solidFill>
+                        <a:schemeClr val="dk1"/>
+                      </a:solidFill>
+                      <a:prstDash val="solid"/>
+                      <a:round/>
+                      <a:headEnd w="med" len="med"/>
+                      <a:tailEnd w="med" len="med"/>
+                    </a:lnR>
+                    <a:lnT w="3175" cap="flat" cmpd="sng" algn="ctr">
+                      <a:solidFill>
+                        <a:schemeClr val="dk1"/>
+                      </a:solidFill>
+                      <a:prstDash val="solid"/>
+                      <a:round/>
+                      <a:headEnd w="med" len="med"/>
+                      <a:tailEnd w="med" len="med"/>
+                    </a:lnT>
+                    <a:lnB w="3175" cap="flat" cmpd="sng" algn="ctr">
+                      <a:solidFill>
+                        <a:schemeClr val="dk1"/>
+                      </a:solidFill>
+                      <a:prstDash val="solid"/>
+                      <a:round/>
+                      <a:headEnd w="med" len="med"/>
+                      <a:tailEnd w="med" len="med"/>
+                    </a:lnB>
+                  </a:tcPr>
+                </a:tc>
+                <a:tc>
+                  <a:txBody>
+                    <a:bodyPr/>
+                    <a:lstStyle/>
+                    <a:p>
+                      <a:pPr algn="ctr">
+                        <a:defRPr/>
+                      </a:pPr>
+                      <a:r>
+                        <a:rPr lang="en-US" altLang="ko-KR" sz="1400">
+                          <a:solidFill>
+                            <a:schemeClr val="dk1"/>
+                          </a:solidFill>
+                        </a:rPr>
+                        <a:t>5</a:t>
+                      </a:r>
+                      <a:r>
+                        <a:rPr lang="ko-KR" altLang="en-US" sz="1400">
+                          <a:solidFill>
+                            <a:schemeClr val="dk1"/>
+                          </a:solidFill>
+                        </a:rPr>
+                        <a:t>월</a:t>
+                      </a:r>
+                    </a:p>
+                    <a:p>
+                      <a:pPr algn="ctr">
+                        <a:defRPr/>
+                      </a:pPr>
+                      <a:r>
+                        <a:rPr lang="ko-KR" altLang="en-US" sz="1400">
+                          <a:solidFill>
+                            <a:schemeClr val="dk1"/>
+                          </a:solidFill>
+                        </a:rPr>
+                        <a:t> </a:t>
+                      </a:r>
+                      <a:r>
+                        <a:rPr lang="en-US" altLang="ko-KR" sz="1400">
+                          <a:solidFill>
+                            <a:schemeClr val="dk1"/>
+                          </a:solidFill>
+                        </a:rPr>
+                        <a:t>4</a:t>
+                      </a:r>
+                      <a:r>
+                        <a:rPr lang="ko-KR" altLang="en-US" sz="1400">
+                          <a:solidFill>
+                            <a:schemeClr val="dk1"/>
+                          </a:solidFill>
+                        </a:rPr>
+                        <a:t>주</a:t>
+                      </a:r>
+                    </a:p>
+                  </a:txBody>
+                  <a:tcPr anchor="ctr">
+                    <a:lnL w="3175" cap="flat" cmpd="sng" algn="ctr">
+                      <a:solidFill>
+                        <a:schemeClr val="dk1"/>
+                      </a:solidFill>
+                      <a:prstDash val="solid"/>
+                      <a:round/>
+                      <a:headEnd w="med" len="med"/>
+                      <a:tailEnd w="med" len="med"/>
+                    </a:lnL>
+                    <a:lnR w="3175" cap="flat" cmpd="sng" algn="ctr">
+                      <a:solidFill>
+                        <a:schemeClr val="dk1"/>
+                      </a:solidFill>
+                      <a:prstDash val="solid"/>
+                      <a:round/>
+                      <a:headEnd w="med" len="med"/>
+                      <a:tailEnd w="med" len="med"/>
+                    </a:lnR>
+                    <a:lnT w="3175" cap="flat" cmpd="sng" algn="ctr">
+                      <a:solidFill>
+                        <a:schemeClr val="dk1"/>
+                      </a:solidFill>
+                      <a:prstDash val="solid"/>
+                      <a:round/>
+                      <a:headEnd w="med" len="med"/>
+                      <a:tailEnd w="med" len="med"/>
+                    </a:lnT>
+                    <a:lnB w="3175" cap="flat" cmpd="sng" algn="ctr">
+                      <a:solidFill>
+                        <a:schemeClr val="dk1"/>
+                      </a:solidFill>
+                      <a:prstDash val="solid"/>
+                      <a:round/>
+                      <a:headEnd w="med" len="med"/>
+                      <a:tailEnd w="med" len="med"/>
+                    </a:lnB>
+                  </a:tcPr>
+                </a:tc>
+                <a:tc>
+                  <a:txBody>
+                    <a:bodyPr/>
+                    <a:lstStyle/>
+                    <a:p>
+                      <a:pPr algn="ctr">
+                        <a:defRPr/>
+                      </a:pPr>
+                      <a:r>
+                        <a:rPr lang="en-US" altLang="ko-KR" sz="1400">
+                          <a:solidFill>
+                            <a:schemeClr val="dk1"/>
+                          </a:solidFill>
+                        </a:rPr>
+                        <a:t>6</a:t>
+                      </a:r>
+                      <a:r>
+                        <a:rPr lang="ko-KR" altLang="en-US" sz="1400">
+                          <a:solidFill>
+                            <a:schemeClr val="dk1"/>
+                          </a:solidFill>
+                        </a:rPr>
+                        <a:t>월 </a:t>
+                      </a:r>
+                    </a:p>
+                    <a:p>
+                      <a:pPr algn="ctr">
+                        <a:defRPr/>
+                      </a:pPr>
+                      <a:r>
+                        <a:rPr lang="en-US" altLang="ko-KR" sz="1400">
+                          <a:solidFill>
+                            <a:schemeClr val="dk1"/>
+                          </a:solidFill>
+                        </a:rPr>
+                        <a:t>1</a:t>
+                      </a:r>
+                      <a:r>
+                        <a:rPr lang="ko-KR" altLang="en-US" sz="1400">
+                          <a:solidFill>
+                            <a:schemeClr val="dk1"/>
+                          </a:solidFill>
+                        </a:rPr>
+                        <a:t>주</a:t>
+                      </a:r>
+                    </a:p>
+                  </a:txBody>
+                  <a:tcPr anchor="ctr">
+                    <a:lnL w="3175" cap="flat" cmpd="sng" algn="ctr">
+                      <a:solidFill>
+                        <a:schemeClr val="dk1"/>
+                      </a:solidFill>
+                      <a:prstDash val="solid"/>
+                      <a:round/>
+                      <a:headEnd w="med" len="med"/>
+                      <a:tailEnd w="med" len="med"/>
+                    </a:lnL>
+                    <a:lnR w="3175" cap="flat" cmpd="sng" algn="ctr">
+                      <a:solidFill>
+                        <a:schemeClr val="dk1"/>
+                      </a:solidFill>
+                      <a:prstDash val="solid"/>
+                      <a:round/>
+                      <a:headEnd w="med" len="med"/>
+                      <a:tailEnd w="med" len="med"/>
+                    </a:lnR>
+                    <a:lnT w="3175" cap="flat" cmpd="sng" algn="ctr">
+                      <a:solidFill>
+                        <a:schemeClr val="dk1"/>
+                      </a:solidFill>
+                      <a:prstDash val="solid"/>
+                      <a:round/>
+                      <a:headEnd w="med" len="med"/>
+                      <a:tailEnd w="med" len="med"/>
+                    </a:lnT>
+                    <a:lnB w="3175" cap="flat" cmpd="sng" algn="ctr">
+                      <a:solidFill>
+                        <a:schemeClr val="dk1"/>
+                      </a:solidFill>
+                      <a:prstDash val="solid"/>
+                      <a:round/>
+                      <a:headEnd w="med" len="med"/>
+                      <a:tailEnd w="med" len="med"/>
+                    </a:lnB>
+                  </a:tcPr>
+                </a:tc>
+                <a:tc>
+                  <a:txBody>
+                    <a:bodyPr/>
+                    <a:lstStyle/>
+                    <a:p>
+                      <a:pPr algn="ctr">
+                        <a:defRPr/>
+                      </a:pPr>
+                      <a:r>
+                        <a:rPr lang="en-US" altLang="ko-KR" sz="1400">
+                          <a:solidFill>
+                            <a:schemeClr val="dk1"/>
+                          </a:solidFill>
+                        </a:rPr>
+                        <a:t>6</a:t>
+                      </a:r>
+                      <a:r>
+                        <a:rPr lang="ko-KR" altLang="en-US" sz="1400">
+                          <a:solidFill>
+                            <a:schemeClr val="dk1"/>
+                          </a:solidFill>
+                        </a:rPr>
+                        <a:t>월</a:t>
+                      </a:r>
+                    </a:p>
+                    <a:p>
+                      <a:pPr algn="ctr">
+                        <a:defRPr/>
+                      </a:pPr>
+                      <a:r>
+                        <a:rPr lang="en-US" altLang="ko-KR" sz="1400">
+                          <a:solidFill>
+                            <a:schemeClr val="dk1"/>
+                          </a:solidFill>
+                        </a:rPr>
+                        <a:t>2</a:t>
+                      </a:r>
+                      <a:r>
+                        <a:rPr lang="ko-KR" altLang="en-US" sz="1400">
+                          <a:solidFill>
+                            <a:schemeClr val="dk1"/>
+                          </a:solidFill>
+                        </a:rPr>
+                        <a:t>주</a:t>
+                      </a:r>
+                    </a:p>
+                  </a:txBody>
+                  <a:tcPr anchor="ctr">
+                    <a:lnL w="3175" cap="flat" cmpd="sng" algn="ctr">
+                      <a:solidFill>
+                        <a:schemeClr val="dk1"/>
+                      </a:solidFill>
+                      <a:prstDash val="solid"/>
+                      <a:round/>
+                      <a:headEnd w="med" len="med"/>
+                      <a:tailEnd w="med" len="med"/>
+                    </a:lnL>
+                    <a:lnR w="3175" cap="flat" cmpd="sng" algn="ctr">
+                      <a:solidFill>
+                        <a:schemeClr val="dk1"/>
+                      </a:solidFill>
+                      <a:prstDash val="solid"/>
+                      <a:round/>
+                      <a:headEnd w="med" len="med"/>
+                      <a:tailEnd w="med" len="med"/>
+                    </a:lnR>
+                    <a:lnT w="3175" cap="flat" cmpd="sng" algn="ctr">
+                      <a:solidFill>
+                        <a:schemeClr val="dk1"/>
+                      </a:solidFill>
+                      <a:prstDash val="solid"/>
+                      <a:round/>
+                      <a:headEnd w="med" len="med"/>
+                      <a:tailEnd w="med" len="med"/>
+                    </a:lnT>
+                    <a:lnB w="3175" cap="flat" cmpd="sng" algn="ctr">
+                      <a:solidFill>
+                        <a:schemeClr val="dk1"/>
+                      </a:solidFill>
+                      <a:prstDash val="solid"/>
+                      <a:round/>
+                      <a:headEnd w="med" len="med"/>
+                      <a:tailEnd w="med" len="med"/>
+                    </a:lnB>
+                  </a:tcPr>
+                </a:tc>
+                <a:tc>
+                  <a:txBody>
+                    <a:bodyPr/>
+                    <a:lstStyle/>
+                    <a:p>
+                      <a:pPr algn="ctr">
+                        <a:defRPr/>
+                      </a:pPr>
+                      <a:r>
+                        <a:rPr lang="en-US" altLang="ko-KR" sz="1400">
+                          <a:solidFill>
+                            <a:schemeClr val="dk1"/>
+                          </a:solidFill>
+                        </a:rPr>
+                        <a:t>6</a:t>
+                      </a:r>
+                      <a:r>
+                        <a:rPr lang="ko-KR" altLang="en-US" sz="1400">
+                          <a:solidFill>
+                            <a:schemeClr val="dk1"/>
+                          </a:solidFill>
+                        </a:rPr>
+                        <a:t>월 </a:t>
+                      </a:r>
+                    </a:p>
+                    <a:p>
+                      <a:pPr algn="ctr">
+                        <a:defRPr/>
+                      </a:pPr>
+                      <a:r>
+                        <a:rPr lang="en-US" altLang="ko-KR" sz="1400">
+                          <a:solidFill>
+                            <a:schemeClr val="dk1"/>
+                          </a:solidFill>
+                        </a:rPr>
+                        <a:t>3</a:t>
+                      </a:r>
+                      <a:r>
+                        <a:rPr lang="ko-KR" altLang="en-US" sz="1400">
+                          <a:solidFill>
+                            <a:schemeClr val="dk1"/>
+                          </a:solidFill>
+                        </a:rPr>
+                        <a:t>주</a:t>
+                      </a:r>
+                    </a:p>
+                  </a:txBody>
+                  <a:tcPr anchor="ctr">
+                    <a:lnL w="3175" cap="flat" cmpd="sng" algn="ctr">
+                      <a:solidFill>
+                        <a:schemeClr val="dk1"/>
+                      </a:solidFill>
+                      <a:prstDash val="solid"/>
+                      <a:round/>
+                      <a:headEnd w="med" len="med"/>
+                      <a:tailEnd w="med" len="med"/>
+                    </a:lnL>
+                    <a:lnR w="3175" cap="flat" cmpd="sng" algn="ctr">
+                      <a:solidFill>
+                        <a:schemeClr val="dk1"/>
+                      </a:solidFill>
+                      <a:prstDash val="solid"/>
+                      <a:round/>
+                      <a:headEnd w="med" len="med"/>
+                      <a:tailEnd w="med" len="med"/>
+                    </a:lnR>
+                    <a:lnT w="3175" cap="flat" cmpd="sng" algn="ctr">
+                      <a:solidFill>
+                        <a:schemeClr val="dk1"/>
+                      </a:solidFill>
+                      <a:prstDash val="solid"/>
+                      <a:round/>
+                      <a:headEnd w="med" len="med"/>
+                      <a:tailEnd w="med" len="med"/>
+                    </a:lnT>
+                    <a:lnB w="3175" cap="flat" cmpd="sng" algn="ctr">
+                      <a:solidFill>
+                        <a:schemeClr val="dk1"/>
+                      </a:solidFill>
+                      <a:prstDash val="solid"/>
+                      <a:round/>
+                      <a:headEnd w="med" len="med"/>
+                      <a:tailEnd w="med" len="med"/>
+                    </a:lnB>
+                  </a:tcPr>
+                </a:tc>
+              </a:tr>
+              <a:tr h="614939">
+                <a:tc>
+                  <a:txBody>
+                    <a:bodyPr/>
+                    <a:lstStyle/>
+                    <a:p>
+                      <a:pPr algn="ctr">
+                        <a:defRPr/>
+                      </a:pPr>
+                      <a:r>
+                        <a:rPr lang="ko-KR" altLang="en-US" sz="1300" b="1"/>
+                        <a:t>모바일 뱅킹 어플 제작</a:t>
+                      </a:r>
+                    </a:p>
+                  </a:txBody>
+                  <a:tcPr anchor="ctr">
+                    <a:lnL w="3175" cap="flat" cmpd="sng" algn="ctr">
+                      <a:solidFill>
+                        <a:schemeClr val="dk1"/>
+                      </a:solidFill>
+                      <a:prstDash val="solid"/>
+                      <a:round/>
+                      <a:headEnd w="med" len="med"/>
+                      <a:tailEnd w="med" len="med"/>
+                    </a:lnL>
+                    <a:lnR w="3175" cap="flat" cmpd="sng" algn="ctr">
+                      <a:solidFill>
+                        <a:schemeClr val="dk1"/>
+                      </a:solidFill>
+                      <a:prstDash val="solid"/>
+                      <a:round/>
+                      <a:headEnd w="med" len="med"/>
+                      <a:tailEnd w="med" len="med"/>
+                    </a:lnR>
+                    <a:lnT w="3175" cap="flat" cmpd="sng" algn="ctr">
+                      <a:solidFill>
+                        <a:schemeClr val="dk1"/>
+                      </a:solidFill>
+                      <a:prstDash val="solid"/>
+                      <a:round/>
+                      <a:headEnd w="med" len="med"/>
+                      <a:tailEnd w="med" len="med"/>
+                    </a:lnT>
+                    <a:lnB w="3175" cap="flat" cmpd="sng" algn="ctr">
+                      <a:solidFill>
+                        <a:schemeClr val="dk1"/>
+                      </a:solidFill>
+                      <a:prstDash val="solid"/>
+                      <a:round/>
+                      <a:headEnd w="med" len="med"/>
+                      <a:tailEnd w="med" len="med"/>
+                    </a:lnB>
+                  </a:tcPr>
+                </a:tc>
+                <a:tc>
+                  <a:txBody>
+                    <a:bodyPr/>
+                    <a:lstStyle/>
+                    <a:p>
+                      <a:pPr algn="ctr">
+                        <a:defRPr/>
+                      </a:pPr>
+                      <a:r>
+                        <a:rPr lang="en-US" altLang="ko-KR" sz="1300" b="1"/>
+                        <a:t>5/1</a:t>
+                      </a:r>
+                    </a:p>
+                  </a:txBody>
+                  <a:tcPr anchor="ctr">
+                    <a:lnL w="3175" cap="flat" cmpd="sng" algn="ctr">
+                      <a:solidFill>
+                        <a:schemeClr val="dk1"/>
+                      </a:solidFill>
+                      <a:prstDash val="solid"/>
+                      <a:round/>
+                      <a:headEnd w="med" len="med"/>
+                      <a:tailEnd w="med" len="med"/>
+                    </a:lnL>
+                    <a:lnR w="3175" cap="flat" cmpd="sng" algn="ctr">
+                      <a:solidFill>
+                        <a:schemeClr val="dk1"/>
+                      </a:solidFill>
+                      <a:prstDash val="solid"/>
+                      <a:round/>
+                      <a:headEnd w="med" len="med"/>
+                      <a:tailEnd w="med" len="med"/>
+                    </a:lnR>
+                    <a:lnT w="3175" cap="flat" cmpd="sng" algn="ctr">
+                      <a:solidFill>
+                        <a:schemeClr val="dk1"/>
+                      </a:solidFill>
+                      <a:prstDash val="solid"/>
+                      <a:round/>
+                      <a:headEnd w="med" len="med"/>
+                      <a:tailEnd w="med" len="med"/>
+                    </a:lnT>
+                    <a:lnB w="3175" cap="flat" cmpd="sng" algn="ctr">
+                      <a:solidFill>
+                        <a:schemeClr val="dk1"/>
+                      </a:solidFill>
+                      <a:prstDash val="solid"/>
+                      <a:round/>
+                      <a:headEnd w="med" len="med"/>
+                      <a:tailEnd w="med" len="med"/>
+                    </a:lnB>
+                  </a:tcPr>
+                </a:tc>
+                <a:tc>
+                  <a:txBody>
+                    <a:bodyPr/>
+                    <a:lstStyle/>
+                    <a:p>
+                      <a:pPr algn="ctr">
+                        <a:defRPr/>
+                      </a:pPr>
+                      <a:r>
+                        <a:rPr lang="en-US" altLang="ko-KR" sz="1300" b="1"/>
+                        <a:t>6/17</a:t>
+                      </a:r>
+                    </a:p>
+                  </a:txBody>
+                  <a:tcPr anchor="ctr">
+                    <a:lnL w="3175" cap="flat" cmpd="sng" algn="ctr">
+                      <a:solidFill>
+                        <a:schemeClr val="dk1"/>
+                      </a:solidFill>
+                      <a:prstDash val="solid"/>
+                      <a:round/>
+                      <a:headEnd w="med" len="med"/>
+                      <a:tailEnd w="med" len="med"/>
+                    </a:lnL>
+                    <a:lnR w="3175" cap="flat" cmpd="sng" algn="ctr">
+                      <a:solidFill>
+                        <a:schemeClr val="dk1"/>
+                      </a:solidFill>
+                      <a:prstDash val="solid"/>
+                      <a:round/>
+                      <a:headEnd w="med" len="med"/>
+                      <a:tailEnd w="med" len="med"/>
+                    </a:lnR>
+                    <a:lnT w="3175" cap="flat" cmpd="sng" algn="ctr">
+                      <a:solidFill>
+                        <a:schemeClr val="dk1"/>
+                      </a:solidFill>
+                      <a:prstDash val="solid"/>
+                      <a:round/>
+                      <a:headEnd w="med" len="med"/>
+                      <a:tailEnd w="med" len="med"/>
+                    </a:lnT>
+                    <a:lnB w="3175" cap="flat" cmpd="sng" algn="ctr">
+                      <a:solidFill>
+                        <a:schemeClr val="dk1"/>
+                      </a:solidFill>
+                      <a:prstDash val="solid"/>
+                      <a:round/>
+                      <a:headEnd w="med" len="med"/>
+                      <a:tailEnd w="med" len="med"/>
+                    </a:lnB>
+                  </a:tcPr>
+                </a:tc>
+                <a:tc>
+                  <a:txBody>
+                    <a:bodyPr/>
+                    <a:lstStyle/>
+                    <a:p>
+                      <a:pPr algn="ctr">
+                        <a:defRPr/>
+                      </a:pPr>
+                      <a:endParaRPr lang="en-US" altLang="ko-KR" sz="1000"/>
+                    </a:p>
+                  </a:txBody>
+                  <a:tcPr anchor="ctr">
+                    <a:lnL w="3175" cap="flat" cmpd="sng" algn="ctr">
+                      <a:solidFill>
+                        <a:schemeClr val="dk1"/>
+                      </a:solidFill>
+                      <a:prstDash val="solid"/>
+                      <a:round/>
+                      <a:headEnd w="med" len="med"/>
+                      <a:tailEnd w="med" len="med"/>
+                    </a:lnL>
+                    <a:lnR w="3175" cap="flat" cmpd="sng" algn="ctr">
+                      <a:solidFill>
+                        <a:schemeClr val="dk1"/>
+                      </a:solidFill>
+                      <a:prstDash val="solid"/>
+                      <a:round/>
+                      <a:headEnd w="med" len="med"/>
+                      <a:tailEnd w="med" len="med"/>
+                    </a:lnR>
+                    <a:lnT w="3175" cap="flat" cmpd="sng" algn="ctr">
+                      <a:solidFill>
+                        <a:schemeClr val="dk1"/>
+                      </a:solidFill>
+                      <a:prstDash val="solid"/>
+                      <a:round/>
+                      <a:headEnd w="med" len="med"/>
+                      <a:tailEnd w="med" len="med"/>
+                    </a:lnT>
+                    <a:lnB w="3175" cap="flat" cmpd="sng" algn="ctr">
+                      <a:solidFill>
+                        <a:schemeClr val="dk1"/>
+                      </a:solidFill>
+                      <a:prstDash val="solid"/>
+                      <a:round/>
+                      <a:headEnd w="med" len="med"/>
+                      <a:tailEnd w="med" len="med"/>
+                    </a:lnB>
+                  </a:tcPr>
+                </a:tc>
+                <a:tc>
+                  <a:txBody>
+                    <a:bodyPr/>
+                    <a:lstStyle/>
+                    <a:p>
+                      <a:pPr algn="ctr">
+                        <a:defRPr/>
+                      </a:pPr>
+                      <a:endParaRPr lang="en-US" altLang="ko-KR" sz="1000"/>
+                    </a:p>
+                  </a:txBody>
+                  <a:tcPr anchor="ctr">
+                    <a:lnL w="3175" cap="flat" cmpd="sng" algn="ctr">
+                      <a:solidFill>
+                        <a:schemeClr val="dk1"/>
+                      </a:solidFill>
+                      <a:prstDash val="solid"/>
+                      <a:round/>
+                      <a:headEnd w="med" len="med"/>
+                      <a:tailEnd w="med" len="med"/>
+                    </a:lnL>
+                    <a:lnR w="3175" cap="flat" cmpd="sng" algn="ctr">
+                      <a:solidFill>
+                        <a:schemeClr val="dk1"/>
+                      </a:solidFill>
+                      <a:prstDash val="solid"/>
+                      <a:round/>
+                      <a:headEnd w="med" len="med"/>
+                      <a:tailEnd w="med" len="med"/>
+                    </a:lnR>
+                    <a:lnT w="3175" cap="flat" cmpd="sng" algn="ctr">
+                      <a:solidFill>
+                        <a:schemeClr val="dk1"/>
+                      </a:solidFill>
+                      <a:prstDash val="solid"/>
+                      <a:round/>
+                      <a:headEnd w="med" len="med"/>
+                      <a:tailEnd w="med" len="med"/>
+                    </a:lnT>
+                    <a:lnB w="3175" cap="flat" cmpd="sng" algn="ctr">
+                      <a:solidFill>
+                        <a:schemeClr val="dk1"/>
+                      </a:solidFill>
+                      <a:prstDash val="solid"/>
+                      <a:round/>
+                      <a:headEnd w="med" len="med"/>
+                      <a:tailEnd w="med" len="med"/>
+                    </a:lnB>
+                  </a:tcPr>
+                </a:tc>
+                <a:tc>
+                  <a:txBody>
+                    <a:bodyPr/>
+                    <a:lstStyle/>
+                    <a:p>
+                      <a:pPr algn="ctr">
+                        <a:defRPr/>
+                      </a:pPr>
+                      <a:endParaRPr lang="en-US" altLang="ko-KR" sz="1000"/>
+                    </a:p>
+                  </a:txBody>
+                  <a:tcPr anchor="ctr">
+                    <a:lnL w="3175" cap="flat" cmpd="sng" algn="ctr">
+                      <a:solidFill>
+                        <a:schemeClr val="dk1"/>
+                      </a:solidFill>
+                      <a:prstDash val="solid"/>
+                      <a:round/>
+                      <a:headEnd w="med" len="med"/>
+                      <a:tailEnd w="med" len="med"/>
+                    </a:lnL>
+                    <a:lnR w="3175" cap="flat" cmpd="sng" algn="ctr">
+                      <a:solidFill>
+                        <a:schemeClr val="dk1"/>
+                      </a:solidFill>
+                      <a:prstDash val="solid"/>
+                      <a:round/>
+                      <a:headEnd w="med" len="med"/>
+                      <a:tailEnd w="med" len="med"/>
+                    </a:lnR>
+                    <a:lnT w="3175" cap="flat" cmpd="sng" algn="ctr">
+                      <a:solidFill>
+                        <a:schemeClr val="dk1"/>
+                      </a:solidFill>
+                      <a:prstDash val="solid"/>
+                      <a:round/>
+                      <a:headEnd w="med" len="med"/>
+                      <a:tailEnd w="med" len="med"/>
+                    </a:lnT>
+                    <a:lnB w="3175" cap="flat" cmpd="sng" algn="ctr">
+                      <a:solidFill>
+                        <a:schemeClr val="dk1"/>
+                      </a:solidFill>
+                      <a:prstDash val="solid"/>
+                      <a:round/>
+                      <a:headEnd w="med" len="med"/>
+                      <a:tailEnd w="med" len="med"/>
+                    </a:lnB>
+                  </a:tcPr>
+                </a:tc>
+                <a:tc>
+                  <a:txBody>
+                    <a:bodyPr/>
+                    <a:lstStyle/>
+                    <a:p>
+                      <a:pPr algn="ctr">
+                        <a:defRPr/>
+                      </a:pPr>
+                      <a:endParaRPr lang="ko-KR" altLang="en-US" sz="1000"/>
+                    </a:p>
+                  </a:txBody>
+                  <a:tcPr anchor="ctr">
+                    <a:lnL w="3175" cap="flat" cmpd="sng" algn="ctr">
+                      <a:solidFill>
+                        <a:schemeClr val="dk1"/>
+                      </a:solidFill>
+                      <a:prstDash val="solid"/>
+                      <a:round/>
+                      <a:headEnd w="med" len="med"/>
+                      <a:tailEnd w="med" len="med"/>
+                    </a:lnL>
+                    <a:lnR w="3175" cap="flat" cmpd="sng" algn="ctr">
+                      <a:solidFill>
+                        <a:schemeClr val="dk1"/>
+                      </a:solidFill>
+                      <a:prstDash val="solid"/>
+                      <a:round/>
+                      <a:headEnd w="med" len="med"/>
+                      <a:tailEnd w="med" len="med"/>
+                    </a:lnR>
+                    <a:lnT w="3175" cap="flat" cmpd="sng" algn="ctr">
+                      <a:solidFill>
+                        <a:schemeClr val="dk1"/>
+                      </a:solidFill>
+                      <a:prstDash val="solid"/>
+                      <a:round/>
+                      <a:headEnd w="med" len="med"/>
+                      <a:tailEnd w="med" len="med"/>
+                    </a:lnT>
+                    <a:lnB w="3175" cap="flat" cmpd="sng" algn="ctr">
+                      <a:solidFill>
+                        <a:schemeClr val="dk1"/>
+                      </a:solidFill>
+                      <a:prstDash val="solid"/>
+                      <a:round/>
+                      <a:headEnd w="med" len="med"/>
+                      <a:tailEnd w="med" len="med"/>
+                    </a:lnB>
+                  </a:tcPr>
+                </a:tc>
+                <a:tc>
+                  <a:txBody>
+                    <a:bodyPr/>
+                    <a:lstStyle/>
+                    <a:p>
+                      <a:pPr algn="ctr">
+                        <a:defRPr/>
+                      </a:pPr>
+                      <a:endParaRPr lang="ko-KR" altLang="en-US" sz="1000"/>
+                    </a:p>
+                  </a:txBody>
+                  <a:tcPr anchor="ctr">
+                    <a:lnL w="3175" cap="flat" cmpd="sng" algn="ctr">
+                      <a:solidFill>
+                        <a:schemeClr val="dk1"/>
+                      </a:solidFill>
+                      <a:prstDash val="solid"/>
+                      <a:round/>
+                      <a:headEnd w="med" len="med"/>
+                      <a:tailEnd w="med" len="med"/>
+                    </a:lnL>
+                    <a:lnR w="3175" cap="flat" cmpd="sng" algn="ctr">
+                      <a:solidFill>
+                        <a:schemeClr val="dk1"/>
+                      </a:solidFill>
+                      <a:prstDash val="solid"/>
+                      <a:round/>
+                      <a:headEnd w="med" len="med"/>
+                      <a:tailEnd w="med" len="med"/>
+                    </a:lnR>
+                    <a:lnT w="3175" cap="flat" cmpd="sng" algn="ctr">
+                      <a:solidFill>
+                        <a:schemeClr val="dk1"/>
+                      </a:solidFill>
+                      <a:prstDash val="solid"/>
+                      <a:round/>
+                      <a:headEnd w="med" len="med"/>
+                      <a:tailEnd w="med" len="med"/>
+                    </a:lnT>
+                    <a:lnB w="3175" cap="flat" cmpd="sng" algn="ctr">
+                      <a:solidFill>
+                        <a:schemeClr val="dk1"/>
+                      </a:solidFill>
+                      <a:prstDash val="solid"/>
+                      <a:round/>
+                      <a:headEnd w="med" len="med"/>
+                      <a:tailEnd w="med" len="med"/>
+                    </a:lnB>
+                  </a:tcPr>
+                </a:tc>
+                <a:tc>
+                  <a:txBody>
+                    <a:bodyPr/>
+                    <a:lstStyle/>
+                    <a:p>
+                      <a:pPr algn="ctr">
+                        <a:defRPr/>
+                      </a:pPr>
+                      <a:endParaRPr lang="en-US" altLang="ko-KR" sz="1000"/>
+                    </a:p>
+                  </a:txBody>
+                  <a:tcPr anchor="ctr">
+                    <a:lnL w="3175" cap="flat" cmpd="sng" algn="ctr">
+                      <a:solidFill>
+                        <a:schemeClr val="dk1"/>
+                      </a:solidFill>
+                      <a:prstDash val="solid"/>
+                      <a:round/>
+                      <a:headEnd w="med" len="med"/>
+                      <a:tailEnd w="med" len="med"/>
+                    </a:lnL>
+                    <a:lnR w="3175" cap="flat" cmpd="sng" algn="ctr">
+                      <a:solidFill>
+                        <a:schemeClr val="dk1"/>
+                      </a:solidFill>
+                      <a:prstDash val="solid"/>
+                      <a:round/>
+                      <a:headEnd w="med" len="med"/>
+                      <a:tailEnd w="med" len="med"/>
+                    </a:lnR>
+                    <a:lnT w="3175" cap="flat" cmpd="sng" algn="ctr">
+                      <a:solidFill>
+                        <a:schemeClr val="dk1"/>
+                      </a:solidFill>
+                      <a:prstDash val="solid"/>
+                      <a:round/>
+                      <a:headEnd w="med" len="med"/>
+                      <a:tailEnd w="med" len="med"/>
+                    </a:lnT>
+                    <a:lnB w="3175" cap="flat" cmpd="sng" algn="ctr">
+                      <a:solidFill>
+                        <a:schemeClr val="dk1"/>
+                      </a:solidFill>
+                      <a:prstDash val="solid"/>
+                      <a:round/>
+                      <a:headEnd w="med" len="med"/>
+                      <a:tailEnd w="med" len="med"/>
+                    </a:lnB>
+                  </a:tcPr>
+                </a:tc>
+                <a:tc>
+                  <a:txBody>
+                    <a:bodyPr/>
+                    <a:lstStyle/>
+                    <a:p>
+                      <a:pPr algn="ctr">
+                        <a:defRPr/>
+                      </a:pPr>
+                      <a:endParaRPr lang="en-US" altLang="ko-KR" sz="1000"/>
+                    </a:p>
+                  </a:txBody>
+                  <a:tcPr anchor="ctr">
+                    <a:lnL w="3175" cap="flat" cmpd="sng" algn="ctr">
+                      <a:solidFill>
+                        <a:schemeClr val="dk1"/>
+                      </a:solidFill>
+                      <a:prstDash val="solid"/>
+                      <a:round/>
+                      <a:headEnd w="med" len="med"/>
+                      <a:tailEnd w="med" len="med"/>
+                    </a:lnL>
+                    <a:lnR w="3175" cap="flat" cmpd="sng" algn="ctr">
+                      <a:solidFill>
+                        <a:schemeClr val="dk1"/>
+                      </a:solidFill>
+                      <a:prstDash val="solid"/>
+                      <a:round/>
+                      <a:headEnd w="med" len="med"/>
+                      <a:tailEnd w="med" len="med"/>
+                    </a:lnR>
+                    <a:lnT w="3175" cap="flat" cmpd="sng" algn="ctr">
+                      <a:solidFill>
+                        <a:schemeClr val="dk1"/>
+                      </a:solidFill>
+                      <a:prstDash val="solid"/>
+                      <a:round/>
+                      <a:headEnd w="med" len="med"/>
+                      <a:tailEnd w="med" len="med"/>
+                    </a:lnT>
+                    <a:lnB w="3175" cap="flat" cmpd="sng" algn="ctr">
+                      <a:solidFill>
+                        <a:schemeClr val="dk1"/>
+                      </a:solidFill>
+                      <a:prstDash val="solid"/>
+                      <a:round/>
+                      <a:headEnd w="med" len="med"/>
+                      <a:tailEnd w="med" len="med"/>
+                    </a:lnB>
+                  </a:tcPr>
+                </a:tc>
+              </a:tr>
+              <a:tr h="614939">
+                <a:tc>
+                  <a:txBody>
+                    <a:bodyPr/>
+                    <a:lstStyle/>
+                    <a:p>
+                      <a:pPr algn="ctr">
+                        <a:defRPr/>
+                      </a:pPr>
+                      <a:r>
+                        <a:rPr lang="ko-KR" altLang="en-US" sz="1300"/>
+                        <a:t>메인화면</a:t>
+                      </a:r>
+                    </a:p>
+                  </a:txBody>
+                  <a:tcPr anchor="ctr">
+                    <a:lnL w="3175" cap="flat" cmpd="sng" algn="ctr">
+                      <a:solidFill>
+                        <a:schemeClr val="dk1"/>
+                      </a:solidFill>
+                      <a:prstDash val="solid"/>
+                      <a:round/>
+                      <a:headEnd w="med" len="med"/>
+                      <a:tailEnd w="med" len="med"/>
+                    </a:lnL>
+                    <a:lnR w="3175" cap="flat" cmpd="sng" algn="ctr">
+                      <a:solidFill>
+                        <a:schemeClr val="dk1"/>
+                      </a:solidFill>
+                      <a:prstDash val="solid"/>
+                      <a:round/>
+                      <a:headEnd w="med" len="med"/>
+                      <a:tailEnd w="med" len="med"/>
+                    </a:lnR>
+                    <a:lnT w="3175" cap="flat" cmpd="sng" algn="ctr">
+                      <a:solidFill>
+                        <a:schemeClr val="dk1"/>
+                      </a:solidFill>
+                      <a:prstDash val="solid"/>
+                      <a:round/>
+                      <a:headEnd w="med" len="med"/>
+                      <a:tailEnd w="med" len="med"/>
+                    </a:lnT>
+                    <a:lnB w="3175" cap="flat" cmpd="sng" algn="ctr">
+                      <a:solidFill>
+                        <a:schemeClr val="dk1"/>
+                      </a:solidFill>
+                      <a:prstDash val="solid"/>
+                      <a:round/>
+                      <a:headEnd w="med" len="med"/>
+                      <a:tailEnd w="med" len="med"/>
+                    </a:lnB>
+                  </a:tcPr>
+                </a:tc>
+                <a:tc>
+                  <a:txBody>
+                    <a:bodyPr/>
+                    <a:lstStyle/>
+                    <a:p>
+                      <a:pPr algn="ctr">
+                        <a:defRPr/>
+                      </a:pPr>
+                      <a:r>
+                        <a:rPr lang="en-US" altLang="ko-KR" sz="1300"/>
+                        <a:t>5/1</a:t>
+                      </a:r>
+                    </a:p>
+                  </a:txBody>
+                  <a:tcPr anchor="ctr">
+                    <a:lnL w="3175" cap="flat" cmpd="sng" algn="ctr">
+                      <a:solidFill>
+                        <a:schemeClr val="dk1"/>
+                      </a:solidFill>
+                      <a:prstDash val="solid"/>
+                      <a:round/>
+                      <a:headEnd w="med" len="med"/>
+                      <a:tailEnd w="med" len="med"/>
+                    </a:lnL>
+                    <a:lnR w="3175" cap="flat" cmpd="sng" algn="ctr">
+                      <a:solidFill>
+                        <a:schemeClr val="dk1"/>
+                      </a:solidFill>
+                      <a:prstDash val="solid"/>
+                      <a:round/>
+                      <a:headEnd w="med" len="med"/>
+                      <a:tailEnd w="med" len="med"/>
+                    </a:lnR>
+                    <a:lnT w="3175" cap="flat" cmpd="sng" algn="ctr">
+                      <a:solidFill>
+                        <a:schemeClr val="dk1"/>
+                      </a:solidFill>
+                      <a:prstDash val="solid"/>
+                      <a:round/>
+                      <a:headEnd w="med" len="med"/>
+                      <a:tailEnd w="med" len="med"/>
+                    </a:lnT>
+                    <a:lnB w="3175" cap="flat" cmpd="sng" algn="ctr">
+                      <a:solidFill>
+                        <a:schemeClr val="dk1"/>
+                      </a:solidFill>
+                      <a:prstDash val="solid"/>
+                      <a:round/>
+                      <a:headEnd w="med" len="med"/>
+                      <a:tailEnd w="med" len="med"/>
+                    </a:lnB>
+                  </a:tcPr>
+                </a:tc>
+                <a:tc>
+                  <a:txBody>
+                    <a:bodyPr/>
+                    <a:lstStyle/>
+                    <a:p>
+                      <a:pPr algn="ctr">
+                        <a:defRPr/>
+                      </a:pPr>
+                      <a:r>
+                        <a:rPr lang="en-US" altLang="ko-KR" sz="1300"/>
+                        <a:t>5/13</a:t>
+                      </a:r>
+                    </a:p>
+                  </a:txBody>
+                  <a:tcPr anchor="ctr">
+                    <a:lnL w="3175" cap="flat" cmpd="sng" algn="ctr">
+                      <a:solidFill>
+                        <a:schemeClr val="dk1"/>
+                      </a:solidFill>
+                      <a:prstDash val="solid"/>
+                      <a:round/>
+                      <a:headEnd w="med" len="med"/>
+                      <a:tailEnd w="med" len="med"/>
+                    </a:lnL>
+                    <a:lnR w="3175" cap="flat" cmpd="sng" algn="ctr">
+                      <a:solidFill>
+                        <a:schemeClr val="dk1"/>
+                      </a:solidFill>
+                      <a:prstDash val="solid"/>
+                      <a:round/>
+                      <a:headEnd w="med" len="med"/>
+                      <a:tailEnd w="med" len="med"/>
+                    </a:lnR>
+                    <a:lnT w="3175" cap="flat" cmpd="sng" algn="ctr">
+                      <a:solidFill>
+                        <a:schemeClr val="dk1"/>
+                      </a:solidFill>
+                      <a:prstDash val="solid"/>
+                      <a:round/>
+                      <a:headEnd w="med" len="med"/>
+                      <a:tailEnd w="med" len="med"/>
+                    </a:lnT>
+                    <a:lnB w="3175" cap="flat" cmpd="sng" algn="ctr">
+                      <a:solidFill>
+                        <a:schemeClr val="dk1"/>
+                      </a:solidFill>
+                      <a:prstDash val="solid"/>
+                      <a:round/>
+                      <a:headEnd w="med" len="med"/>
+                      <a:tailEnd w="med" len="med"/>
+                    </a:lnB>
+                  </a:tcPr>
+                </a:tc>
+                <a:tc>
+                  <a:txBody>
+                    <a:bodyPr/>
+                    <a:lstStyle/>
+                    <a:p>
+                      <a:pPr algn="ctr">
+                        <a:defRPr/>
+                      </a:pPr>
+                      <a:endParaRPr lang="en-US" altLang="ko-KR" sz="1000"/>
+                    </a:p>
+                  </a:txBody>
+                  <a:tcPr anchor="ctr">
+                    <a:lnL w="3175" cap="flat" cmpd="sng" algn="ctr">
+                      <a:solidFill>
+                        <a:schemeClr val="dk1"/>
+                      </a:solidFill>
+                      <a:prstDash val="solid"/>
+                      <a:round/>
+                      <a:headEnd w="med" len="med"/>
+                      <a:tailEnd w="med" len="med"/>
+                    </a:lnL>
+                    <a:lnR w="3175" cap="flat" cmpd="sng" algn="ctr">
+                      <a:solidFill>
+                        <a:schemeClr val="dk1"/>
+                      </a:solidFill>
+                      <a:prstDash val="solid"/>
+                      <a:round/>
+                      <a:headEnd w="med" len="med"/>
+                      <a:tailEnd w="med" len="med"/>
+                    </a:lnR>
+                    <a:lnT w="3175" cap="flat" cmpd="sng" algn="ctr">
+                      <a:solidFill>
+                        <a:schemeClr val="dk1"/>
+                      </a:solidFill>
+                      <a:prstDash val="solid"/>
+                      <a:round/>
+                      <a:headEnd w="med" len="med"/>
+                      <a:tailEnd w="med" len="med"/>
+                    </a:lnT>
+                    <a:lnB w="3175" cap="flat" cmpd="sng" algn="ctr">
+                      <a:solidFill>
+                        <a:schemeClr val="dk1"/>
+                      </a:solidFill>
+                      <a:prstDash val="solid"/>
+                      <a:round/>
+                      <a:headEnd w="med" len="med"/>
+                      <a:tailEnd w="med" len="med"/>
+                    </a:lnB>
+                  </a:tcPr>
+                </a:tc>
+                <a:tc>
+                  <a:txBody>
+                    <a:bodyPr/>
+                    <a:lstStyle/>
+                    <a:p>
+                      <a:pPr algn="ctr">
+                        <a:defRPr/>
+                      </a:pPr>
+                      <a:endParaRPr lang="en-US" altLang="ko-KR" sz="1000"/>
+                    </a:p>
+                  </a:txBody>
+                  <a:tcPr anchor="ctr">
+                    <a:lnL w="3175" cap="flat" cmpd="sng" algn="ctr">
+                      <a:solidFill>
+                        <a:schemeClr val="dk1"/>
+                      </a:solidFill>
+                      <a:prstDash val="solid"/>
+                      <a:round/>
+                      <a:headEnd w="med" len="med"/>
+                      <a:tailEnd w="med" len="med"/>
+                    </a:lnL>
+                    <a:lnR w="3175" cap="flat" cmpd="sng" algn="ctr">
+                      <a:solidFill>
+                        <a:schemeClr val="dk1"/>
+                      </a:solidFill>
+                      <a:prstDash val="solid"/>
+                      <a:round/>
+                      <a:headEnd w="med" len="med"/>
+                      <a:tailEnd w="med" len="med"/>
+                    </a:lnR>
+                    <a:lnT w="3175" cap="flat" cmpd="sng" algn="ctr">
+                      <a:solidFill>
+                        <a:schemeClr val="dk1"/>
+                      </a:solidFill>
+                      <a:prstDash val="solid"/>
+                      <a:round/>
+                      <a:headEnd w="med" len="med"/>
+                      <a:tailEnd w="med" len="med"/>
+                    </a:lnT>
+                    <a:lnB w="3175" cap="flat" cmpd="sng" algn="ctr">
+                      <a:solidFill>
+                        <a:schemeClr val="dk1"/>
+                      </a:solidFill>
+                      <a:prstDash val="solid"/>
+                      <a:round/>
+                      <a:headEnd w="med" len="med"/>
+                      <a:tailEnd w="med" len="med"/>
+                    </a:lnB>
+                  </a:tcPr>
+                </a:tc>
+                <a:tc>
+                  <a:txBody>
+                    <a:bodyPr/>
+                    <a:lstStyle/>
+                    <a:p>
+                      <a:pPr algn="ctr">
+                        <a:defRPr/>
+                      </a:pPr>
+                      <a:endParaRPr lang="en-US" altLang="ko-KR" sz="1000"/>
+                    </a:p>
+                  </a:txBody>
+                  <a:tcPr anchor="ctr">
+                    <a:lnL w="3175" cap="flat" cmpd="sng" algn="ctr">
+                      <a:solidFill>
+                        <a:schemeClr val="dk1"/>
+                      </a:solidFill>
+                      <a:prstDash val="solid"/>
+                      <a:round/>
+                      <a:headEnd w="med" len="med"/>
+                      <a:tailEnd w="med" len="med"/>
+                    </a:lnL>
+                    <a:lnR w="3175" cap="flat" cmpd="sng" algn="ctr">
+                      <a:solidFill>
+                        <a:schemeClr val="dk1"/>
+                      </a:solidFill>
+                      <a:prstDash val="solid"/>
+                      <a:round/>
+                      <a:headEnd w="med" len="med"/>
+                      <a:tailEnd w="med" len="med"/>
+                    </a:lnR>
+                    <a:lnT w="3175" cap="flat" cmpd="sng" algn="ctr">
+                      <a:solidFill>
+                        <a:schemeClr val="dk1"/>
+                      </a:solidFill>
+                      <a:prstDash val="solid"/>
+                      <a:round/>
+                      <a:headEnd w="med" len="med"/>
+                      <a:tailEnd w="med" len="med"/>
+                    </a:lnT>
+                    <a:lnB w="3175" cap="flat" cmpd="sng" algn="ctr">
+                      <a:solidFill>
+                        <a:schemeClr val="dk1"/>
+                      </a:solidFill>
+                      <a:prstDash val="solid"/>
+                      <a:round/>
+                      <a:headEnd w="med" len="med"/>
+                      <a:tailEnd w="med" len="med"/>
+                    </a:lnB>
+                  </a:tcPr>
+                </a:tc>
+                <a:tc>
+                  <a:txBody>
+                    <a:bodyPr/>
+                    <a:lstStyle/>
+                    <a:p>
+                      <a:pPr algn="ctr">
+                        <a:defRPr/>
+                      </a:pPr>
+                      <a:endParaRPr lang="en-US" altLang="ko-KR" sz="1000"/>
+                    </a:p>
+                  </a:txBody>
+                  <a:tcPr anchor="ctr">
+                    <a:lnL w="3175" cap="flat" cmpd="sng" algn="ctr">
+                      <a:solidFill>
+                        <a:schemeClr val="dk1"/>
+                      </a:solidFill>
+                      <a:prstDash val="solid"/>
+                      <a:round/>
+                      <a:headEnd w="med" len="med"/>
+                      <a:tailEnd w="med" len="med"/>
+                    </a:lnL>
+                    <a:lnR w="3175" cap="flat" cmpd="sng" algn="ctr">
+                      <a:solidFill>
+                        <a:schemeClr val="dk1"/>
+                      </a:solidFill>
+                      <a:prstDash val="solid"/>
+                      <a:round/>
+                      <a:headEnd w="med" len="med"/>
+                      <a:tailEnd w="med" len="med"/>
+                    </a:lnR>
+                    <a:lnT w="3175" cap="flat" cmpd="sng" algn="ctr">
+                      <a:solidFill>
+                        <a:schemeClr val="dk1"/>
+                      </a:solidFill>
+                      <a:prstDash val="solid"/>
+                      <a:round/>
+                      <a:headEnd w="med" len="med"/>
+                      <a:tailEnd w="med" len="med"/>
+                    </a:lnT>
+                    <a:lnB w="3175" cap="flat" cmpd="sng" algn="ctr">
+                      <a:solidFill>
+                        <a:schemeClr val="dk1"/>
+                      </a:solidFill>
+                      <a:prstDash val="solid"/>
+                      <a:round/>
+                      <a:headEnd w="med" len="med"/>
+                      <a:tailEnd w="med" len="med"/>
+                    </a:lnB>
+                  </a:tcPr>
+                </a:tc>
+                <a:tc>
+                  <a:txBody>
+                    <a:bodyPr/>
+                    <a:lstStyle/>
+                    <a:p>
+                      <a:pPr algn="ctr">
+                        <a:defRPr/>
+                      </a:pPr>
+                      <a:endParaRPr lang="en-US" altLang="ko-KR" sz="1000"/>
+                    </a:p>
+                  </a:txBody>
+                  <a:tcPr anchor="ctr">
+                    <a:lnL w="3175" cap="flat" cmpd="sng" algn="ctr">
+                      <a:solidFill>
+                        <a:schemeClr val="dk1"/>
+                      </a:solidFill>
+                      <a:prstDash val="solid"/>
+                      <a:round/>
+                      <a:headEnd w="med" len="med"/>
+                      <a:tailEnd w="med" len="med"/>
+                    </a:lnL>
+                    <a:lnR w="3175" cap="flat" cmpd="sng" algn="ctr">
+                      <a:solidFill>
+                        <a:schemeClr val="dk1"/>
+                      </a:solidFill>
+                      <a:prstDash val="solid"/>
+                      <a:round/>
+                      <a:headEnd w="med" len="med"/>
+                      <a:tailEnd w="med" len="med"/>
+                    </a:lnR>
+                    <a:lnT w="3175" cap="flat" cmpd="sng" algn="ctr">
+                      <a:solidFill>
+                        <a:schemeClr val="dk1"/>
+                      </a:solidFill>
+                      <a:prstDash val="solid"/>
+                      <a:round/>
+                      <a:headEnd w="med" len="med"/>
+                      <a:tailEnd w="med" len="med"/>
+                    </a:lnT>
+                    <a:lnB w="3175" cap="flat" cmpd="sng" algn="ctr">
+                      <a:solidFill>
+                        <a:schemeClr val="dk1"/>
+                      </a:solidFill>
+                      <a:prstDash val="solid"/>
+                      <a:round/>
+                      <a:headEnd w="med" len="med"/>
+                      <a:tailEnd w="med" len="med"/>
+                    </a:lnB>
+                  </a:tcPr>
+                </a:tc>
+                <a:tc>
+                  <a:txBody>
+                    <a:bodyPr/>
+                    <a:lstStyle/>
+                    <a:p>
+                      <a:pPr algn="ctr">
+                        <a:defRPr/>
+                      </a:pPr>
+                      <a:endParaRPr lang="en-US" altLang="ko-KR" sz="1000"/>
+                    </a:p>
+                  </a:txBody>
+                  <a:tcPr anchor="ctr">
+                    <a:lnL w="3175" cap="flat" cmpd="sng" algn="ctr">
+                      <a:solidFill>
+                        <a:schemeClr val="dk1"/>
+                      </a:solidFill>
+                      <a:prstDash val="solid"/>
+                      <a:round/>
+                      <a:headEnd w="med" len="med"/>
+                      <a:tailEnd w="med" len="med"/>
+                    </a:lnL>
+                    <a:lnR w="3175" cap="flat" cmpd="sng" algn="ctr">
+                      <a:solidFill>
+                        <a:schemeClr val="dk1"/>
+                      </a:solidFill>
+                      <a:prstDash val="solid"/>
+                      <a:round/>
+                      <a:headEnd w="med" len="med"/>
+                      <a:tailEnd w="med" len="med"/>
+                    </a:lnR>
+                    <a:lnT w="3175" cap="flat" cmpd="sng" algn="ctr">
+                      <a:solidFill>
+                        <a:schemeClr val="dk1"/>
+                      </a:solidFill>
+                      <a:prstDash val="solid"/>
+                      <a:round/>
+                      <a:headEnd w="med" len="med"/>
+                      <a:tailEnd w="med" len="med"/>
+                    </a:lnT>
+                    <a:lnB w="3175" cap="flat" cmpd="sng" algn="ctr">
+                      <a:solidFill>
+                        <a:schemeClr val="dk1"/>
+                      </a:solidFill>
+                      <a:prstDash val="solid"/>
+                      <a:round/>
+                      <a:headEnd w="med" len="med"/>
+                      <a:tailEnd w="med" len="med"/>
+                    </a:lnB>
+                  </a:tcPr>
+                </a:tc>
+                <a:tc>
+                  <a:txBody>
+                    <a:bodyPr/>
+                    <a:lstStyle/>
+                    <a:p>
+                      <a:pPr algn="ctr">
+                        <a:defRPr/>
+                      </a:pPr>
+                      <a:endParaRPr lang="en-US" altLang="ko-KR" sz="1000"/>
+                    </a:p>
+                  </a:txBody>
+                  <a:tcPr anchor="ctr">
+                    <a:lnL w="3175" cap="flat" cmpd="sng" algn="ctr">
+                      <a:solidFill>
+                        <a:schemeClr val="dk1"/>
+                      </a:solidFill>
+                      <a:prstDash val="solid"/>
+                      <a:round/>
+                      <a:headEnd w="med" len="med"/>
+                      <a:tailEnd w="med" len="med"/>
+                    </a:lnL>
+                    <a:lnR w="3175" cap="flat" cmpd="sng" algn="ctr">
+                      <a:solidFill>
+                        <a:schemeClr val="dk1"/>
+                      </a:solidFill>
+                      <a:prstDash val="solid"/>
+                      <a:round/>
+                      <a:headEnd w="med" len="med"/>
+                      <a:tailEnd w="med" len="med"/>
+                    </a:lnR>
+                    <a:lnT w="3175" cap="flat" cmpd="sng" algn="ctr">
+                      <a:solidFill>
+                        <a:schemeClr val="dk1"/>
+                      </a:solidFill>
+                      <a:prstDash val="solid"/>
+                      <a:round/>
+                      <a:headEnd w="med" len="med"/>
+                      <a:tailEnd w="med" len="med"/>
+                    </a:lnT>
+                    <a:lnB w="3175" cap="flat" cmpd="sng" algn="ctr">
+                      <a:solidFill>
+                        <a:schemeClr val="dk1"/>
+                      </a:solidFill>
+                      <a:prstDash val="solid"/>
+                      <a:round/>
+                      <a:headEnd w="med" len="med"/>
+                      <a:tailEnd w="med" len="med"/>
+                    </a:lnB>
+                  </a:tcPr>
+                </a:tc>
+              </a:tr>
+              <a:tr h="614938">
+                <a:tc>
+                  <a:txBody>
+                    <a:bodyPr/>
+                    <a:lstStyle/>
+                    <a:p>
+                      <a:pPr algn="ctr">
+                        <a:defRPr/>
+                      </a:pPr>
+                      <a:r>
+                        <a:rPr lang="ko-KR" altLang="en-US" sz="1300"/>
+                        <a:t>로그인 화면</a:t>
+                      </a:r>
+                    </a:p>
+                  </a:txBody>
+                  <a:tcPr anchor="ctr">
+                    <a:lnL w="3175" cap="flat" cmpd="sng" algn="ctr">
+                      <a:solidFill>
+                        <a:schemeClr val="dk1"/>
+                      </a:solidFill>
+                      <a:prstDash val="solid"/>
+                      <a:round/>
+                      <a:headEnd w="med" len="med"/>
+                      <a:tailEnd w="med" len="med"/>
+                    </a:lnL>
+                    <a:lnR w="3175" cap="flat" cmpd="sng" algn="ctr">
+                      <a:solidFill>
+                        <a:schemeClr val="dk1"/>
+                      </a:solidFill>
+                      <a:prstDash val="solid"/>
+                      <a:round/>
+                      <a:headEnd w="med" len="med"/>
+                      <a:tailEnd w="med" len="med"/>
+                    </a:lnR>
+                    <a:lnT w="3175" cap="flat" cmpd="sng" algn="ctr">
+                      <a:solidFill>
+                        <a:schemeClr val="dk1"/>
+                      </a:solidFill>
+                      <a:prstDash val="solid"/>
+                      <a:round/>
+                      <a:headEnd w="med" len="med"/>
+                      <a:tailEnd w="med" len="med"/>
+                    </a:lnT>
+                    <a:lnB w="3175" cap="flat" cmpd="sng" algn="ctr">
+                      <a:solidFill>
+                        <a:schemeClr val="dk1"/>
+                      </a:solidFill>
+                      <a:prstDash val="solid"/>
+                      <a:round/>
+                      <a:headEnd w="med" len="med"/>
+                      <a:tailEnd w="med" len="med"/>
+                    </a:lnB>
+                  </a:tcPr>
+                </a:tc>
+                <a:tc>
+                  <a:txBody>
+                    <a:bodyPr/>
+                    <a:lstStyle/>
+                    <a:p>
+                      <a:pPr algn="ctr">
+                        <a:defRPr/>
+                      </a:pPr>
+                      <a:r>
+                        <a:rPr lang="en-US" altLang="ko-KR" sz="1300"/>
+                        <a:t>5/13</a:t>
+                      </a:r>
+                    </a:p>
+                  </a:txBody>
+                  <a:tcPr anchor="ctr">
+                    <a:lnL w="3175" cap="flat" cmpd="sng" algn="ctr">
+                      <a:solidFill>
+                        <a:schemeClr val="dk1"/>
+                      </a:solidFill>
+                      <a:prstDash val="solid"/>
+                      <a:round/>
+                      <a:headEnd w="med" len="med"/>
+                      <a:tailEnd w="med" len="med"/>
+                    </a:lnL>
+                    <a:lnR w="3175" cap="flat" cmpd="sng" algn="ctr">
+                      <a:solidFill>
+                        <a:schemeClr val="dk1"/>
+                      </a:solidFill>
+                      <a:prstDash val="solid"/>
+                      <a:round/>
+                      <a:headEnd w="med" len="med"/>
+                      <a:tailEnd w="med" len="med"/>
+                    </a:lnR>
+                    <a:lnT w="3175" cap="flat" cmpd="sng" algn="ctr">
+                      <a:solidFill>
+                        <a:schemeClr val="dk1"/>
+                      </a:solidFill>
+                      <a:prstDash val="solid"/>
+                      <a:round/>
+                      <a:headEnd w="med" len="med"/>
+                      <a:tailEnd w="med" len="med"/>
+                    </a:lnT>
+                    <a:lnB w="3175" cap="flat" cmpd="sng" algn="ctr">
+                      <a:solidFill>
+                        <a:schemeClr val="dk1"/>
+                      </a:solidFill>
+                      <a:prstDash val="solid"/>
+                      <a:round/>
+                      <a:headEnd w="med" len="med"/>
+                      <a:tailEnd w="med" len="med"/>
+                    </a:lnB>
+                  </a:tcPr>
+                </a:tc>
+                <a:tc>
+                  <a:txBody>
+                    <a:bodyPr/>
+                    <a:lstStyle/>
+                    <a:p>
+                      <a:pPr algn="ctr">
+                        <a:defRPr/>
+                      </a:pPr>
+                      <a:r>
+                        <a:rPr lang="en-US" altLang="ko-KR" sz="1300"/>
+                        <a:t>5/20</a:t>
+                      </a:r>
+                    </a:p>
+                  </a:txBody>
+                  <a:tcPr anchor="ctr">
+                    <a:lnL w="3175" cap="flat" cmpd="sng" algn="ctr">
+                      <a:solidFill>
+                        <a:schemeClr val="dk1"/>
+                      </a:solidFill>
+                      <a:prstDash val="solid"/>
+                      <a:round/>
+                      <a:headEnd w="med" len="med"/>
+                      <a:tailEnd w="med" len="med"/>
+                    </a:lnL>
+                    <a:lnR w="3175" cap="flat" cmpd="sng" algn="ctr">
+                      <a:solidFill>
+                        <a:schemeClr val="dk1"/>
+                      </a:solidFill>
+                      <a:prstDash val="solid"/>
+                      <a:round/>
+                      <a:headEnd w="med" len="med"/>
+                      <a:tailEnd w="med" len="med"/>
+                    </a:lnR>
+                    <a:lnT w="3175" cap="flat" cmpd="sng" algn="ctr">
+                      <a:solidFill>
+                        <a:schemeClr val="dk1"/>
+                      </a:solidFill>
+                      <a:prstDash val="solid"/>
+                      <a:round/>
+                      <a:headEnd w="med" len="med"/>
+                      <a:tailEnd w="med" len="med"/>
+                    </a:lnT>
+                    <a:lnB w="3175" cap="flat" cmpd="sng" algn="ctr">
+                      <a:solidFill>
+                        <a:schemeClr val="dk1"/>
+                      </a:solidFill>
+                      <a:prstDash val="solid"/>
+                      <a:round/>
+                      <a:headEnd w="med" len="med"/>
+                      <a:tailEnd w="med" len="med"/>
+                    </a:lnB>
+                  </a:tcPr>
+                </a:tc>
+                <a:tc>
+                  <a:txBody>
+                    <a:bodyPr/>
+                    <a:lstStyle/>
+                    <a:p>
+                      <a:pPr algn="ctr">
+                        <a:defRPr/>
+                      </a:pPr>
+                      <a:endParaRPr lang="en-US" altLang="ko-KR" sz="1000"/>
+                    </a:p>
+                  </a:txBody>
+                  <a:tcPr marL="0" anchor="ctr">
+                    <a:lnL w="3175" cap="flat" cmpd="sng" algn="ctr">
+                      <a:solidFill>
+                        <a:schemeClr val="dk1"/>
+                      </a:solidFill>
+                      <a:prstDash val="solid"/>
+                      <a:round/>
+                      <a:headEnd w="med" len="med"/>
+                      <a:tailEnd w="med" len="med"/>
+                    </a:lnL>
+                    <a:lnR w="3175" cap="flat" cmpd="sng" algn="ctr">
+                      <a:solidFill>
+                        <a:schemeClr val="dk1"/>
+                      </a:solidFill>
+                      <a:prstDash val="solid"/>
+                      <a:round/>
+                      <a:headEnd w="med" len="med"/>
+                      <a:tailEnd w="med" len="med"/>
+                    </a:lnR>
+                    <a:lnT w="3175" cap="flat" cmpd="sng" algn="ctr">
+                      <a:solidFill>
+                        <a:schemeClr val="dk1"/>
+                      </a:solidFill>
+                      <a:prstDash val="solid"/>
+                      <a:round/>
+                      <a:headEnd w="med" len="med"/>
+                      <a:tailEnd w="med" len="med"/>
+                    </a:lnT>
+                    <a:lnB w="3175" cap="flat" cmpd="sng" algn="ctr">
+                      <a:solidFill>
+                        <a:schemeClr val="dk1"/>
+                      </a:solidFill>
+                      <a:prstDash val="solid"/>
+                      <a:round/>
+                      <a:headEnd w="med" len="med"/>
+                      <a:tailEnd w="med" len="med"/>
+                    </a:lnB>
+                  </a:tcPr>
+                </a:tc>
+                <a:tc>
+                  <a:txBody>
+                    <a:bodyPr/>
+                    <a:lstStyle/>
+                    <a:p>
+                      <a:pPr algn="ctr">
+                        <a:defRPr/>
+                      </a:pPr>
+                      <a:endParaRPr lang="en-US" altLang="ko-KR" sz="1000"/>
+                    </a:p>
+                  </a:txBody>
+                  <a:tcPr marL="0" anchor="ctr">
+                    <a:lnL w="3175" cap="flat" cmpd="sng" algn="ctr">
+                      <a:solidFill>
+                        <a:schemeClr val="dk1"/>
+                      </a:solidFill>
+                      <a:prstDash val="solid"/>
+                      <a:round/>
+                      <a:headEnd w="med" len="med"/>
+                      <a:tailEnd w="med" len="med"/>
+                    </a:lnL>
+                    <a:lnR w="3175" cap="flat" cmpd="sng" algn="ctr">
+                      <a:solidFill>
+                        <a:schemeClr val="dk1"/>
+                      </a:solidFill>
+                      <a:prstDash val="solid"/>
+                      <a:round/>
+                      <a:headEnd w="med" len="med"/>
+                      <a:tailEnd w="med" len="med"/>
+                    </a:lnR>
+                    <a:lnT w="3175" cap="flat" cmpd="sng" algn="ctr">
+                      <a:solidFill>
+                        <a:schemeClr val="dk1"/>
+                      </a:solidFill>
+                      <a:prstDash val="solid"/>
+                      <a:round/>
+                      <a:headEnd w="med" len="med"/>
+                      <a:tailEnd w="med" len="med"/>
+                    </a:lnT>
+                    <a:lnB w="3175" cap="flat" cmpd="sng" algn="ctr">
+                      <a:solidFill>
+                        <a:schemeClr val="dk1"/>
+                      </a:solidFill>
+                      <a:prstDash val="solid"/>
+                      <a:round/>
+                      <a:headEnd w="med" len="med"/>
+                      <a:tailEnd w="med" len="med"/>
+                    </a:lnB>
+                  </a:tcPr>
+                </a:tc>
+                <a:tc>
+                  <a:txBody>
+                    <a:bodyPr/>
+                    <a:lstStyle/>
+                    <a:p>
+                      <a:pPr algn="ctr">
+                        <a:defRPr/>
+                      </a:pPr>
+                      <a:endParaRPr lang="en-US" altLang="ko-KR" sz="1000"/>
+                    </a:p>
+                  </a:txBody>
+                  <a:tcPr anchor="ctr">
+                    <a:lnL w="3175" cap="flat" cmpd="sng" algn="ctr">
+                      <a:solidFill>
+                        <a:schemeClr val="dk1"/>
+                      </a:solidFill>
+                      <a:prstDash val="solid"/>
+                      <a:round/>
+                      <a:headEnd w="med" len="med"/>
+                      <a:tailEnd w="med" len="med"/>
+                    </a:lnL>
+                    <a:lnR w="3175" cap="flat" cmpd="sng" algn="ctr">
+                      <a:solidFill>
+                        <a:schemeClr val="dk1"/>
+                      </a:solidFill>
+                      <a:prstDash val="solid"/>
+                      <a:round/>
+                      <a:headEnd w="med" len="med"/>
+                      <a:tailEnd w="med" len="med"/>
+                    </a:lnR>
+                    <a:lnT w="3175" cap="flat" cmpd="sng" algn="ctr">
+                      <a:solidFill>
+                        <a:schemeClr val="dk1"/>
+                      </a:solidFill>
+                      <a:prstDash val="solid"/>
+                      <a:round/>
+                      <a:headEnd w="med" len="med"/>
+                      <a:tailEnd w="med" len="med"/>
+                    </a:lnT>
+                    <a:lnB w="3175" cap="flat" cmpd="sng" algn="ctr">
+                      <a:solidFill>
+                        <a:schemeClr val="dk1"/>
+                      </a:solidFill>
+                      <a:prstDash val="solid"/>
+                      <a:round/>
+                      <a:headEnd w="med" len="med"/>
+                      <a:tailEnd w="med" len="med"/>
+                    </a:lnB>
+                  </a:tcPr>
+                </a:tc>
+                <a:tc>
+                  <a:txBody>
+                    <a:bodyPr/>
+                    <a:lstStyle/>
+                    <a:p>
+                      <a:pPr algn="ctr">
+                        <a:defRPr/>
+                      </a:pPr>
+                      <a:endParaRPr lang="en-US" altLang="ko-KR" sz="1000"/>
+                    </a:p>
+                  </a:txBody>
+                  <a:tcPr anchor="ctr">
+                    <a:lnL w="3175" cap="flat" cmpd="sng" algn="ctr">
+                      <a:solidFill>
+                        <a:schemeClr val="dk1"/>
+                      </a:solidFill>
+                      <a:prstDash val="solid"/>
+                      <a:round/>
+                      <a:headEnd w="med" len="med"/>
+                      <a:tailEnd w="med" len="med"/>
+                    </a:lnL>
+                    <a:lnR w="3175" cap="flat" cmpd="sng" algn="ctr">
+                      <a:solidFill>
+                        <a:schemeClr val="dk1"/>
+                      </a:solidFill>
+                      <a:prstDash val="solid"/>
+                      <a:round/>
+                      <a:headEnd w="med" len="med"/>
+                      <a:tailEnd w="med" len="med"/>
+                    </a:lnR>
+                    <a:lnT w="3175" cap="flat" cmpd="sng" algn="ctr">
+                      <a:solidFill>
+                        <a:schemeClr val="dk1"/>
+                      </a:solidFill>
+                      <a:prstDash val="solid"/>
+                      <a:round/>
+                      <a:headEnd w="med" len="med"/>
+                      <a:tailEnd w="med" len="med"/>
+                    </a:lnT>
+                    <a:lnB w="3175" cap="flat" cmpd="sng" algn="ctr">
+                      <a:solidFill>
+                        <a:schemeClr val="dk1"/>
+                      </a:solidFill>
+                      <a:prstDash val="solid"/>
+                      <a:round/>
+                      <a:headEnd w="med" len="med"/>
+                      <a:tailEnd w="med" len="med"/>
+                    </a:lnB>
+                  </a:tcPr>
+                </a:tc>
+                <a:tc>
+                  <a:txBody>
+                    <a:bodyPr/>
+                    <a:lstStyle/>
+                    <a:p>
+                      <a:pPr algn="ctr">
+                        <a:defRPr/>
+                      </a:pPr>
+                      <a:endParaRPr lang="en-US" altLang="ko-KR" sz="1000"/>
+                    </a:p>
+                  </a:txBody>
+                  <a:tcPr anchor="ctr">
+                    <a:lnL w="3175" cap="flat" cmpd="sng" algn="ctr">
+                      <a:solidFill>
+                        <a:schemeClr val="dk1"/>
+                      </a:solidFill>
+                      <a:prstDash val="solid"/>
+                      <a:round/>
+                      <a:headEnd w="med" len="med"/>
+                      <a:tailEnd w="med" len="med"/>
+                    </a:lnL>
+                    <a:lnR w="3175" cap="flat" cmpd="sng" algn="ctr">
+                      <a:solidFill>
+                        <a:schemeClr val="dk1"/>
+                      </a:solidFill>
+                      <a:prstDash val="solid"/>
+                      <a:round/>
+                      <a:headEnd w="med" len="med"/>
+                      <a:tailEnd w="med" len="med"/>
+                    </a:lnR>
+                    <a:lnT w="3175" cap="flat" cmpd="sng" algn="ctr">
+                      <a:solidFill>
+                        <a:schemeClr val="dk1"/>
+                      </a:solidFill>
+                      <a:prstDash val="solid"/>
+                      <a:round/>
+                      <a:headEnd w="med" len="med"/>
+                      <a:tailEnd w="med" len="med"/>
+                    </a:lnT>
+                    <a:lnB w="3175" cap="flat" cmpd="sng" algn="ctr">
+                      <a:solidFill>
+                        <a:schemeClr val="dk1"/>
+                      </a:solidFill>
+                      <a:prstDash val="solid"/>
+                      <a:round/>
+                      <a:headEnd w="med" len="med"/>
+                      <a:tailEnd w="med" len="med"/>
+                    </a:lnB>
+                  </a:tcPr>
+                </a:tc>
+                <a:tc>
+                  <a:txBody>
+                    <a:bodyPr/>
+                    <a:lstStyle/>
+                    <a:p>
+                      <a:pPr algn="ctr">
+                        <a:defRPr/>
+                      </a:pPr>
+                      <a:endParaRPr lang="en-US" altLang="ko-KR" sz="1000"/>
+                    </a:p>
+                  </a:txBody>
+                  <a:tcPr anchor="ctr">
+                    <a:lnL w="3175" cap="flat" cmpd="sng" algn="ctr">
+                      <a:solidFill>
+                        <a:schemeClr val="dk1"/>
+                      </a:solidFill>
+                      <a:prstDash val="solid"/>
+                      <a:round/>
+                      <a:headEnd w="med" len="med"/>
+                      <a:tailEnd w="med" len="med"/>
+                    </a:lnL>
+                    <a:lnR w="3175" cap="flat" cmpd="sng" algn="ctr">
+                      <a:solidFill>
+                        <a:schemeClr val="dk1"/>
+                      </a:solidFill>
+                      <a:prstDash val="solid"/>
+                      <a:round/>
+                      <a:headEnd w="med" len="med"/>
+                      <a:tailEnd w="med" len="med"/>
+                    </a:lnR>
+                    <a:lnT w="3175" cap="flat" cmpd="sng" algn="ctr">
+                      <a:solidFill>
+                        <a:schemeClr val="dk1"/>
+                      </a:solidFill>
+                      <a:prstDash val="solid"/>
+                      <a:round/>
+                      <a:headEnd w="med" len="med"/>
+                      <a:tailEnd w="med" len="med"/>
+                    </a:lnT>
+                    <a:lnB w="3175" cap="flat" cmpd="sng" algn="ctr">
+                      <a:solidFill>
+                        <a:schemeClr val="dk1"/>
+                      </a:solidFill>
+                      <a:prstDash val="solid"/>
+                      <a:round/>
+                      <a:headEnd w="med" len="med"/>
+                      <a:tailEnd w="med" len="med"/>
+                    </a:lnB>
+                  </a:tcPr>
+                </a:tc>
+                <a:tc>
+                  <a:txBody>
+                    <a:bodyPr/>
+                    <a:lstStyle/>
+                    <a:p>
+                      <a:pPr algn="ctr">
+                        <a:defRPr/>
+                      </a:pPr>
+                      <a:endParaRPr lang="en-US" altLang="ko-KR" sz="1000"/>
+                    </a:p>
+                  </a:txBody>
+                  <a:tcPr anchor="ctr">
+                    <a:lnL w="3175" cap="flat" cmpd="sng" algn="ctr">
+                      <a:solidFill>
+                        <a:schemeClr val="dk1"/>
+                      </a:solidFill>
+                      <a:prstDash val="solid"/>
+                      <a:round/>
+                      <a:headEnd w="med" len="med"/>
+                      <a:tailEnd w="med" len="med"/>
+                    </a:lnL>
+                    <a:lnR w="3175" cap="flat" cmpd="sng" algn="ctr">
+                      <a:solidFill>
+                        <a:schemeClr val="dk1"/>
+                      </a:solidFill>
+                      <a:prstDash val="solid"/>
+                      <a:round/>
+                      <a:headEnd w="med" len="med"/>
+                      <a:tailEnd w="med" len="med"/>
+                    </a:lnR>
+                    <a:lnT w="3175" cap="flat" cmpd="sng" algn="ctr">
+                      <a:solidFill>
+                        <a:schemeClr val="dk1"/>
+                      </a:solidFill>
+                      <a:prstDash val="solid"/>
+                      <a:round/>
+                      <a:headEnd w="med" len="med"/>
+                      <a:tailEnd w="med" len="med"/>
+                    </a:lnT>
+                    <a:lnB w="3175" cap="flat" cmpd="sng" algn="ctr">
+                      <a:solidFill>
+                        <a:schemeClr val="dk1"/>
+                      </a:solidFill>
+                      <a:prstDash val="solid"/>
+                      <a:round/>
+                      <a:headEnd w="med" len="med"/>
+                      <a:tailEnd w="med" len="med"/>
+                    </a:lnB>
+                  </a:tcPr>
+                </a:tc>
+              </a:tr>
+              <a:tr h="614939">
+                <a:tc>
+                  <a:txBody>
+                    <a:bodyPr/>
+                    <a:lstStyle/>
+                    <a:p>
+                      <a:pPr algn="ctr">
+                        <a:defRPr/>
+                      </a:pPr>
+                      <a:r>
+                        <a:rPr lang="ko-KR" altLang="en-US" sz="1300"/>
+                        <a:t>회원가입</a:t>
+                      </a:r>
+                    </a:p>
+                  </a:txBody>
+                  <a:tcPr anchor="ctr">
+                    <a:lnL w="3175" cap="flat" cmpd="sng" algn="ctr">
+                      <a:solidFill>
+                        <a:schemeClr val="dk1"/>
+                      </a:solidFill>
+                      <a:prstDash val="solid"/>
+                      <a:round/>
+                      <a:headEnd w="med" len="med"/>
+                      <a:tailEnd w="med" len="med"/>
+                    </a:lnL>
+                    <a:lnR w="3175" cap="flat" cmpd="sng" algn="ctr">
+                      <a:solidFill>
+                        <a:schemeClr val="dk1"/>
+                      </a:solidFill>
+                      <a:prstDash val="solid"/>
+                      <a:round/>
+                      <a:headEnd w="med" len="med"/>
+                      <a:tailEnd w="med" len="med"/>
+                    </a:lnR>
+                    <a:lnT w="3175" cap="flat" cmpd="sng" algn="ctr">
+                      <a:solidFill>
+                        <a:schemeClr val="dk1"/>
+                      </a:solidFill>
+                      <a:prstDash val="solid"/>
+                      <a:round/>
+                      <a:headEnd w="med" len="med"/>
+                      <a:tailEnd w="med" len="med"/>
+                    </a:lnT>
+                    <a:lnB w="3175" cap="flat" cmpd="sng" algn="ctr">
+                      <a:solidFill>
+                        <a:schemeClr val="dk1"/>
+                      </a:solidFill>
+                      <a:prstDash val="solid"/>
+                      <a:round/>
+                      <a:headEnd w="med" len="med"/>
+                      <a:tailEnd w="med" len="med"/>
+                    </a:lnB>
+                  </a:tcPr>
+                </a:tc>
+                <a:tc>
+                  <a:txBody>
+                    <a:bodyPr/>
+                    <a:lstStyle/>
+                    <a:p>
+                      <a:pPr algn="ctr">
+                        <a:defRPr/>
+                      </a:pPr>
+                      <a:r>
+                        <a:rPr lang="en-US" altLang="ko-KR" sz="1300"/>
+                        <a:t>5/21</a:t>
+                      </a:r>
+                    </a:p>
+                  </a:txBody>
+                  <a:tcPr anchor="ctr">
+                    <a:lnL w="3175" cap="flat" cmpd="sng" algn="ctr">
+                      <a:solidFill>
+                        <a:schemeClr val="dk1"/>
+                      </a:solidFill>
+                      <a:prstDash val="solid"/>
+                      <a:round/>
+                      <a:headEnd w="med" len="med"/>
+                      <a:tailEnd w="med" len="med"/>
+                    </a:lnL>
+                    <a:lnR w="3175" cap="flat" cmpd="sng" algn="ctr">
+                      <a:solidFill>
+                        <a:schemeClr val="dk1"/>
+                      </a:solidFill>
+                      <a:prstDash val="solid"/>
+                      <a:round/>
+                      <a:headEnd w="med" len="med"/>
+                      <a:tailEnd w="med" len="med"/>
+                    </a:lnR>
+                    <a:lnT w="3175" cap="flat" cmpd="sng" algn="ctr">
+                      <a:solidFill>
+                        <a:schemeClr val="dk1"/>
+                      </a:solidFill>
+                      <a:prstDash val="solid"/>
+                      <a:round/>
+                      <a:headEnd w="med" len="med"/>
+                      <a:tailEnd w="med" len="med"/>
+                    </a:lnT>
+                    <a:lnB w="3175" cap="flat" cmpd="sng" algn="ctr">
+                      <a:solidFill>
+                        <a:schemeClr val="dk1"/>
+                      </a:solidFill>
+                      <a:prstDash val="solid"/>
+                      <a:round/>
+                      <a:headEnd w="med" len="med"/>
+                      <a:tailEnd w="med" len="med"/>
+                    </a:lnB>
+                  </a:tcPr>
+                </a:tc>
+                <a:tc>
+                  <a:txBody>
+                    <a:bodyPr/>
+                    <a:lstStyle/>
+                    <a:p>
+                      <a:pPr algn="ctr">
+                        <a:defRPr/>
+                      </a:pPr>
+                      <a:r>
+                        <a:rPr lang="en-US" altLang="ko-KR" sz="1300"/>
+                        <a:t>5/27</a:t>
+                      </a:r>
+                    </a:p>
+                  </a:txBody>
+                  <a:tcPr anchor="ctr">
+                    <a:lnL w="3175" cap="flat" cmpd="sng" algn="ctr">
+                      <a:solidFill>
+                        <a:schemeClr val="dk1"/>
+                      </a:solidFill>
+                      <a:prstDash val="solid"/>
+                      <a:round/>
+                      <a:headEnd w="med" len="med"/>
+                      <a:tailEnd w="med" len="med"/>
+                    </a:lnL>
+                    <a:lnR w="3175" cap="flat" cmpd="sng" algn="ctr">
+                      <a:solidFill>
+                        <a:schemeClr val="dk1"/>
+                      </a:solidFill>
+                      <a:prstDash val="solid"/>
+                      <a:round/>
+                      <a:headEnd w="med" len="med"/>
+                      <a:tailEnd w="med" len="med"/>
+                    </a:lnR>
+                    <a:lnT w="3175" cap="flat" cmpd="sng" algn="ctr">
+                      <a:solidFill>
+                        <a:schemeClr val="dk1"/>
+                      </a:solidFill>
+                      <a:prstDash val="solid"/>
+                      <a:round/>
+                      <a:headEnd w="med" len="med"/>
+                      <a:tailEnd w="med" len="med"/>
+                    </a:lnT>
+                    <a:lnB w="3175" cap="flat" cmpd="sng" algn="ctr">
+                      <a:solidFill>
+                        <a:schemeClr val="dk1"/>
+                      </a:solidFill>
+                      <a:prstDash val="solid"/>
+                      <a:round/>
+                      <a:headEnd w="med" len="med"/>
+                      <a:tailEnd w="med" len="med"/>
+                    </a:lnB>
+                  </a:tcPr>
+                </a:tc>
+                <a:tc>
+                  <a:txBody>
+                    <a:bodyPr/>
+                    <a:lstStyle/>
+                    <a:p>
+                      <a:pPr algn="ctr">
+                        <a:defRPr/>
+                      </a:pPr>
+                      <a:endParaRPr lang="ko-KR" altLang="en-US" sz="1000"/>
+                    </a:p>
+                  </a:txBody>
+                  <a:tcPr anchor="ctr">
+                    <a:lnL w="3175" cap="flat" cmpd="sng" algn="ctr">
+                      <a:solidFill>
+                        <a:schemeClr val="dk1"/>
+                      </a:solidFill>
+                      <a:prstDash val="solid"/>
+                      <a:round/>
+                      <a:headEnd w="med" len="med"/>
+                      <a:tailEnd w="med" len="med"/>
+                    </a:lnL>
+                    <a:lnR w="3175" cap="flat" cmpd="sng" algn="ctr">
+                      <a:solidFill>
+                        <a:schemeClr val="dk1"/>
+                      </a:solidFill>
+                      <a:prstDash val="solid"/>
+                      <a:round/>
+                      <a:headEnd w="med" len="med"/>
+                      <a:tailEnd w="med" len="med"/>
+                    </a:lnR>
+                    <a:lnT w="3175" cap="flat" cmpd="sng" algn="ctr">
+                      <a:solidFill>
+                        <a:schemeClr val="dk1"/>
+                      </a:solidFill>
+                      <a:prstDash val="solid"/>
+                      <a:round/>
+                      <a:headEnd w="med" len="med"/>
+                      <a:tailEnd w="med" len="med"/>
+                    </a:lnT>
+                    <a:lnB w="3175" cap="flat" cmpd="sng" algn="ctr">
+                      <a:solidFill>
+                        <a:schemeClr val="dk1"/>
+                      </a:solidFill>
+                      <a:prstDash val="solid"/>
+                      <a:round/>
+                      <a:headEnd w="med" len="med"/>
+                      <a:tailEnd w="med" len="med"/>
+                    </a:lnB>
+                  </a:tcPr>
+                </a:tc>
+                <a:tc>
+                  <a:txBody>
+                    <a:bodyPr/>
+                    <a:lstStyle/>
+                    <a:p>
+                      <a:pPr algn="ctr">
+                        <a:defRPr/>
+                      </a:pPr>
+                      <a:endParaRPr lang="ko-KR" altLang="en-US" sz="1000"/>
+                    </a:p>
+                  </a:txBody>
+                  <a:tcPr anchor="ctr">
+                    <a:lnL w="3175" cap="flat" cmpd="sng" algn="ctr">
+                      <a:solidFill>
+                        <a:schemeClr val="dk1"/>
+                      </a:solidFill>
+                      <a:prstDash val="solid"/>
+                      <a:round/>
+                      <a:headEnd w="med" len="med"/>
+                      <a:tailEnd w="med" len="med"/>
+                    </a:lnL>
+                    <a:lnR w="3175" cap="flat" cmpd="sng" algn="ctr">
+                      <a:solidFill>
+                        <a:schemeClr val="dk1"/>
+                      </a:solidFill>
+                      <a:prstDash val="solid"/>
+                      <a:round/>
+                      <a:headEnd w="med" len="med"/>
+                      <a:tailEnd w="med" len="med"/>
+                    </a:lnR>
+                    <a:lnT w="3175" cap="flat" cmpd="sng" algn="ctr">
+                      <a:solidFill>
+                        <a:schemeClr val="dk1"/>
+                      </a:solidFill>
+                      <a:prstDash val="solid"/>
+                      <a:round/>
+                      <a:headEnd w="med" len="med"/>
+                      <a:tailEnd w="med" len="med"/>
+                    </a:lnT>
+                    <a:lnB w="3175" cap="flat" cmpd="sng" algn="ctr">
+                      <a:solidFill>
+                        <a:schemeClr val="dk1"/>
+                      </a:solidFill>
+                      <a:prstDash val="solid"/>
+                      <a:round/>
+                      <a:headEnd w="med" len="med"/>
+                      <a:tailEnd w="med" len="med"/>
+                    </a:lnB>
+                  </a:tcPr>
+                </a:tc>
+                <a:tc>
+                  <a:txBody>
+                    <a:bodyPr/>
+                    <a:lstStyle/>
+                    <a:p>
+                      <a:pPr algn="ctr">
+                        <a:defRPr/>
+                      </a:pPr>
+                      <a:endParaRPr lang="ko-KR" altLang="en-US" sz="1000"/>
+                    </a:p>
+                  </a:txBody>
+                  <a:tcPr anchor="ctr">
+                    <a:lnL w="3175" cap="flat" cmpd="sng" algn="ctr">
+                      <a:solidFill>
+                        <a:schemeClr val="dk1"/>
+                      </a:solidFill>
+                      <a:prstDash val="solid"/>
+                      <a:round/>
+                      <a:headEnd w="med" len="med"/>
+                      <a:tailEnd w="med" len="med"/>
+                    </a:lnL>
+                    <a:lnR w="3175" cap="flat" cmpd="sng" algn="ctr">
+                      <a:solidFill>
+                        <a:schemeClr val="dk1"/>
+                      </a:solidFill>
+                      <a:prstDash val="solid"/>
+                      <a:round/>
+                      <a:headEnd w="med" len="med"/>
+                      <a:tailEnd w="med" len="med"/>
+                    </a:lnR>
+                    <a:lnT w="3175" cap="flat" cmpd="sng" algn="ctr">
+                      <a:solidFill>
+                        <a:schemeClr val="dk1"/>
+                      </a:solidFill>
+                      <a:prstDash val="solid"/>
+                      <a:round/>
+                      <a:headEnd w="med" len="med"/>
+                      <a:tailEnd w="med" len="med"/>
+                    </a:lnT>
+                    <a:lnB w="3175" cap="flat" cmpd="sng" algn="ctr">
+                      <a:solidFill>
+                        <a:schemeClr val="dk1"/>
+                      </a:solidFill>
+                      <a:prstDash val="solid"/>
+                      <a:round/>
+                      <a:headEnd w="med" len="med"/>
+                      <a:tailEnd w="med" len="med"/>
+                    </a:lnB>
+                  </a:tcPr>
+                </a:tc>
+                <a:tc>
+                  <a:txBody>
+                    <a:bodyPr/>
+                    <a:lstStyle/>
+                    <a:p>
+                      <a:pPr algn="ctr">
+                        <a:defRPr/>
+                      </a:pPr>
+                      <a:endParaRPr lang="ko-KR" altLang="en-US" sz="1000"/>
+                    </a:p>
+                  </a:txBody>
+                  <a:tcPr anchor="ctr">
+                    <a:lnL w="3175" cap="flat" cmpd="sng" algn="ctr">
+                      <a:solidFill>
+                        <a:schemeClr val="dk1"/>
+                      </a:solidFill>
+                      <a:prstDash val="solid"/>
+                      <a:round/>
+                      <a:headEnd w="med" len="med"/>
+                      <a:tailEnd w="med" len="med"/>
+                    </a:lnL>
+                    <a:lnR w="3175" cap="flat" cmpd="sng" algn="ctr">
+                      <a:solidFill>
+                        <a:schemeClr val="dk1"/>
+                      </a:solidFill>
+                      <a:prstDash val="solid"/>
+                      <a:round/>
+                      <a:headEnd w="med" len="med"/>
+                      <a:tailEnd w="med" len="med"/>
+                    </a:lnR>
+                    <a:lnT w="3175" cap="flat" cmpd="sng" algn="ctr">
+                      <a:solidFill>
+                        <a:schemeClr val="dk1"/>
+                      </a:solidFill>
+                      <a:prstDash val="solid"/>
+                      <a:round/>
+                      <a:headEnd w="med" len="med"/>
+                      <a:tailEnd w="med" len="med"/>
+                    </a:lnT>
+                    <a:lnB w="3175" cap="flat" cmpd="sng" algn="ctr">
+                      <a:solidFill>
+                        <a:schemeClr val="dk1"/>
+                      </a:solidFill>
+                      <a:prstDash val="solid"/>
+                      <a:round/>
+                      <a:headEnd w="med" len="med"/>
+                      <a:tailEnd w="med" len="med"/>
+                    </a:lnB>
+                  </a:tcPr>
+                </a:tc>
+                <a:tc>
+                  <a:txBody>
+                    <a:bodyPr/>
+                    <a:lstStyle/>
+                    <a:p>
+                      <a:pPr algn="ctr">
+                        <a:defRPr/>
+                      </a:pPr>
+                      <a:endParaRPr lang="ko-KR" altLang="en-US" sz="1000"/>
+                    </a:p>
+                  </a:txBody>
+                  <a:tcPr anchor="ctr">
+                    <a:lnL w="3175" cap="flat" cmpd="sng" algn="ctr">
+                      <a:solidFill>
+                        <a:schemeClr val="dk1"/>
+                      </a:solidFill>
+                      <a:prstDash val="solid"/>
+                      <a:round/>
+                      <a:headEnd w="med" len="med"/>
+                      <a:tailEnd w="med" len="med"/>
+                    </a:lnL>
+                    <a:lnR w="3175" cap="flat" cmpd="sng" algn="ctr">
+                      <a:solidFill>
+                        <a:schemeClr val="dk1"/>
+                      </a:solidFill>
+                      <a:prstDash val="solid"/>
+                      <a:round/>
+                      <a:headEnd w="med" len="med"/>
+                      <a:tailEnd w="med" len="med"/>
+                    </a:lnR>
+                    <a:lnT w="3175" cap="flat" cmpd="sng" algn="ctr">
+                      <a:solidFill>
+                        <a:schemeClr val="dk1"/>
+                      </a:solidFill>
+                      <a:prstDash val="solid"/>
+                      <a:round/>
+                      <a:headEnd w="med" len="med"/>
+                      <a:tailEnd w="med" len="med"/>
+                    </a:lnT>
+                    <a:lnB w="3175" cap="flat" cmpd="sng" algn="ctr">
+                      <a:solidFill>
+                        <a:schemeClr val="dk1"/>
+                      </a:solidFill>
+                      <a:prstDash val="solid"/>
+                      <a:round/>
+                      <a:headEnd w="med" len="med"/>
+                      <a:tailEnd w="med" len="med"/>
+                    </a:lnB>
+                  </a:tcPr>
+                </a:tc>
+                <a:tc>
+                  <a:txBody>
+                    <a:bodyPr/>
+                    <a:lstStyle/>
+                    <a:p>
+                      <a:pPr algn="ctr">
+                        <a:defRPr/>
+                      </a:pPr>
+                      <a:endParaRPr lang="ko-KR" altLang="en-US" sz="1000"/>
+                    </a:p>
+                  </a:txBody>
+                  <a:tcPr anchor="ctr">
+                    <a:lnL w="3175" cap="flat" cmpd="sng" algn="ctr">
+                      <a:solidFill>
+                        <a:schemeClr val="dk1"/>
+                      </a:solidFill>
+                      <a:prstDash val="solid"/>
+                      <a:round/>
+                      <a:headEnd w="med" len="med"/>
+                      <a:tailEnd w="med" len="med"/>
+                    </a:lnL>
+                    <a:lnR w="3175" cap="flat" cmpd="sng" algn="ctr">
+                      <a:solidFill>
+                        <a:schemeClr val="dk1"/>
+                      </a:solidFill>
+                      <a:prstDash val="solid"/>
+                      <a:round/>
+                      <a:headEnd w="med" len="med"/>
+                      <a:tailEnd w="med" len="med"/>
+                    </a:lnR>
+                    <a:lnT w="3175" cap="flat" cmpd="sng" algn="ctr">
+                      <a:solidFill>
+                        <a:schemeClr val="dk1"/>
+                      </a:solidFill>
+                      <a:prstDash val="solid"/>
+                      <a:round/>
+                      <a:headEnd w="med" len="med"/>
+                      <a:tailEnd w="med" len="med"/>
+                    </a:lnT>
+                    <a:lnB w="3175" cap="flat" cmpd="sng" algn="ctr">
+                      <a:solidFill>
+                        <a:schemeClr val="dk1"/>
+                      </a:solidFill>
+                      <a:prstDash val="solid"/>
+                      <a:round/>
+                      <a:headEnd w="med" len="med"/>
+                      <a:tailEnd w="med" len="med"/>
+                    </a:lnB>
+                  </a:tcPr>
+                </a:tc>
+                <a:tc>
+                  <a:txBody>
+                    <a:bodyPr/>
+                    <a:lstStyle/>
+                    <a:p>
+                      <a:pPr algn="ctr">
+                        <a:defRPr/>
+                      </a:pPr>
+                      <a:endParaRPr lang="ko-KR" altLang="en-US" sz="1000"/>
+                    </a:p>
+                  </a:txBody>
+                  <a:tcPr anchor="ctr">
+                    <a:lnL w="3175" cap="flat" cmpd="sng" algn="ctr">
+                      <a:solidFill>
+                        <a:schemeClr val="dk1"/>
+                      </a:solidFill>
+                      <a:prstDash val="solid"/>
+                      <a:round/>
+                      <a:headEnd w="med" len="med"/>
+                      <a:tailEnd w="med" len="med"/>
+                    </a:lnL>
+                    <a:lnR w="3175" cap="flat" cmpd="sng" algn="ctr">
+                      <a:solidFill>
+                        <a:schemeClr val="dk1"/>
+                      </a:solidFill>
+                      <a:prstDash val="solid"/>
+                      <a:round/>
+                      <a:headEnd w="med" len="med"/>
+                      <a:tailEnd w="med" len="med"/>
+                    </a:lnR>
+                    <a:lnT w="3175" cap="flat" cmpd="sng" algn="ctr">
+                      <a:solidFill>
+                        <a:schemeClr val="dk1"/>
+                      </a:solidFill>
+                      <a:prstDash val="solid"/>
+                      <a:round/>
+                      <a:headEnd w="med" len="med"/>
+                      <a:tailEnd w="med" len="med"/>
+                    </a:lnT>
+                    <a:lnB w="3175" cap="flat" cmpd="sng" algn="ctr">
+                      <a:solidFill>
+                        <a:schemeClr val="dk1"/>
+                      </a:solidFill>
+                      <a:prstDash val="solid"/>
+                      <a:round/>
+                      <a:headEnd w="med" len="med"/>
+                      <a:tailEnd w="med" len="med"/>
+                    </a:lnB>
+                  </a:tcPr>
+                </a:tc>
+              </a:tr>
+              <a:tr h="614939">
+                <a:tc>
+                  <a:txBody>
+                    <a:bodyPr/>
+                    <a:lstStyle/>
+                    <a:p>
+                      <a:pPr algn="ctr">
+                        <a:defRPr/>
+                      </a:pPr>
+                      <a:r>
+                        <a:rPr lang="ko-KR" altLang="en-US" sz="1300"/>
+                        <a:t>계좌이체</a:t>
+                      </a:r>
+                    </a:p>
+                    <a:p>
+                      <a:pPr algn="ctr">
+                        <a:defRPr/>
+                      </a:pPr>
+                      <a:r>
+                        <a:rPr lang="ko-KR" altLang="en-US" sz="1300"/>
+                        <a:t>구현</a:t>
+                      </a:r>
+                    </a:p>
+                  </a:txBody>
+                  <a:tcPr anchor="ctr">
+                    <a:lnL w="3175" cap="flat" cmpd="sng" algn="ctr">
+                      <a:solidFill>
+                        <a:schemeClr val="dk1"/>
+                      </a:solidFill>
+                      <a:prstDash val="solid"/>
+                      <a:round/>
+                      <a:headEnd w="med" len="med"/>
+                      <a:tailEnd w="med" len="med"/>
+                    </a:lnL>
+                    <a:lnR w="3175" cap="flat" cmpd="sng" algn="ctr">
+                      <a:solidFill>
+                        <a:schemeClr val="dk1"/>
+                      </a:solidFill>
+                      <a:prstDash val="solid"/>
+                      <a:round/>
+                      <a:headEnd w="med" len="med"/>
+                      <a:tailEnd w="med" len="med"/>
+                    </a:lnR>
+                    <a:lnT w="3175" cap="flat" cmpd="sng" algn="ctr">
+                      <a:solidFill>
+                        <a:schemeClr val="dk1"/>
+                      </a:solidFill>
+                      <a:prstDash val="solid"/>
+                      <a:round/>
+                      <a:headEnd w="med" len="med"/>
+                      <a:tailEnd w="med" len="med"/>
+                    </a:lnT>
+                    <a:lnB w="3175" cap="flat" cmpd="sng" algn="ctr">
+                      <a:solidFill>
+                        <a:schemeClr val="dk1"/>
+                      </a:solidFill>
+                      <a:prstDash val="solid"/>
+                      <a:round/>
+                      <a:headEnd w="med" len="med"/>
+                      <a:tailEnd w="med" len="med"/>
+                    </a:lnB>
+                  </a:tcPr>
+                </a:tc>
+                <a:tc>
+                  <a:txBody>
+                    <a:bodyPr/>
+                    <a:lstStyle/>
+                    <a:p>
+                      <a:pPr algn="ctr">
+                        <a:defRPr/>
+                      </a:pPr>
+                      <a:r>
+                        <a:rPr lang="en-US" altLang="ko-KR" sz="1300"/>
+                        <a:t>5/28</a:t>
+                      </a:r>
+                    </a:p>
+                  </a:txBody>
+                  <a:tcPr anchor="ctr">
+                    <a:lnL w="3175" cap="flat" cmpd="sng" algn="ctr">
+                      <a:solidFill>
+                        <a:schemeClr val="dk1"/>
+                      </a:solidFill>
+                      <a:prstDash val="solid"/>
+                      <a:round/>
+                      <a:headEnd w="med" len="med"/>
+                      <a:tailEnd w="med" len="med"/>
+                    </a:lnL>
+                    <a:lnR w="3175" cap="flat" cmpd="sng" algn="ctr">
+                      <a:solidFill>
+                        <a:schemeClr val="dk1"/>
+                      </a:solidFill>
+                      <a:prstDash val="solid"/>
+                      <a:round/>
+                      <a:headEnd w="med" len="med"/>
+                      <a:tailEnd w="med" len="med"/>
+                    </a:lnR>
+                    <a:lnT w="3175" cap="flat" cmpd="sng" algn="ctr">
+                      <a:solidFill>
+                        <a:schemeClr val="dk1"/>
+                      </a:solidFill>
+                      <a:prstDash val="solid"/>
+                      <a:round/>
+                      <a:headEnd w="med" len="med"/>
+                      <a:tailEnd w="med" len="med"/>
+                    </a:lnT>
+                    <a:lnB w="3175" cap="flat" cmpd="sng" algn="ctr">
+                      <a:solidFill>
+                        <a:schemeClr val="dk1"/>
+                      </a:solidFill>
+                      <a:prstDash val="solid"/>
+                      <a:round/>
+                      <a:headEnd w="med" len="med"/>
+                      <a:tailEnd w="med" len="med"/>
+                    </a:lnB>
+                  </a:tcPr>
+                </a:tc>
+                <a:tc>
+                  <a:txBody>
+                    <a:bodyPr/>
+                    <a:lstStyle/>
+                    <a:p>
+                      <a:pPr algn="ctr">
+                        <a:defRPr/>
+                      </a:pPr>
+                      <a:r>
+                        <a:rPr lang="en-US" altLang="ko-KR" sz="1300"/>
+                        <a:t>6/17</a:t>
+                      </a:r>
+                    </a:p>
+                  </a:txBody>
+                  <a:tcPr anchor="ctr">
+                    <a:lnL w="3175" cap="flat" cmpd="sng" algn="ctr">
+                      <a:solidFill>
+                        <a:schemeClr val="dk1"/>
+                      </a:solidFill>
+                      <a:prstDash val="solid"/>
+                      <a:round/>
+                      <a:headEnd w="med" len="med"/>
+                      <a:tailEnd w="med" len="med"/>
+                    </a:lnL>
+                    <a:lnR w="3175" cap="flat" cmpd="sng" algn="ctr">
+                      <a:solidFill>
+                        <a:schemeClr val="dk1"/>
+                      </a:solidFill>
+                      <a:prstDash val="solid"/>
+                      <a:round/>
+                      <a:headEnd w="med" len="med"/>
+                      <a:tailEnd w="med" len="med"/>
+                    </a:lnR>
+                    <a:lnT w="3175" cap="flat" cmpd="sng" algn="ctr">
+                      <a:solidFill>
+                        <a:schemeClr val="dk1"/>
+                      </a:solidFill>
+                      <a:prstDash val="solid"/>
+                      <a:round/>
+                      <a:headEnd w="med" len="med"/>
+                      <a:tailEnd w="med" len="med"/>
+                    </a:lnT>
+                    <a:lnB w="3175" cap="flat" cmpd="sng" algn="ctr">
+                      <a:solidFill>
+                        <a:schemeClr val="dk1"/>
+                      </a:solidFill>
+                      <a:prstDash val="solid"/>
+                      <a:round/>
+                      <a:headEnd w="med" len="med"/>
+                      <a:tailEnd w="med" len="med"/>
+                    </a:lnB>
+                  </a:tcPr>
+                </a:tc>
+                <a:tc>
+                  <a:txBody>
+                    <a:bodyPr/>
+                    <a:lstStyle/>
+                    <a:p>
+                      <a:pPr algn="ctr">
+                        <a:defRPr/>
+                      </a:pPr>
+                      <a:endParaRPr lang="ko-KR" altLang="en-US" sz="1000"/>
+                    </a:p>
+                  </a:txBody>
+                  <a:tcPr anchor="ctr">
+                    <a:lnL w="3175" cap="flat" cmpd="sng" algn="ctr">
+                      <a:solidFill>
+                        <a:schemeClr val="dk1"/>
+                      </a:solidFill>
+                      <a:prstDash val="solid"/>
+                      <a:round/>
+                      <a:headEnd w="med" len="med"/>
+                      <a:tailEnd w="med" len="med"/>
+                    </a:lnL>
+                    <a:lnR w="3175" cap="flat" cmpd="sng" algn="ctr">
+                      <a:solidFill>
+                        <a:schemeClr val="dk1"/>
+                      </a:solidFill>
+                      <a:prstDash val="solid"/>
+                      <a:round/>
+                      <a:headEnd w="med" len="med"/>
+                      <a:tailEnd w="med" len="med"/>
+                    </a:lnR>
+                    <a:lnT w="3175" cap="flat" cmpd="sng" algn="ctr">
+                      <a:solidFill>
+                        <a:schemeClr val="dk1"/>
+                      </a:solidFill>
+                      <a:prstDash val="solid"/>
+                      <a:round/>
+                      <a:headEnd w="med" len="med"/>
+                      <a:tailEnd w="med" len="med"/>
+                    </a:lnT>
+                    <a:lnB w="3175" cap="flat" cmpd="sng" algn="ctr">
+                      <a:solidFill>
+                        <a:schemeClr val="dk1"/>
+                      </a:solidFill>
+                      <a:prstDash val="solid"/>
+                      <a:round/>
+                      <a:headEnd w="med" len="med"/>
+                      <a:tailEnd w="med" len="med"/>
+                    </a:lnB>
+                  </a:tcPr>
+                </a:tc>
+                <a:tc>
+                  <a:txBody>
+                    <a:bodyPr/>
+                    <a:lstStyle/>
+                    <a:p>
+                      <a:pPr algn="ctr">
+                        <a:defRPr/>
+                      </a:pPr>
+                      <a:endParaRPr lang="ko-KR" altLang="en-US" sz="1000"/>
+                    </a:p>
+                  </a:txBody>
+                  <a:tcPr anchor="ctr">
+                    <a:lnL w="3175" cap="flat" cmpd="sng" algn="ctr">
+                      <a:solidFill>
+                        <a:schemeClr val="dk1"/>
+                      </a:solidFill>
+                      <a:prstDash val="solid"/>
+                      <a:round/>
+                      <a:headEnd w="med" len="med"/>
+                      <a:tailEnd w="med" len="med"/>
+                    </a:lnL>
+                    <a:lnR w="3175" cap="flat" cmpd="sng" algn="ctr">
+                      <a:solidFill>
+                        <a:schemeClr val="dk1"/>
+                      </a:solidFill>
+                      <a:prstDash val="solid"/>
+                      <a:round/>
+                      <a:headEnd w="med" len="med"/>
+                      <a:tailEnd w="med" len="med"/>
+                    </a:lnR>
+                    <a:lnT w="3175" cap="flat" cmpd="sng" algn="ctr">
+                      <a:solidFill>
+                        <a:schemeClr val="dk1"/>
+                      </a:solidFill>
+                      <a:prstDash val="solid"/>
+                      <a:round/>
+                      <a:headEnd w="med" len="med"/>
+                      <a:tailEnd w="med" len="med"/>
+                    </a:lnT>
+                    <a:lnB w="3175" cap="flat" cmpd="sng" algn="ctr">
+                      <a:solidFill>
+                        <a:schemeClr val="dk1"/>
+                      </a:solidFill>
+                      <a:prstDash val="solid"/>
+                      <a:round/>
+                      <a:headEnd w="med" len="med"/>
+                      <a:tailEnd w="med" len="med"/>
+                    </a:lnB>
+                  </a:tcPr>
+                </a:tc>
+                <a:tc>
+                  <a:txBody>
+                    <a:bodyPr/>
+                    <a:lstStyle/>
+                    <a:p>
+                      <a:pPr algn="ctr">
+                        <a:defRPr/>
+                      </a:pPr>
+                      <a:endParaRPr lang="ko-KR" altLang="en-US" sz="1000"/>
+                    </a:p>
+                  </a:txBody>
+                  <a:tcPr anchor="ctr">
+                    <a:lnL w="3175" cap="flat" cmpd="sng" algn="ctr">
+                      <a:solidFill>
+                        <a:schemeClr val="dk1"/>
+                      </a:solidFill>
+                      <a:prstDash val="solid"/>
+                      <a:round/>
+                      <a:headEnd w="med" len="med"/>
+                      <a:tailEnd w="med" len="med"/>
+                    </a:lnL>
+                    <a:lnR w="3175" cap="flat" cmpd="sng" algn="ctr">
+                      <a:solidFill>
+                        <a:schemeClr val="dk1"/>
+                      </a:solidFill>
+                      <a:prstDash val="solid"/>
+                      <a:round/>
+                      <a:headEnd w="med" len="med"/>
+                      <a:tailEnd w="med" len="med"/>
+                    </a:lnR>
+                    <a:lnT w="3175" cap="flat" cmpd="sng" algn="ctr">
+                      <a:solidFill>
+                        <a:schemeClr val="dk1"/>
+                      </a:solidFill>
+                      <a:prstDash val="solid"/>
+                      <a:round/>
+                      <a:headEnd w="med" len="med"/>
+                      <a:tailEnd w="med" len="med"/>
+                    </a:lnT>
+                    <a:lnB w="3175" cap="flat" cmpd="sng" algn="ctr">
+                      <a:solidFill>
+                        <a:schemeClr val="dk1"/>
+                      </a:solidFill>
+                      <a:prstDash val="solid"/>
+                      <a:round/>
+                      <a:headEnd w="med" len="med"/>
+                      <a:tailEnd w="med" len="med"/>
+                    </a:lnB>
+                  </a:tcPr>
+                </a:tc>
+                <a:tc>
+                  <a:txBody>
+                    <a:bodyPr/>
+                    <a:lstStyle/>
+                    <a:p>
+                      <a:pPr algn="ctr">
+                        <a:defRPr/>
+                      </a:pPr>
+                      <a:endParaRPr lang="ko-KR" altLang="en-US" sz="1000"/>
+                    </a:p>
+                  </a:txBody>
+                  <a:tcPr anchor="ctr">
+                    <a:lnL w="3175" cap="flat" cmpd="sng" algn="ctr">
+                      <a:solidFill>
+                        <a:schemeClr val="dk1"/>
+                      </a:solidFill>
+                      <a:prstDash val="solid"/>
+                      <a:round/>
+                      <a:headEnd w="med" len="med"/>
+                      <a:tailEnd w="med" len="med"/>
+                    </a:lnL>
+                    <a:lnR w="3175" cap="flat" cmpd="sng" algn="ctr">
+                      <a:solidFill>
+                        <a:schemeClr val="dk1"/>
+                      </a:solidFill>
+                      <a:prstDash val="solid"/>
+                      <a:round/>
+                      <a:headEnd w="med" len="med"/>
+                      <a:tailEnd w="med" len="med"/>
+                    </a:lnR>
+                    <a:lnT w="3175" cap="flat" cmpd="sng" algn="ctr">
+                      <a:solidFill>
+                        <a:schemeClr val="dk1"/>
+                      </a:solidFill>
+                      <a:prstDash val="solid"/>
+                      <a:round/>
+                      <a:headEnd w="med" len="med"/>
+                      <a:tailEnd w="med" len="med"/>
+                    </a:lnT>
+                    <a:lnB w="3175" cap="flat" cmpd="sng" algn="ctr">
+                      <a:solidFill>
+                        <a:schemeClr val="dk1"/>
+                      </a:solidFill>
+                      <a:prstDash val="solid"/>
+                      <a:round/>
+                      <a:headEnd w="med" len="med"/>
+                      <a:tailEnd w="med" len="med"/>
+                    </a:lnB>
+                  </a:tcPr>
+                </a:tc>
+                <a:tc>
+                  <a:txBody>
+                    <a:bodyPr/>
+                    <a:lstStyle/>
+                    <a:p>
+                      <a:pPr algn="ctr">
+                        <a:defRPr/>
+                      </a:pPr>
+                      <a:endParaRPr lang="ko-KR" altLang="en-US" sz="1000"/>
+                    </a:p>
+                  </a:txBody>
+                  <a:tcPr anchor="ctr">
+                    <a:lnL w="3175" cap="flat" cmpd="sng" algn="ctr">
+                      <a:solidFill>
+                        <a:schemeClr val="dk1"/>
+                      </a:solidFill>
+                      <a:prstDash val="solid"/>
+                      <a:round/>
+                      <a:headEnd w="med" len="med"/>
+                      <a:tailEnd w="med" len="med"/>
+                    </a:lnL>
+                    <a:lnR w="3175" cap="flat" cmpd="sng" algn="ctr">
+                      <a:solidFill>
+                        <a:schemeClr val="dk1"/>
+                      </a:solidFill>
+                      <a:prstDash val="solid"/>
+                      <a:round/>
+                      <a:headEnd w="med" len="med"/>
+                      <a:tailEnd w="med" len="med"/>
+                    </a:lnR>
+                    <a:lnT w="3175" cap="flat" cmpd="sng" algn="ctr">
+                      <a:solidFill>
+                        <a:schemeClr val="dk1"/>
+                      </a:solidFill>
+                      <a:prstDash val="solid"/>
+                      <a:round/>
+                      <a:headEnd w="med" len="med"/>
+                      <a:tailEnd w="med" len="med"/>
+                    </a:lnT>
+                    <a:lnB w="3175" cap="flat" cmpd="sng" algn="ctr">
+                      <a:solidFill>
+                        <a:schemeClr val="dk1"/>
+                      </a:solidFill>
+                      <a:prstDash val="solid"/>
+                      <a:round/>
+                      <a:headEnd w="med" len="med"/>
+                      <a:tailEnd w="med" len="med"/>
+                    </a:lnB>
+                  </a:tcPr>
+                </a:tc>
+                <a:tc>
+                  <a:txBody>
+                    <a:bodyPr/>
+                    <a:lstStyle/>
+                    <a:p>
+                      <a:pPr algn="ctr">
+                        <a:defRPr/>
+                      </a:pPr>
+                      <a:endParaRPr lang="ko-KR" altLang="en-US" sz="1000"/>
+                    </a:p>
+                  </a:txBody>
+                  <a:tcPr anchor="ctr">
+                    <a:lnL w="3175" cap="flat" cmpd="sng" algn="ctr">
+                      <a:solidFill>
+                        <a:schemeClr val="dk1"/>
+                      </a:solidFill>
+                      <a:prstDash val="solid"/>
+                      <a:round/>
+                      <a:headEnd w="med" len="med"/>
+                      <a:tailEnd w="med" len="med"/>
+                    </a:lnL>
+                    <a:lnR w="3175" cap="flat" cmpd="sng" algn="ctr">
+                      <a:solidFill>
+                        <a:schemeClr val="dk1"/>
+                      </a:solidFill>
+                      <a:prstDash val="solid"/>
+                      <a:round/>
+                      <a:headEnd w="med" len="med"/>
+                      <a:tailEnd w="med" len="med"/>
+                    </a:lnR>
+                    <a:lnT w="3175" cap="flat" cmpd="sng" algn="ctr">
+                      <a:solidFill>
+                        <a:schemeClr val="dk1"/>
+                      </a:solidFill>
+                      <a:prstDash val="solid"/>
+                      <a:round/>
+                      <a:headEnd w="med" len="med"/>
+                      <a:tailEnd w="med" len="med"/>
+                    </a:lnT>
+                    <a:lnB w="3175" cap="flat" cmpd="sng" algn="ctr">
+                      <a:solidFill>
+                        <a:schemeClr val="dk1"/>
+                      </a:solidFill>
+                      <a:prstDash val="solid"/>
+                      <a:round/>
+                      <a:headEnd w="med" len="med"/>
+                      <a:tailEnd w="med" len="med"/>
+                    </a:lnB>
+                  </a:tcPr>
+                </a:tc>
+                <a:tc>
+                  <a:txBody>
+                    <a:bodyPr/>
+                    <a:lstStyle/>
+                    <a:p>
+                      <a:pPr algn="ctr">
+                        <a:defRPr/>
+                      </a:pPr>
+                      <a:endParaRPr lang="ko-KR" altLang="en-US" sz="1000"/>
+                    </a:p>
+                  </a:txBody>
+                  <a:tcPr anchor="ctr">
+                    <a:lnL w="3175" cap="flat" cmpd="sng" algn="ctr">
+                      <a:solidFill>
+                        <a:schemeClr val="dk1"/>
+                      </a:solidFill>
+                      <a:prstDash val="solid"/>
+                      <a:round/>
+                      <a:headEnd w="med" len="med"/>
+                      <a:tailEnd w="med" len="med"/>
+                    </a:lnL>
+                    <a:lnR w="3175" cap="flat" cmpd="sng" algn="ctr">
+                      <a:solidFill>
+                        <a:schemeClr val="dk1"/>
+                      </a:solidFill>
+                      <a:prstDash val="solid"/>
+                      <a:round/>
+                      <a:headEnd w="med" len="med"/>
+                      <a:tailEnd w="med" len="med"/>
+                    </a:lnR>
+                    <a:lnT w="3175" cap="flat" cmpd="sng" algn="ctr">
+                      <a:solidFill>
+                        <a:schemeClr val="dk1"/>
+                      </a:solidFill>
+                      <a:prstDash val="solid"/>
+                      <a:round/>
+                      <a:headEnd w="med" len="med"/>
+                      <a:tailEnd w="med" len="med"/>
+                    </a:lnT>
+                    <a:lnB w="3175" cap="flat" cmpd="sng" algn="ctr">
+                      <a:solidFill>
+                        <a:schemeClr val="dk1"/>
+                      </a:solidFill>
+                      <a:prstDash val="solid"/>
+                      <a:round/>
+                      <a:headEnd w="med" len="med"/>
+                      <a:tailEnd w="med" len="med"/>
+                    </a:lnB>
+                  </a:tcPr>
+                </a:tc>
+              </a:tr>
+              <a:tr h="614939">
+                <a:tc>
+                  <a:txBody>
+                    <a:bodyPr/>
+                    <a:lstStyle/>
+                    <a:p>
+                      <a:pPr algn="ctr">
+                        <a:defRPr/>
+                      </a:pPr>
+                      <a:r>
+                        <a:rPr lang="en-US" altLang="ko-KR" sz="1300"/>
+                        <a:t>DB</a:t>
+                      </a:r>
+                      <a:r>
+                        <a:rPr lang="ko-KR" altLang="en-US" sz="1300"/>
+                        <a:t> 관리</a:t>
+                      </a:r>
+                    </a:p>
+                  </a:txBody>
+                  <a:tcPr anchor="ctr">
+                    <a:lnL w="3175" cap="flat" cmpd="sng" algn="ctr">
+                      <a:solidFill>
+                        <a:schemeClr val="dk1"/>
+                      </a:solidFill>
+                      <a:prstDash val="solid"/>
+                      <a:round/>
+                      <a:headEnd w="med" len="med"/>
+                      <a:tailEnd w="med" len="med"/>
+                    </a:lnL>
+                    <a:lnR w="3175" cap="flat" cmpd="sng" algn="ctr">
+                      <a:solidFill>
+                        <a:schemeClr val="dk1"/>
+                      </a:solidFill>
+                      <a:prstDash val="solid"/>
+                      <a:round/>
+                      <a:headEnd w="med" len="med"/>
+                      <a:tailEnd w="med" len="med"/>
+                    </a:lnR>
+                    <a:lnT w="3175" cap="flat" cmpd="sng" algn="ctr">
+                      <a:solidFill>
+                        <a:schemeClr val="dk1"/>
+                      </a:solidFill>
+                      <a:prstDash val="solid"/>
+                      <a:round/>
+                      <a:headEnd w="med" len="med"/>
+                      <a:tailEnd w="med" len="med"/>
+                    </a:lnT>
+                    <a:lnB w="3175" cap="flat" cmpd="sng" algn="ctr">
+                      <a:solidFill>
+                        <a:schemeClr val="dk1"/>
+                      </a:solidFill>
+                      <a:prstDash val="solid"/>
+                      <a:round/>
+                      <a:headEnd w="med" len="med"/>
+                      <a:tailEnd w="med" len="med"/>
+                    </a:lnB>
+                  </a:tcPr>
+                </a:tc>
+                <a:tc>
+                  <a:txBody>
+                    <a:bodyPr/>
+                    <a:lstStyle/>
+                    <a:p>
+                      <a:pPr algn="ctr">
+                        <a:defRPr/>
+                      </a:pPr>
+                      <a:r>
+                        <a:rPr lang="en-US" altLang="ko-KR" sz="1300"/>
+                        <a:t>5/21</a:t>
+                      </a:r>
+                    </a:p>
+                  </a:txBody>
+                  <a:tcPr anchor="ctr">
+                    <a:lnL w="3175" cap="flat" cmpd="sng" algn="ctr">
+                      <a:solidFill>
+                        <a:schemeClr val="dk1"/>
+                      </a:solidFill>
+                      <a:prstDash val="solid"/>
+                      <a:round/>
+                      <a:headEnd w="med" len="med"/>
+                      <a:tailEnd w="med" len="med"/>
+                    </a:lnL>
+                    <a:lnR w="3175" cap="flat" cmpd="sng" algn="ctr">
+                      <a:solidFill>
+                        <a:schemeClr val="dk1"/>
+                      </a:solidFill>
+                      <a:prstDash val="solid"/>
+                      <a:round/>
+                      <a:headEnd w="med" len="med"/>
+                      <a:tailEnd w="med" len="med"/>
+                    </a:lnR>
+                    <a:lnT w="3175" cap="flat" cmpd="sng" algn="ctr">
+                      <a:solidFill>
+                        <a:schemeClr val="dk1"/>
+                      </a:solidFill>
+                      <a:prstDash val="solid"/>
+                      <a:round/>
+                      <a:headEnd w="med" len="med"/>
+                      <a:tailEnd w="med" len="med"/>
+                    </a:lnT>
+                    <a:lnB w="3175" cap="flat" cmpd="sng" algn="ctr">
+                      <a:solidFill>
+                        <a:schemeClr val="dk1"/>
+                      </a:solidFill>
+                      <a:prstDash val="solid"/>
+                      <a:round/>
+                      <a:headEnd w="med" len="med"/>
+                      <a:tailEnd w="med" len="med"/>
+                    </a:lnB>
+                  </a:tcPr>
+                </a:tc>
+                <a:tc>
+                  <a:txBody>
+                    <a:bodyPr/>
+                    <a:lstStyle/>
+                    <a:p>
+                      <a:pPr algn="ctr">
+                        <a:defRPr/>
+                      </a:pPr>
+                      <a:r>
+                        <a:rPr lang="en-US" altLang="ko-KR" sz="1300"/>
+                        <a:t>6/17</a:t>
+                      </a:r>
+                    </a:p>
+                  </a:txBody>
+                  <a:tcPr anchor="ctr">
+                    <a:lnL w="3175" cap="flat" cmpd="sng" algn="ctr">
+                      <a:solidFill>
+                        <a:schemeClr val="dk1"/>
+                      </a:solidFill>
+                      <a:prstDash val="solid"/>
+                      <a:round/>
+                      <a:headEnd w="med" len="med"/>
+                      <a:tailEnd w="med" len="med"/>
+                    </a:lnL>
+                    <a:lnR w="3175" cap="flat" cmpd="sng" algn="ctr">
+                      <a:solidFill>
+                        <a:schemeClr val="dk1"/>
+                      </a:solidFill>
+                      <a:prstDash val="solid"/>
+                      <a:round/>
+                      <a:headEnd w="med" len="med"/>
+                      <a:tailEnd w="med" len="med"/>
+                    </a:lnR>
+                    <a:lnT w="3175" cap="flat" cmpd="sng" algn="ctr">
+                      <a:solidFill>
+                        <a:schemeClr val="dk1"/>
+                      </a:solidFill>
+                      <a:prstDash val="solid"/>
+                      <a:round/>
+                      <a:headEnd w="med" len="med"/>
+                      <a:tailEnd w="med" len="med"/>
+                    </a:lnT>
+                    <a:lnB w="3175" cap="flat" cmpd="sng" algn="ctr">
+                      <a:solidFill>
+                        <a:schemeClr val="dk1"/>
+                      </a:solidFill>
+                      <a:prstDash val="solid"/>
+                      <a:round/>
+                      <a:headEnd w="med" len="med"/>
+                      <a:tailEnd w="med" len="med"/>
+                    </a:lnB>
+                  </a:tcPr>
+                </a:tc>
+                <a:tc>
+                  <a:txBody>
+                    <a:bodyPr/>
+                    <a:lstStyle/>
+                    <a:p>
+                      <a:pPr algn="ctr">
+                        <a:defRPr/>
+                      </a:pPr>
+                      <a:endParaRPr lang="ko-KR" altLang="en-US" sz="1000"/>
+                    </a:p>
+                  </a:txBody>
+                  <a:tcPr anchor="ctr">
+                    <a:lnL w="3175" cap="flat" cmpd="sng" algn="ctr">
+                      <a:solidFill>
+                        <a:schemeClr val="dk1"/>
+                      </a:solidFill>
+                      <a:prstDash val="solid"/>
+                      <a:round/>
+                      <a:headEnd w="med" len="med"/>
+                      <a:tailEnd w="med" len="med"/>
+                    </a:lnL>
+                    <a:lnR w="3175" cap="flat" cmpd="sng" algn="ctr">
+                      <a:solidFill>
+                        <a:schemeClr val="dk1"/>
+                      </a:solidFill>
+                      <a:prstDash val="solid"/>
+                      <a:round/>
+                      <a:headEnd w="med" len="med"/>
+                      <a:tailEnd w="med" len="med"/>
+                    </a:lnR>
+                    <a:lnT w="3175" cap="flat" cmpd="sng" algn="ctr">
+                      <a:solidFill>
+                        <a:schemeClr val="dk1"/>
+                      </a:solidFill>
+                      <a:prstDash val="solid"/>
+                      <a:round/>
+                      <a:headEnd w="med" len="med"/>
+                      <a:tailEnd w="med" len="med"/>
+                    </a:lnT>
+                    <a:lnB w="3175" cap="flat" cmpd="sng" algn="ctr">
+                      <a:solidFill>
+                        <a:schemeClr val="dk1"/>
+                      </a:solidFill>
+                      <a:prstDash val="solid"/>
+                      <a:round/>
+                      <a:headEnd w="med" len="med"/>
+                      <a:tailEnd w="med" len="med"/>
+                    </a:lnB>
+                  </a:tcPr>
+                </a:tc>
+                <a:tc>
+                  <a:txBody>
+                    <a:bodyPr/>
+                    <a:lstStyle/>
+                    <a:p>
+                      <a:pPr algn="ctr">
+                        <a:defRPr/>
+                      </a:pPr>
+                      <a:endParaRPr lang="ko-KR" altLang="en-US" sz="1000"/>
+                    </a:p>
+                  </a:txBody>
+                  <a:tcPr anchor="ctr">
+                    <a:lnL w="3175" cap="flat" cmpd="sng" algn="ctr">
+                      <a:solidFill>
+                        <a:schemeClr val="dk1"/>
+                      </a:solidFill>
+                      <a:prstDash val="solid"/>
+                      <a:round/>
+                      <a:headEnd w="med" len="med"/>
+                      <a:tailEnd w="med" len="med"/>
+                    </a:lnL>
+                    <a:lnR w="3175" cap="flat" cmpd="sng" algn="ctr">
+                      <a:solidFill>
+                        <a:schemeClr val="dk1"/>
+                      </a:solidFill>
+                      <a:prstDash val="solid"/>
+                      <a:round/>
+                      <a:headEnd w="med" len="med"/>
+                      <a:tailEnd w="med" len="med"/>
+                    </a:lnR>
+                    <a:lnT w="3175" cap="flat" cmpd="sng" algn="ctr">
+                      <a:solidFill>
+                        <a:schemeClr val="dk1"/>
+                      </a:solidFill>
+                      <a:prstDash val="solid"/>
+                      <a:round/>
+                      <a:headEnd w="med" len="med"/>
+                      <a:tailEnd w="med" len="med"/>
+                    </a:lnT>
+                    <a:lnB w="3175" cap="flat" cmpd="sng" algn="ctr">
+                      <a:solidFill>
+                        <a:schemeClr val="dk1"/>
+                      </a:solidFill>
+                      <a:prstDash val="solid"/>
+                      <a:round/>
+                      <a:headEnd w="med" len="med"/>
+                      <a:tailEnd w="med" len="med"/>
+                    </a:lnB>
+                  </a:tcPr>
+                </a:tc>
+                <a:tc>
+                  <a:txBody>
+                    <a:bodyPr/>
+                    <a:lstStyle/>
+                    <a:p>
+                      <a:pPr algn="ctr">
+                        <a:defRPr/>
+                      </a:pPr>
+                      <a:endParaRPr lang="ko-KR" altLang="en-US" sz="1000"/>
+                    </a:p>
+                  </a:txBody>
+                  <a:tcPr anchor="ctr">
+                    <a:lnL w="3175" cap="flat" cmpd="sng" algn="ctr">
+                      <a:solidFill>
+                        <a:schemeClr val="dk1"/>
+                      </a:solidFill>
+                      <a:prstDash val="solid"/>
+                      <a:round/>
+                      <a:headEnd w="med" len="med"/>
+                      <a:tailEnd w="med" len="med"/>
+                    </a:lnL>
+                    <a:lnR w="3175" cap="flat" cmpd="sng" algn="ctr">
+                      <a:solidFill>
+                        <a:schemeClr val="dk1"/>
+                      </a:solidFill>
+                      <a:prstDash val="solid"/>
+                      <a:round/>
+                      <a:headEnd w="med" len="med"/>
+                      <a:tailEnd w="med" len="med"/>
+                    </a:lnR>
+                    <a:lnT w="3175" cap="flat" cmpd="sng" algn="ctr">
+                      <a:solidFill>
+                        <a:schemeClr val="dk1"/>
+                      </a:solidFill>
+                      <a:prstDash val="solid"/>
+                      <a:round/>
+                      <a:headEnd w="med" len="med"/>
+                      <a:tailEnd w="med" len="med"/>
+                    </a:lnT>
+                    <a:lnB w="3175" cap="flat" cmpd="sng" algn="ctr">
+                      <a:solidFill>
+                        <a:schemeClr val="dk1"/>
+                      </a:solidFill>
+                      <a:prstDash val="solid"/>
+                      <a:round/>
+                      <a:headEnd w="med" len="med"/>
+                      <a:tailEnd w="med" len="med"/>
+                    </a:lnB>
+                  </a:tcPr>
+                </a:tc>
+                <a:tc>
+                  <a:txBody>
+                    <a:bodyPr/>
+                    <a:lstStyle/>
+                    <a:p>
+                      <a:pPr algn="ctr">
+                        <a:defRPr/>
+                      </a:pPr>
+                      <a:endParaRPr lang="ko-KR" altLang="en-US" sz="1000"/>
+                    </a:p>
+                  </a:txBody>
+                  <a:tcPr anchor="ctr">
+                    <a:lnL w="3175" cap="flat" cmpd="sng" algn="ctr">
+                      <a:solidFill>
+                        <a:schemeClr val="dk1"/>
+                      </a:solidFill>
+                      <a:prstDash val="solid"/>
+                      <a:round/>
+                      <a:headEnd w="med" len="med"/>
+                      <a:tailEnd w="med" len="med"/>
+                    </a:lnL>
+                    <a:lnR w="3175" cap="flat" cmpd="sng" algn="ctr">
+                      <a:solidFill>
+                        <a:schemeClr val="dk1"/>
+                      </a:solidFill>
+                      <a:prstDash val="solid"/>
+                      <a:round/>
+                      <a:headEnd w="med" len="med"/>
+                      <a:tailEnd w="med" len="med"/>
+                    </a:lnR>
+                    <a:lnT w="3175" cap="flat" cmpd="sng" algn="ctr">
+                      <a:solidFill>
+                        <a:schemeClr val="dk1"/>
+                      </a:solidFill>
+                      <a:prstDash val="solid"/>
+                      <a:round/>
+                      <a:headEnd w="med" len="med"/>
+                      <a:tailEnd w="med" len="med"/>
+                    </a:lnT>
+                    <a:lnB w="3175" cap="flat" cmpd="sng" algn="ctr">
+                      <a:solidFill>
+                        <a:schemeClr val="dk1"/>
+                      </a:solidFill>
+                      <a:prstDash val="solid"/>
+                      <a:round/>
+                      <a:headEnd w="med" len="med"/>
+                      <a:tailEnd w="med" len="med"/>
+                    </a:lnB>
+                  </a:tcPr>
+                </a:tc>
+                <a:tc>
+                  <a:txBody>
+                    <a:bodyPr/>
+                    <a:lstStyle/>
+                    <a:p>
+                      <a:pPr algn="ctr">
+                        <a:defRPr/>
+                      </a:pPr>
+                      <a:endParaRPr lang="ko-KR" altLang="en-US" sz="1000"/>
+                    </a:p>
+                  </a:txBody>
+                  <a:tcPr anchor="ctr">
+                    <a:lnL w="3175" cap="flat" cmpd="sng" algn="ctr">
+                      <a:solidFill>
+                        <a:schemeClr val="dk1"/>
+                      </a:solidFill>
+                      <a:prstDash val="solid"/>
+                      <a:round/>
+                      <a:headEnd w="med" len="med"/>
+                      <a:tailEnd w="med" len="med"/>
+                    </a:lnL>
+                    <a:lnR w="3175" cap="flat" cmpd="sng" algn="ctr">
+                      <a:solidFill>
+                        <a:schemeClr val="dk1"/>
+                      </a:solidFill>
+                      <a:prstDash val="solid"/>
+                      <a:round/>
+                      <a:headEnd w="med" len="med"/>
+                      <a:tailEnd w="med" len="med"/>
+                    </a:lnR>
+                    <a:lnT w="3175" cap="flat" cmpd="sng" algn="ctr">
+                      <a:solidFill>
+                        <a:schemeClr val="dk1"/>
+                      </a:solidFill>
+                      <a:prstDash val="solid"/>
+                      <a:round/>
+                      <a:headEnd w="med" len="med"/>
+                      <a:tailEnd w="med" len="med"/>
+                    </a:lnT>
+                    <a:lnB w="3175" cap="flat" cmpd="sng" algn="ctr">
+                      <a:solidFill>
+                        <a:schemeClr val="dk1"/>
+                      </a:solidFill>
+                      <a:prstDash val="solid"/>
+                      <a:round/>
+                      <a:headEnd w="med" len="med"/>
+                      <a:tailEnd w="med" len="med"/>
+                    </a:lnB>
+                  </a:tcPr>
+                </a:tc>
+                <a:tc>
+                  <a:txBody>
+                    <a:bodyPr/>
+                    <a:lstStyle/>
+                    <a:p>
+                      <a:pPr algn="ctr">
+                        <a:defRPr/>
+                      </a:pPr>
+                      <a:endParaRPr lang="ko-KR" altLang="en-US" sz="1000"/>
+                    </a:p>
+                  </a:txBody>
+                  <a:tcPr anchor="ctr">
+                    <a:lnL w="3175" cap="flat" cmpd="sng" algn="ctr">
+                      <a:solidFill>
+                        <a:schemeClr val="dk1"/>
+                      </a:solidFill>
+                      <a:prstDash val="solid"/>
+                      <a:round/>
+                      <a:headEnd w="med" len="med"/>
+                      <a:tailEnd w="med" len="med"/>
+                    </a:lnL>
+                    <a:lnR w="3175" cap="flat" cmpd="sng" algn="ctr">
+                      <a:solidFill>
+                        <a:schemeClr val="dk1"/>
+                      </a:solidFill>
+                      <a:prstDash val="solid"/>
+                      <a:round/>
+                      <a:headEnd w="med" len="med"/>
+                      <a:tailEnd w="med" len="med"/>
+                    </a:lnR>
+                    <a:lnT w="3175" cap="flat" cmpd="sng" algn="ctr">
+                      <a:solidFill>
+                        <a:schemeClr val="dk1"/>
+                      </a:solidFill>
+                      <a:prstDash val="solid"/>
+                      <a:round/>
+                      <a:headEnd w="med" len="med"/>
+                      <a:tailEnd w="med" len="med"/>
+                    </a:lnT>
+                    <a:lnB w="3175" cap="flat" cmpd="sng" algn="ctr">
+                      <a:solidFill>
+                        <a:schemeClr val="dk1"/>
+                      </a:solidFill>
+                      <a:prstDash val="solid"/>
+                      <a:round/>
+                      <a:headEnd w="med" len="med"/>
+                      <a:tailEnd w="med" len="med"/>
+                    </a:lnB>
+                  </a:tcPr>
+                </a:tc>
+                <a:tc>
+                  <a:txBody>
+                    <a:bodyPr/>
+                    <a:lstStyle/>
+                    <a:p>
+                      <a:pPr algn="ctr">
+                        <a:defRPr/>
+                      </a:pPr>
+                      <a:endParaRPr lang="ko-KR" altLang="en-US" sz="1000"/>
+                    </a:p>
+                  </a:txBody>
+                  <a:tcPr anchor="ctr">
+                    <a:lnL w="3175" cap="flat" cmpd="sng" algn="ctr">
+                      <a:solidFill>
+                        <a:schemeClr val="dk1"/>
+                      </a:solidFill>
+                      <a:prstDash val="solid"/>
+                      <a:round/>
+                      <a:headEnd w="med" len="med"/>
+                      <a:tailEnd w="med" len="med"/>
+                    </a:lnL>
+                    <a:lnR w="3175" cap="flat" cmpd="sng" algn="ctr">
+                      <a:solidFill>
+                        <a:schemeClr val="dk1"/>
+                      </a:solidFill>
+                      <a:prstDash val="solid"/>
+                      <a:round/>
+                      <a:headEnd w="med" len="med"/>
+                      <a:tailEnd w="med" len="med"/>
+                    </a:lnR>
+                    <a:lnT w="3175" cap="flat" cmpd="sng" algn="ctr">
+                      <a:solidFill>
+                        <a:schemeClr val="dk1"/>
+                      </a:solidFill>
+                      <a:prstDash val="solid"/>
+                      <a:round/>
+                      <a:headEnd w="med" len="med"/>
+                      <a:tailEnd w="med" len="med"/>
+                    </a:lnT>
+                    <a:lnB w="3175" cap="flat" cmpd="sng" algn="ctr">
+                      <a:solidFill>
+                        <a:schemeClr val="dk1"/>
+                      </a:solidFill>
+                      <a:prstDash val="solid"/>
+                      <a:round/>
+                      <a:headEnd w="med" len="med"/>
+                      <a:tailEnd w="med" len="med"/>
+                    </a:lnB>
+                  </a:tcPr>
+                </a:tc>
+              </a:tr>
+            </a:tbl>
+          </a:graphicData>
+        </a:graphic>
+      </p:graphicFrame>
+      <p:grpSp>
+        <p:nvGrpSpPr>
+          <p:cNvPr id="34" name="그룹 33"/>
+          <p:cNvGrpSpPr/>
+          <p:nvPr/>
+        </p:nvGrpSpPr>
+        <p:grpSpPr>
+          <a:xfrm>
+            <a:off x="3097931" y="2401838"/>
+            <a:ext cx="5804073" cy="3340943"/>
+            <a:chOff x="3097931" y="2401838"/>
+            <a:chExt cx="5804073" cy="3340943"/>
+          </a:xfrm>
+        </p:grpSpPr>
+        <p:sp>
+          <p:nvSpPr>
+            <p:cNvPr id="24" name="직사각형 23"/>
+            <p:cNvSpPr/>
+            <p:nvPr/>
+          </p:nvSpPr>
+          <p:spPr>
+            <a:xfrm>
+              <a:off x="3097931" y="2401838"/>
+              <a:ext cx="5804073" cy="288032"/>
+            </a:xfrm>
+            <a:prstGeom prst="rect">
+              <a:avLst/>
+            </a:prstGeom>
+            <a:solidFill>
+              <a:srgbClr val="808080"/>
+            </a:solidFill>
+            <a:ln w="3175">
+              <a:noFill/>
+            </a:ln>
+          </p:spPr>
+          <p:style>
+            <a:lnRef idx="2">
+              <a:schemeClr val="accent1">
+                <a:shade val="20000"/>
+              </a:schemeClr>
+            </a:lnRef>
+            <a:fillRef idx="1">
+              <a:schemeClr val="accent1"/>
+            </a:fillRef>
+            <a:effectRef idx="0">
+              <a:schemeClr val="accent1"/>
+            </a:effectRef>
+            <a:fontRef idx="minor">
+              <a:schemeClr val="lt1"/>
+            </a:fontRef>
+          </p:style>
+          <p:txBody>
+            <a:bodyPr anchor="ctr"/>
+            <a:lstStyle/>
+            <a:p>
+              <a:pPr algn="ctr">
+                <a:defRPr/>
+              </a:pPr>
+              <a:endParaRPr lang="ko-KR" altLang="en-US"/>
+            </a:p>
+          </p:txBody>
+        </p:sp>
+        <p:sp>
+          <p:nvSpPr>
+            <p:cNvPr id="25" name="직사각형 24"/>
+            <p:cNvSpPr/>
+            <p:nvPr/>
+          </p:nvSpPr>
+          <p:spPr>
+            <a:xfrm>
+              <a:off x="3097932" y="2996952"/>
+              <a:ext cx="1656207" cy="288032"/>
+            </a:xfrm>
+            <a:prstGeom prst="rect">
+              <a:avLst/>
+            </a:prstGeom>
+            <a:solidFill>
+              <a:srgbClr val="D8BEE4"/>
+            </a:solidFill>
+            <a:ln w="3175">
+              <a:noFill/>
+            </a:ln>
+          </p:spPr>
+          <p:style>
+            <a:lnRef idx="2">
+              <a:schemeClr val="accent1">
+                <a:shade val="20000"/>
+              </a:schemeClr>
+            </a:lnRef>
+            <a:fillRef idx="1">
+              <a:schemeClr val="accent1"/>
+            </a:fillRef>
+            <a:effectRef idx="0">
+              <a:schemeClr val="accent1"/>
+            </a:effectRef>
+            <a:fontRef idx="minor">
+              <a:schemeClr val="lt1"/>
+            </a:fontRef>
+          </p:style>
+          <p:txBody>
+            <a:bodyPr anchor="ctr"/>
+            <a:lstStyle/>
+            <a:p>
+              <a:pPr algn="ctr">
+                <a:defRPr/>
+              </a:pPr>
+              <a:endParaRPr lang="ko-KR" altLang="en-US"/>
+            </a:p>
+          </p:txBody>
+        </p:sp>
+        <p:sp>
+          <p:nvSpPr>
+            <p:cNvPr id="26" name="직사각형 25"/>
+            <p:cNvSpPr/>
+            <p:nvPr/>
+          </p:nvSpPr>
+          <p:spPr>
+            <a:xfrm>
+              <a:off x="4759426" y="3625974"/>
+              <a:ext cx="817302" cy="288032"/>
+            </a:xfrm>
+            <a:prstGeom prst="rect">
+              <a:avLst/>
+            </a:prstGeom>
+            <a:solidFill>
+              <a:srgbClr val="D8BEE4"/>
+            </a:solidFill>
+            <a:ln w="3175">
+              <a:noFill/>
+            </a:ln>
+          </p:spPr>
+          <p:style>
+            <a:lnRef idx="2">
+              <a:schemeClr val="accent1">
+                <a:shade val="20000"/>
+              </a:schemeClr>
+            </a:lnRef>
+            <a:fillRef idx="1">
+              <a:schemeClr val="accent1"/>
+            </a:fillRef>
+            <a:effectRef idx="0">
+              <a:schemeClr val="accent1"/>
+            </a:effectRef>
+            <a:fontRef idx="minor">
+              <a:schemeClr val="lt1"/>
+            </a:fontRef>
+          </p:style>
+          <p:txBody>
+            <a:bodyPr anchor="ctr"/>
+            <a:lstStyle/>
+            <a:p>
+              <a:pPr algn="ctr">
+                <a:defRPr/>
+              </a:pPr>
+              <a:endParaRPr lang="ko-KR" altLang="en-US"/>
+            </a:p>
+          </p:txBody>
+        </p:sp>
+        <p:sp>
+          <p:nvSpPr>
+            <p:cNvPr id="27" name="직사각형 26"/>
+            <p:cNvSpPr/>
+            <p:nvPr/>
+          </p:nvSpPr>
+          <p:spPr>
+            <a:xfrm>
+              <a:off x="5584304" y="4230613"/>
+              <a:ext cx="824503" cy="288032"/>
+            </a:xfrm>
+            <a:prstGeom prst="rect">
+              <a:avLst/>
+            </a:prstGeom>
+            <a:solidFill>
+              <a:srgbClr val="D8BEE4"/>
+            </a:solidFill>
+            <a:ln w="3175">
+              <a:noFill/>
+            </a:ln>
+          </p:spPr>
+          <p:style>
+            <a:lnRef idx="2">
+              <a:schemeClr val="accent1">
+                <a:shade val="20000"/>
+              </a:schemeClr>
+            </a:lnRef>
+            <a:fillRef idx="1">
+              <a:schemeClr val="accent1"/>
+            </a:fillRef>
+            <a:effectRef idx="0">
+              <a:schemeClr val="accent1"/>
+            </a:effectRef>
+            <a:fontRef idx="minor">
+              <a:schemeClr val="lt1"/>
+            </a:fontRef>
+          </p:style>
+          <p:txBody>
+            <a:bodyPr anchor="ctr"/>
+            <a:lstStyle/>
+            <a:p>
+              <a:pPr algn="ctr">
+                <a:defRPr/>
+              </a:pPr>
+              <a:endParaRPr lang="ko-KR" altLang="en-US"/>
+            </a:p>
+          </p:txBody>
+        </p:sp>
+        <p:sp>
+          <p:nvSpPr>
+            <p:cNvPr id="28" name="직사각형 27"/>
+            <p:cNvSpPr/>
+            <p:nvPr/>
+          </p:nvSpPr>
+          <p:spPr>
+            <a:xfrm>
+              <a:off x="6408192" y="4850110"/>
+              <a:ext cx="2484310" cy="288032"/>
+            </a:xfrm>
+            <a:prstGeom prst="rect">
+              <a:avLst/>
+            </a:prstGeom>
+            <a:solidFill>
+              <a:srgbClr val="D8BEE4"/>
+            </a:solidFill>
+            <a:ln w="3175">
+              <a:noFill/>
+            </a:ln>
+          </p:spPr>
+          <p:style>
+            <a:lnRef idx="2">
+              <a:schemeClr val="accent1">
+                <a:shade val="20000"/>
+              </a:schemeClr>
+            </a:lnRef>
+            <a:fillRef idx="1">
+              <a:schemeClr val="accent1"/>
+            </a:fillRef>
+            <a:effectRef idx="0">
+              <a:schemeClr val="accent1"/>
+            </a:effectRef>
+            <a:fontRef idx="minor">
+              <a:schemeClr val="lt1"/>
+            </a:fontRef>
+          </p:style>
+          <p:txBody>
+            <a:bodyPr anchor="ctr"/>
+            <a:lstStyle/>
+            <a:p>
+              <a:pPr algn="ctr">
+                <a:defRPr/>
+              </a:pPr>
+              <a:endParaRPr lang="ko-KR" altLang="en-US"/>
+            </a:p>
+          </p:txBody>
+        </p:sp>
+        <p:sp>
+          <p:nvSpPr>
+            <p:cNvPr id="29" name="직사각형 28"/>
+            <p:cNvSpPr/>
+            <p:nvPr/>
+          </p:nvSpPr>
+          <p:spPr>
+            <a:xfrm>
+              <a:off x="5587433" y="5454749"/>
+              <a:ext cx="3312414" cy="288032"/>
+            </a:xfrm>
+            <a:prstGeom prst="rect">
+              <a:avLst/>
+            </a:prstGeom>
+            <a:solidFill>
+              <a:srgbClr val="D8BEE4"/>
+            </a:solidFill>
+            <a:ln w="3175">
+              <a:noFill/>
+            </a:ln>
+          </p:spPr>
+          <p:style>
+            <a:lnRef idx="2">
+              <a:schemeClr val="accent1">
+                <a:shade val="20000"/>
+              </a:schemeClr>
+            </a:lnRef>
+            <a:fillRef idx="1">
+              <a:schemeClr val="accent1"/>
+            </a:fillRef>
+            <a:effectRef idx="0">
+              <a:schemeClr val="accent1"/>
+            </a:effectRef>
+            <a:fontRef idx="minor">
+              <a:schemeClr val="lt1"/>
+            </a:fontRef>
+          </p:style>
+          <p:txBody>
+            <a:bodyPr anchor="ctr"/>
+            <a:lstStyle/>
+            <a:p>
+              <a:pPr algn="ctr">
+                <a:defRPr/>
+              </a:pPr>
+              <a:endParaRPr lang="ko-KR" altLang="en-US"/>
+            </a:p>
+          </p:txBody>
+        </p:sp>
+      </p:grpSp>
     </p:spTree>
-    <p:extLst>
-      <p:ext uri="{BB962C8B-B14F-4D97-AF65-F5344CB8AC3E}">
-        <p14:creationId xmlns:p14="http://schemas.microsoft.com/office/powerpoint/2010/main" val="1413686294"/>
-      </p:ext>
-    </p:extLst>
   </p:cSld>
   <p:clrMapOvr>
     <a:masterClrMapping/>
   </p:clrMapOvr>
+  <p:transition/>
   <p:timing>
     <p:tnLst>
       <p:par>
-        <p:cTn id="1" dur="indefinite" restart="never" nodeType="tmRoot"/>
+        <p:cTn id="1" dur="indefinite" restart="never" nodeType="tmRoot">
+          <p:childTnLst>
+            <p:seq concurrent="1" nextAc="seek">
+              <p:cTn id="2" dur="indefinite" nodeType="mainSeq">
+                <p:childTnLst>
+                  <p:par>
+                    <p:cTn id="3" fill="hold">
+                      <p:stCondLst>
+                        <p:cond delay="indefinite"/>
+                      </p:stCondLst>
+                      <p:childTnLst>
+                        <p:par>
+                          <p:cTn id="4" fill="hold">
+                            <p:stCondLst>
+                              <p:cond delay="0"/>
+                            </p:stCondLst>
+                            <p:childTnLst>
+                              <p:par>
+                                <p:cTn id="5" presetID="42" presetClass="entr" presetSubtype="0" fill="hold" nodeType="clickEffect">
+                                  <p:stCondLst>
+                                    <p:cond delay="0"/>
+                                  </p:stCondLst>
+                                  <p:childTnLst>
+                                    <p:set>
+                                      <p:cBhvr>
+                                        <p:cTn id="6" dur="1" fill="hold">
+                                          <p:stCondLst>
+                                            <p:cond delay="0"/>
+                                          </p:stCondLst>
+                                        </p:cTn>
+                                        <p:tgtEl>
+                                          <p:spTgt spid="18"/>
+                                        </p:tgtEl>
+                                        <p:attrNameLst>
+                                          <p:attrName>style.visibility</p:attrName>
+                                        </p:attrNameLst>
+                                      </p:cBhvr>
+                                      <p:to>
+                                        <p:strVal val="visible"/>
+                                      </p:to>
+                                    </p:set>
+                                    <p:animEffect transition="in" filter="fade">
+                                      <p:cBhvr>
+                                        <p:cTn id="7" dur="1000"/>
+                                        <p:tgtEl>
+                                          <p:spTgt spid="18"/>
+                                        </p:tgtEl>
+                                      </p:cBhvr>
+                                    </p:animEffect>
+                                    <p:anim calcmode="lin" valueType="num">
+                                      <p:cBhvr>
+                                        <p:cTn id="8" dur="1000" fill="hold"/>
+                                        <p:tgtEl>
+                                          <p:spTgt spid="18"/>
+                                        </p:tgtEl>
+                                        <p:attrNameLst>
+                                          <p:attrName>ppt_x</p:attrName>
+                                        </p:attrNameLst>
+                                      </p:cBhvr>
+                                      <p:tavLst>
+                                        <p:tav tm="0">
+                                          <p:val>
+                                            <p:strVal val="#ppt_x"/>
+                                          </p:val>
+                                        </p:tav>
+                                        <p:tav tm="100000">
+                                          <p:val>
+                                            <p:strVal val="#ppt_x"/>
+                                          </p:val>
+                                        </p:tav>
+                                      </p:tavLst>
+                                    </p:anim>
+                                    <p:anim calcmode="lin" valueType="num">
+                                      <p:cBhvr>
+                                        <p:cTn id="9" dur="1000" fill="hold"/>
+                                        <p:tgtEl>
+                                          <p:spTgt spid="18"/>
+                                        </p:tgtEl>
+                                        <p:attrNameLst>
+                                          <p:attrName>ppt_y</p:attrName>
+                                        </p:attrNameLst>
+                                      </p:cBhvr>
+                                      <p:tavLst>
+                                        <p:tav tm="0">
+                                          <p:val>
+                                            <p:strVal val="#ppt_y+.1"/>
+                                          </p:val>
+                                        </p:tav>
+                                        <p:tav tm="100000">
+                                          <p:val>
+                                            <p:strVal val="#ppt_y"/>
+                                          </p:val>
+                                        </p:tav>
+                                      </p:tavLst>
+                                    </p:anim>
+                                  </p:childTnLst>
+                                </p:cTn>
+                              </p:par>
+                              <p:par>
+                                <p:cTn id="10" presetID="42" presetClass="entr" presetSubtype="0" fill="hold" grpId="0" nodeType="withEffect">
+                                  <p:stCondLst>
+                                    <p:cond delay="0"/>
+                                  </p:stCondLst>
+                                  <p:childTnLst>
+                                    <p:set>
+                                      <p:cBhvr>
+                                        <p:cTn id="11" dur="1" fill="hold">
+                                          <p:stCondLst>
+                                            <p:cond delay="0"/>
+                                          </p:stCondLst>
+                                        </p:cTn>
+                                        <p:tgtEl>
+                                          <p:spTgt spid="34"/>
+                                        </p:tgtEl>
+                                        <p:attrNameLst>
+                                          <p:attrName>style.visibility</p:attrName>
+                                        </p:attrNameLst>
+                                      </p:cBhvr>
+                                      <p:to>
+                                        <p:strVal val="visible"/>
+                                      </p:to>
+                                    </p:set>
+                                    <p:animEffect transition="in" filter="fade">
+                                      <p:cBhvr>
+                                        <p:cTn id="12" dur="1000"/>
+                                        <p:tgtEl>
+                                          <p:spTgt spid="34"/>
+                                        </p:tgtEl>
+                                      </p:cBhvr>
+                                    </p:animEffect>
+                                    <p:anim calcmode="lin" valueType="num">
+                                      <p:cBhvr>
+                                        <p:cTn id="13" dur="1000" fill="hold"/>
+                                        <p:tgtEl>
+                                          <p:spTgt spid="34"/>
+                                        </p:tgtEl>
+                                        <p:attrNameLst>
+                                          <p:attrName>ppt_x</p:attrName>
+                                        </p:attrNameLst>
+                                      </p:cBhvr>
+                                      <p:tavLst>
+                                        <p:tav tm="0">
+                                          <p:val>
+                                            <p:strVal val="#ppt_x"/>
+                                          </p:val>
+                                        </p:tav>
+                                        <p:tav tm="100000">
+                                          <p:val>
+                                            <p:strVal val="#ppt_x"/>
+                                          </p:val>
+                                        </p:tav>
+                                      </p:tavLst>
+                                    </p:anim>
+                                    <p:anim calcmode="lin" valueType="num">
+                                      <p:cBhvr>
+                                        <p:cTn id="14" dur="1000" fill="hold"/>
+                                        <p:tgtEl>
+                                          <p:spTgt spid="34"/>
+                                        </p:tgtEl>
+                                        <p:attrNameLst>
+                                          <p:attrName>ppt_y</p:attrName>
+                                        </p:attrNameLst>
+                                      </p:cBhvr>
+                                      <p:tavLst>
+                                        <p:tav tm="0">
+                                          <p:val>
+                                            <p:strVal val="#ppt_y+.1"/>
+                                          </p:val>
+                                        </p:tav>
+                                        <p:tav tm="100000">
+                                          <p:val>
+                                            <p:strVal val="#ppt_y"/>
+                                          </p:val>
+                                        </p:tav>
+                                      </p:tavLst>
+                                    </p:anim>
+                                  </p:childTnLst>
+                                </p:cTn>
+                              </p:par>
+                            </p:childTnLst>
+                          </p:cTn>
+                        </p:par>
+                      </p:childTnLst>
+                    </p:cTn>
+                  </p:par>
+                </p:childTnLst>
+              </p:cTn>
+              <p:prevCondLst>
+                <p:cond evt="onPrev" delay="0">
+                  <p:tgtEl>
+                    <p:sldTgt/>
+                  </p:tgtEl>
+                </p:cond>
+              </p:prevCondLst>
+              <p:nextCondLst>
+                <p:cond evt="onNext" delay="0">
+                  <p:tgtEl>
+                    <p:sldTgt/>
+                  </p:tgtEl>
+                </p:cond>
+              </p:nextCondLst>
+            </p:seq>
+          </p:childTnLst>
+        </p:cTn>
       </p:par>
     </p:tnLst>
+    <p:bldLst>
+      <p:bldP spid="34" grpId="0" animBg="1"/>
+    </p:bldLst>
   </p:timing>
 </p:sld>
 </file>
@@ -11981,9 +19541,9 @@
         <a:latin typeface="맑은 고딕"/>
         <a:ea typeface=""/>
         <a:cs typeface=""/>
-        <a:font script="Jpan" typeface="ＭＳ Ｐゴシック"/>
+        <a:font script="Jpan" typeface="MS PGothic"/>
         <a:font script="Hang" typeface="맑은 고딕"/>
-        <a:font script="Hans" typeface="宋体"/>
+        <a:font script="Hans" typeface="SimSun"/>
         <a:font script="Hant" typeface="新細明體"/>
         <a:font script="Arab" typeface="Times New Roman"/>
         <a:font script="Hebr" typeface="Times New Roman"/>
@@ -12016,9 +19576,9 @@
         <a:latin typeface="맑은 고딕"/>
         <a:ea typeface=""/>
         <a:cs typeface=""/>
-        <a:font script="Jpan" typeface="ＭＳ Ｐゴシック"/>
+        <a:font script="Jpan" typeface="MS PGothic"/>
         <a:font script="Hang" typeface="맑은 고딕"/>
-        <a:font script="Hans" typeface="宋体"/>
+        <a:font script="Hans" typeface="SimSun"/>
         <a:font script="Hant" typeface="新細明體"/>
         <a:font script="Arab" typeface="Arial"/>
         <a:font script="Hebr" typeface="Arial"/>
@@ -12266,9 +19826,9 @@
         <a:latin typeface="맑은 고딕"/>
         <a:ea typeface=""/>
         <a:cs typeface=""/>
-        <a:font script="Jpan" typeface="ＭＳ Ｐゴシック"/>
+        <a:font script="Jpan" typeface="MS PGothic"/>
         <a:font script="Hang" typeface="맑은 고딕"/>
-        <a:font script="Hans" typeface="宋体"/>
+        <a:font script="Hans" typeface="SimSun"/>
         <a:font script="Hant" typeface="新細明體"/>
         <a:font script="Arab" typeface="Times New Roman"/>
         <a:font script="Hebr" typeface="Times New Roman"/>
@@ -12301,9 +19861,9 @@
         <a:latin typeface="맑은 고딕"/>
         <a:ea typeface=""/>
         <a:cs typeface=""/>
-        <a:font script="Jpan" typeface="ＭＳ Ｐゴシック"/>
+        <a:font script="Jpan" typeface="MS PGothic"/>
         <a:font script="Hang" typeface="맑은 고딕"/>
-        <a:font script="Hans" typeface="宋体"/>
+        <a:font script="Hans" typeface="SimSun"/>
         <a:font script="Hant" typeface="新細明體"/>
         <a:font script="Arab" typeface="Arial"/>
         <a:font script="Hebr" typeface="Arial"/>
